--- a/9no Semestre/Laboratorio de Física Contemporánea 2/Practica 2/Espectrometría de masas.pptx
+++ b/9no Semestre/Laboratorio de Física Contemporánea 2/Practica 2/Espectrometría de masas.pptx
@@ -4,9 +4,33 @@
   <p:sldMasterIdLst>
     <p:sldMasterId id="2147483648" r:id="rId1"/>
   </p:sldMasterIdLst>
+  <p:notesMasterIdLst>
+    <p:notesMasterId r:id="rId25"/>
+  </p:notesMasterIdLst>
   <p:sldIdLst>
     <p:sldId id="256" r:id="rId2"/>
     <p:sldId id="257" r:id="rId3"/>
+    <p:sldId id="258" r:id="rId4"/>
+    <p:sldId id="260" r:id="rId5"/>
+    <p:sldId id="261" r:id="rId6"/>
+    <p:sldId id="262" r:id="rId7"/>
+    <p:sldId id="263" r:id="rId8"/>
+    <p:sldId id="265" r:id="rId9"/>
+    <p:sldId id="264" r:id="rId10"/>
+    <p:sldId id="266" r:id="rId11"/>
+    <p:sldId id="267" r:id="rId12"/>
+    <p:sldId id="269" r:id="rId13"/>
+    <p:sldId id="268" r:id="rId14"/>
+    <p:sldId id="270" r:id="rId15"/>
+    <p:sldId id="272" r:id="rId16"/>
+    <p:sldId id="273" r:id="rId17"/>
+    <p:sldId id="274" r:id="rId18"/>
+    <p:sldId id="275" r:id="rId19"/>
+    <p:sldId id="276" r:id="rId20"/>
+    <p:sldId id="277" r:id="rId21"/>
+    <p:sldId id="278" r:id="rId22"/>
+    <p:sldId id="279" r:id="rId23"/>
+    <p:sldId id="280" r:id="rId24"/>
   </p:sldIdLst>
   <p:sldSz cx="12192000" cy="6858000"/>
   <p:notesSz cx="6858000" cy="9144000"/>
@@ -108,6 +132,368 @@
 </p:presentation>
 </file>
 
+<file path=ppt/commentAuthors.xml><?xml version="1.0" encoding="utf-8"?>
+<p:cmAuthorLst xmlns:a="http://schemas.openxmlformats.org/drawingml/2006/main" xmlns:r="http://schemas.openxmlformats.org/officeDocument/2006/relationships" xmlns:p="http://schemas.openxmlformats.org/presentationml/2006/main">
+  <p:cmAuthor id="1" name="Eduardo Esquivel Ramírez" initials="EER" lastIdx="0" clrIdx="0">
+    <p:extLst>
+      <p:ext uri="{19B8F6BF-5375-455C-9EA6-DF929625EA0E}">
+        <p15:presenceInfo xmlns:p15="http://schemas.microsoft.com/office/powerpoint/2012/main" userId="4022b9ce6a2ef97b" providerId="Windows Live"/>
+      </p:ext>
+    </p:extLst>
+  </p:cmAuthor>
+</p:cmAuthorLst>
+</file>
+
+<file path=ppt/notesMasters/notesMaster1.xml><?xml version="1.0" encoding="utf-8"?>
+<p:notesMaster xmlns:a="http://schemas.openxmlformats.org/drawingml/2006/main" xmlns:r="http://schemas.openxmlformats.org/officeDocument/2006/relationships" xmlns:p="http://schemas.openxmlformats.org/presentationml/2006/main">
+  <p:cSld>
+    <p:bg>
+      <p:bgRef idx="1001">
+        <a:schemeClr val="bg1"/>
+      </p:bgRef>
+    </p:bg>
+    <p:spTree>
+      <p:nvGrpSpPr>
+        <p:cNvPr id="1" name=""/>
+        <p:cNvGrpSpPr/>
+        <p:nvPr/>
+      </p:nvGrpSpPr>
+      <p:grpSpPr>
+        <a:xfrm>
+          <a:off x="0" y="0"/>
+          <a:ext cx="0" cy="0"/>
+          <a:chOff x="0" y="0"/>
+          <a:chExt cx="0" cy="0"/>
+        </a:xfrm>
+      </p:grpSpPr>
+      <p:sp>
+        <p:nvSpPr>
+          <p:cNvPr id="2" name="Marcador de encabezado 1"/>
+          <p:cNvSpPr>
+            <a:spLocks noGrp="1"/>
+          </p:cNvSpPr>
+          <p:nvPr>
+            <p:ph type="hdr" sz="quarter"/>
+          </p:nvPr>
+        </p:nvSpPr>
+        <p:spPr>
+          <a:xfrm>
+            <a:off x="0" y="0"/>
+            <a:ext cx="2971800" cy="458788"/>
+          </a:xfrm>
+          <a:prstGeom prst="rect">
+            <a:avLst/>
+          </a:prstGeom>
+        </p:spPr>
+        <p:txBody>
+          <a:bodyPr vert="horz" lIns="91440" tIns="45720" rIns="91440" bIns="45720" rtlCol="0"/>
+          <a:lstStyle>
+            <a:lvl1pPr algn="l">
+              <a:defRPr sz="1200"/>
+            </a:lvl1pPr>
+          </a:lstStyle>
+          <a:p>
+            <a:endParaRPr lang="es-MX"/>
+          </a:p>
+        </p:txBody>
+      </p:sp>
+      <p:sp>
+        <p:nvSpPr>
+          <p:cNvPr id="3" name="Marcador de fecha 2"/>
+          <p:cNvSpPr>
+            <a:spLocks noGrp="1"/>
+          </p:cNvSpPr>
+          <p:nvPr>
+            <p:ph type="dt" idx="1"/>
+          </p:nvPr>
+        </p:nvSpPr>
+        <p:spPr>
+          <a:xfrm>
+            <a:off x="3884613" y="0"/>
+            <a:ext cx="2971800" cy="458788"/>
+          </a:xfrm>
+          <a:prstGeom prst="rect">
+            <a:avLst/>
+          </a:prstGeom>
+        </p:spPr>
+        <p:txBody>
+          <a:bodyPr vert="horz" lIns="91440" tIns="45720" rIns="91440" bIns="45720" rtlCol="0"/>
+          <a:lstStyle>
+            <a:lvl1pPr algn="r">
+              <a:defRPr sz="1200"/>
+            </a:lvl1pPr>
+          </a:lstStyle>
+          <a:p>
+            <a:fld id="{81770B8F-ECFA-43D8-892B-5C2CB4997B73}" type="datetimeFigureOut">
+              <a:rPr lang="es-MX" smtClean="0"/>
+              <a:t>19/10/2018</a:t>
+            </a:fld>
+            <a:endParaRPr lang="es-MX"/>
+          </a:p>
+        </p:txBody>
+      </p:sp>
+      <p:sp>
+        <p:nvSpPr>
+          <p:cNvPr id="4" name="Marcador de imagen de diapositiva 3"/>
+          <p:cNvSpPr>
+            <a:spLocks noGrp="1" noRot="1" noChangeAspect="1"/>
+          </p:cNvSpPr>
+          <p:nvPr>
+            <p:ph type="sldImg" idx="2"/>
+          </p:nvPr>
+        </p:nvSpPr>
+        <p:spPr>
+          <a:xfrm>
+            <a:off x="685800" y="1143000"/>
+            <a:ext cx="5486400" cy="3086100"/>
+          </a:xfrm>
+          <a:prstGeom prst="rect">
+            <a:avLst/>
+          </a:prstGeom>
+          <a:noFill/>
+          <a:ln w="12700">
+            <a:solidFill>
+              <a:prstClr val="black"/>
+            </a:solidFill>
+          </a:ln>
+        </p:spPr>
+        <p:txBody>
+          <a:bodyPr vert="horz" lIns="91440" tIns="45720" rIns="91440" bIns="45720" rtlCol="0" anchor="ctr"/>
+          <a:lstStyle/>
+          <a:p>
+            <a:endParaRPr lang="es-MX"/>
+          </a:p>
+        </p:txBody>
+      </p:sp>
+      <p:sp>
+        <p:nvSpPr>
+          <p:cNvPr id="5" name="Marcador de notas 4"/>
+          <p:cNvSpPr>
+            <a:spLocks noGrp="1"/>
+          </p:cNvSpPr>
+          <p:nvPr>
+            <p:ph type="body" sz="quarter" idx="3"/>
+          </p:nvPr>
+        </p:nvSpPr>
+        <p:spPr>
+          <a:xfrm>
+            <a:off x="685800" y="4400550"/>
+            <a:ext cx="5486400" cy="3600450"/>
+          </a:xfrm>
+          <a:prstGeom prst="rect">
+            <a:avLst/>
+          </a:prstGeom>
+        </p:spPr>
+        <p:txBody>
+          <a:bodyPr vert="horz" lIns="91440" tIns="45720" rIns="91440" bIns="45720" rtlCol="0"/>
+          <a:lstStyle/>
+          <a:p>
+            <a:pPr lvl="0"/>
+            <a:r>
+              <a:rPr lang="es-ES"/>
+              <a:t>Editar los estilos de texto del patrón</a:t>
+            </a:r>
+          </a:p>
+          <a:p>
+            <a:pPr lvl="1"/>
+            <a:r>
+              <a:rPr lang="es-ES"/>
+              <a:t>Segundo nivel</a:t>
+            </a:r>
+          </a:p>
+          <a:p>
+            <a:pPr lvl="2"/>
+            <a:r>
+              <a:rPr lang="es-ES"/>
+              <a:t>Tercer nivel</a:t>
+            </a:r>
+          </a:p>
+          <a:p>
+            <a:pPr lvl="3"/>
+            <a:r>
+              <a:rPr lang="es-ES"/>
+              <a:t>Cuarto nivel</a:t>
+            </a:r>
+          </a:p>
+          <a:p>
+            <a:pPr lvl="4"/>
+            <a:r>
+              <a:rPr lang="es-ES"/>
+              <a:t>Quinto nivel</a:t>
+            </a:r>
+            <a:endParaRPr lang="es-MX"/>
+          </a:p>
+        </p:txBody>
+      </p:sp>
+      <p:sp>
+        <p:nvSpPr>
+          <p:cNvPr id="6" name="Marcador de pie de página 5"/>
+          <p:cNvSpPr>
+            <a:spLocks noGrp="1"/>
+          </p:cNvSpPr>
+          <p:nvPr>
+            <p:ph type="ftr" sz="quarter" idx="4"/>
+          </p:nvPr>
+        </p:nvSpPr>
+        <p:spPr>
+          <a:xfrm>
+            <a:off x="0" y="8685213"/>
+            <a:ext cx="2971800" cy="458787"/>
+          </a:xfrm>
+          <a:prstGeom prst="rect">
+            <a:avLst/>
+          </a:prstGeom>
+        </p:spPr>
+        <p:txBody>
+          <a:bodyPr vert="horz" lIns="91440" tIns="45720" rIns="91440" bIns="45720" rtlCol="0" anchor="b"/>
+          <a:lstStyle>
+            <a:lvl1pPr algn="l">
+              <a:defRPr sz="1200"/>
+            </a:lvl1pPr>
+          </a:lstStyle>
+          <a:p>
+            <a:endParaRPr lang="es-MX"/>
+          </a:p>
+        </p:txBody>
+      </p:sp>
+      <p:sp>
+        <p:nvSpPr>
+          <p:cNvPr id="7" name="Marcador de número de diapositiva 6"/>
+          <p:cNvSpPr>
+            <a:spLocks noGrp="1"/>
+          </p:cNvSpPr>
+          <p:nvPr>
+            <p:ph type="sldNum" sz="quarter" idx="5"/>
+          </p:nvPr>
+        </p:nvSpPr>
+        <p:spPr>
+          <a:xfrm>
+            <a:off x="3884613" y="8685213"/>
+            <a:ext cx="2971800" cy="458787"/>
+          </a:xfrm>
+          <a:prstGeom prst="rect">
+            <a:avLst/>
+          </a:prstGeom>
+        </p:spPr>
+        <p:txBody>
+          <a:bodyPr vert="horz" lIns="91440" tIns="45720" rIns="91440" bIns="45720" rtlCol="0" anchor="b"/>
+          <a:lstStyle>
+            <a:lvl1pPr algn="r">
+              <a:defRPr sz="1200"/>
+            </a:lvl1pPr>
+          </a:lstStyle>
+          <a:p>
+            <a:fld id="{19133FFB-E057-40C2-8BBF-973CDEF8FC52}" type="slidenum">
+              <a:rPr lang="es-MX" smtClean="0"/>
+              <a:t>‹Nº›</a:t>
+            </a:fld>
+            <a:endParaRPr lang="es-MX"/>
+          </a:p>
+        </p:txBody>
+      </p:sp>
+    </p:spTree>
+    <p:extLst>
+      <p:ext uri="{BB962C8B-B14F-4D97-AF65-F5344CB8AC3E}">
+        <p14:creationId xmlns:p14="http://schemas.microsoft.com/office/powerpoint/2010/main" val="2468222140"/>
+      </p:ext>
+    </p:extLst>
+  </p:cSld>
+  <p:clrMap bg1="lt1" tx1="dk1" bg2="lt2" tx2="dk2" accent1="accent1" accent2="accent2" accent3="accent3" accent4="accent4" accent5="accent5" accent6="accent6" hlink="hlink" folHlink="folHlink"/>
+  <p:notesStyle>
+    <a:lvl1pPr marL="0" algn="l" defTabSz="914400" rtl="0" eaLnBrk="1" latinLnBrk="0" hangingPunct="1">
+      <a:defRPr sz="1200" kern="1200">
+        <a:solidFill>
+          <a:schemeClr val="tx1"/>
+        </a:solidFill>
+        <a:latin typeface="+mn-lt"/>
+        <a:ea typeface="+mn-ea"/>
+        <a:cs typeface="+mn-cs"/>
+      </a:defRPr>
+    </a:lvl1pPr>
+    <a:lvl2pPr marL="457200" algn="l" defTabSz="914400" rtl="0" eaLnBrk="1" latinLnBrk="0" hangingPunct="1">
+      <a:defRPr sz="1200" kern="1200">
+        <a:solidFill>
+          <a:schemeClr val="tx1"/>
+        </a:solidFill>
+        <a:latin typeface="+mn-lt"/>
+        <a:ea typeface="+mn-ea"/>
+        <a:cs typeface="+mn-cs"/>
+      </a:defRPr>
+    </a:lvl2pPr>
+    <a:lvl3pPr marL="914400" algn="l" defTabSz="914400" rtl="0" eaLnBrk="1" latinLnBrk="0" hangingPunct="1">
+      <a:defRPr sz="1200" kern="1200">
+        <a:solidFill>
+          <a:schemeClr val="tx1"/>
+        </a:solidFill>
+        <a:latin typeface="+mn-lt"/>
+        <a:ea typeface="+mn-ea"/>
+        <a:cs typeface="+mn-cs"/>
+      </a:defRPr>
+    </a:lvl3pPr>
+    <a:lvl4pPr marL="1371600" algn="l" defTabSz="914400" rtl="0" eaLnBrk="1" latinLnBrk="0" hangingPunct="1">
+      <a:defRPr sz="1200" kern="1200">
+        <a:solidFill>
+          <a:schemeClr val="tx1"/>
+        </a:solidFill>
+        <a:latin typeface="+mn-lt"/>
+        <a:ea typeface="+mn-ea"/>
+        <a:cs typeface="+mn-cs"/>
+      </a:defRPr>
+    </a:lvl4pPr>
+    <a:lvl5pPr marL="1828800" algn="l" defTabSz="914400" rtl="0" eaLnBrk="1" latinLnBrk="0" hangingPunct="1">
+      <a:defRPr sz="1200" kern="1200">
+        <a:solidFill>
+          <a:schemeClr val="tx1"/>
+        </a:solidFill>
+        <a:latin typeface="+mn-lt"/>
+        <a:ea typeface="+mn-ea"/>
+        <a:cs typeface="+mn-cs"/>
+      </a:defRPr>
+    </a:lvl5pPr>
+    <a:lvl6pPr marL="2286000" algn="l" defTabSz="914400" rtl="0" eaLnBrk="1" latinLnBrk="0" hangingPunct="1">
+      <a:defRPr sz="1200" kern="1200">
+        <a:solidFill>
+          <a:schemeClr val="tx1"/>
+        </a:solidFill>
+        <a:latin typeface="+mn-lt"/>
+        <a:ea typeface="+mn-ea"/>
+        <a:cs typeface="+mn-cs"/>
+      </a:defRPr>
+    </a:lvl6pPr>
+    <a:lvl7pPr marL="2743200" algn="l" defTabSz="914400" rtl="0" eaLnBrk="1" latinLnBrk="0" hangingPunct="1">
+      <a:defRPr sz="1200" kern="1200">
+        <a:solidFill>
+          <a:schemeClr val="tx1"/>
+        </a:solidFill>
+        <a:latin typeface="+mn-lt"/>
+        <a:ea typeface="+mn-ea"/>
+        <a:cs typeface="+mn-cs"/>
+      </a:defRPr>
+    </a:lvl7pPr>
+    <a:lvl8pPr marL="3200400" algn="l" defTabSz="914400" rtl="0" eaLnBrk="1" latinLnBrk="0" hangingPunct="1">
+      <a:defRPr sz="1200" kern="1200">
+        <a:solidFill>
+          <a:schemeClr val="tx1"/>
+        </a:solidFill>
+        <a:latin typeface="+mn-lt"/>
+        <a:ea typeface="+mn-ea"/>
+        <a:cs typeface="+mn-cs"/>
+      </a:defRPr>
+    </a:lvl8pPr>
+    <a:lvl9pPr marL="3657600" algn="l" defTabSz="914400" rtl="0" eaLnBrk="1" latinLnBrk="0" hangingPunct="1">
+      <a:defRPr sz="1200" kern="1200">
+        <a:solidFill>
+          <a:schemeClr val="tx1"/>
+        </a:solidFill>
+        <a:latin typeface="+mn-lt"/>
+        <a:ea typeface="+mn-ea"/>
+        <a:cs typeface="+mn-cs"/>
+      </a:defRPr>
+    </a:lvl9pPr>
+  </p:notesStyle>
+</p:notesMaster>
+</file>
+
 <file path=ppt/slideLayouts/slideLayout1.xml><?xml version="1.0" encoding="utf-8"?>
 <p:sldLayout xmlns:a="http://schemas.openxmlformats.org/drawingml/2006/main" xmlns:r="http://schemas.openxmlformats.org/officeDocument/2006/relationships" xmlns:p="http://schemas.openxmlformats.org/presentationml/2006/main" type="title" preserve="1">
   <p:cSld name="Diapositiva de título">
@@ -335,10 +721,9 @@
           <a:bodyPr/>
           <a:lstStyle/>
           <a:p>
-            <a:fld id="{B61BEF0D-F0BB-DE4B-95CE-6DB70DBA9567}" type="datetimeFigureOut">
-              <a:rPr lang="en-US" dirty="0"/>
-              <a:pPr/>
-              <a:t>10/18/2018</a:t>
+            <a:fld id="{0D44FCE8-7DF7-4FAE-A7FB-9454A42BA3FD}" type="datetime1">
+              <a:rPr lang="en-US" smtClean="0"/>
+              <a:t>10/19/2018</a:t>
             </a:fld>
             <a:endParaRPr lang="en-US" dirty="0"/>
           </a:p>
@@ -666,10 +1051,9 @@
           <a:bodyPr/>
           <a:lstStyle/>
           <a:p>
-            <a:fld id="{B61BEF0D-F0BB-DE4B-95CE-6DB70DBA9567}" type="datetimeFigureOut">
-              <a:rPr lang="en-US" dirty="0"/>
-              <a:pPr/>
-              <a:t>10/18/2018</a:t>
+            <a:fld id="{23311CE4-4707-4E09-B56B-0F2226F179C2}" type="datetime1">
+              <a:rPr lang="en-US" smtClean="0"/>
+              <a:t>10/19/2018</a:t>
             </a:fld>
             <a:endParaRPr lang="en-US" dirty="0"/>
           </a:p>
@@ -941,10 +1325,9 @@
           <a:bodyPr/>
           <a:lstStyle/>
           <a:p>
-            <a:fld id="{B61BEF0D-F0BB-DE4B-95CE-6DB70DBA9567}" type="datetimeFigureOut">
-              <a:rPr lang="en-US" dirty="0"/>
-              <a:pPr/>
-              <a:t>10/18/2018</a:t>
+            <a:fld id="{BE80430F-EF39-419B-AA17-206EBBC03F3C}" type="datetime1">
+              <a:rPr lang="en-US" smtClean="0"/>
+              <a:t>10/19/2018</a:t>
             </a:fld>
             <a:endParaRPr lang="en-US" dirty="0"/>
           </a:p>
@@ -1506,10 +1889,9 @@
           <a:bodyPr/>
           <a:lstStyle/>
           <a:p>
-            <a:fld id="{B61BEF0D-F0BB-DE4B-95CE-6DB70DBA9567}" type="datetimeFigureOut">
-              <a:rPr lang="en-US" dirty="0"/>
-              <a:pPr/>
-              <a:t>10/18/2018</a:t>
+            <a:fld id="{468C39D1-3984-4F0E-927A-9D62A114B86E}" type="datetime1">
+              <a:rPr lang="en-US" smtClean="0"/>
+              <a:t>10/19/2018</a:t>
             </a:fld>
             <a:endParaRPr lang="en-US" dirty="0"/>
           </a:p>
@@ -1781,10 +2163,9 @@
           <a:bodyPr/>
           <a:lstStyle/>
           <a:p>
-            <a:fld id="{B61BEF0D-F0BB-DE4B-95CE-6DB70DBA9567}" type="datetimeFigureOut">
-              <a:rPr lang="en-US" dirty="0"/>
-              <a:pPr/>
-              <a:t>10/18/2018</a:t>
+            <a:fld id="{BA81E524-E536-43F1-A930-2986365156F3}" type="datetime1">
+              <a:rPr lang="en-US" smtClean="0"/>
+              <a:t>10/19/2018</a:t>
             </a:fld>
             <a:endParaRPr lang="en-US" dirty="0"/>
           </a:p>
@@ -2340,10 +2721,9 @@
           <a:bodyPr/>
           <a:lstStyle/>
           <a:p>
-            <a:fld id="{B61BEF0D-F0BB-DE4B-95CE-6DB70DBA9567}" type="datetimeFigureOut">
-              <a:rPr lang="en-US" dirty="0"/>
-              <a:pPr/>
-              <a:t>10/18/2018</a:t>
+            <a:fld id="{491308DB-BF96-44D7-B27D-D9A9ADB502BD}" type="datetime1">
+              <a:rPr lang="en-US" smtClean="0"/>
+              <a:t>10/19/2018</a:t>
             </a:fld>
             <a:endParaRPr lang="en-US" dirty="0"/>
           </a:p>
@@ -2664,10 +3044,9 @@
           <a:bodyPr/>
           <a:lstStyle/>
           <a:p>
-            <a:fld id="{B61BEF0D-F0BB-DE4B-95CE-6DB70DBA9567}" type="datetimeFigureOut">
-              <a:rPr lang="en-US" dirty="0"/>
-              <a:pPr/>
-              <a:t>10/18/2018</a:t>
+            <a:fld id="{026C91B3-C800-4101-BB3F-0D73BBA0A21F}" type="datetime1">
+              <a:rPr lang="en-US" smtClean="0"/>
+              <a:t>10/19/2018</a:t>
             </a:fld>
             <a:endParaRPr lang="en-US" dirty="0"/>
           </a:p>
@@ -2866,10 +3245,9 @@
           <a:bodyPr/>
           <a:lstStyle/>
           <a:p>
-            <a:fld id="{B61BEF0D-F0BB-DE4B-95CE-6DB70DBA9567}" type="datetimeFigureOut">
-              <a:rPr lang="en-US" dirty="0"/>
-              <a:pPr/>
-              <a:t>10/18/2018</a:t>
+            <a:fld id="{2D09D2EB-8D03-4348-93F2-CA1CD45B9310}" type="datetime1">
+              <a:rPr lang="en-US" smtClean="0"/>
+              <a:t>10/19/2018</a:t>
             </a:fld>
             <a:endParaRPr lang="en-US" dirty="0"/>
           </a:p>
@@ -3073,10 +3451,9 @@
           <a:bodyPr/>
           <a:lstStyle/>
           <a:p>
-            <a:fld id="{B61BEF0D-F0BB-DE4B-95CE-6DB70DBA9567}" type="datetimeFigureOut">
-              <a:rPr lang="en-US" dirty="0"/>
-              <a:pPr/>
-              <a:t>10/18/2018</a:t>
+            <a:fld id="{56CFCEF3-A33B-47B7-8159-A9F10E9491D5}" type="datetime1">
+              <a:rPr lang="en-US" smtClean="0"/>
+              <a:t>10/19/2018</a:t>
             </a:fld>
             <a:endParaRPr lang="en-US" dirty="0"/>
           </a:p>
@@ -3270,10 +3647,9 @@
           <a:bodyPr/>
           <a:lstStyle/>
           <a:p>
-            <a:fld id="{B61BEF0D-F0BB-DE4B-95CE-6DB70DBA9567}" type="datetimeFigureOut">
-              <a:rPr lang="en-US" dirty="0"/>
-              <a:pPr/>
-              <a:t>10/18/2018</a:t>
+            <a:fld id="{688092D1-2B72-4599-8743-88133DBC4AFF}" type="datetime1">
+              <a:rPr lang="en-US" smtClean="0"/>
+              <a:t>10/19/2018</a:t>
             </a:fld>
             <a:endParaRPr lang="en-US" dirty="0"/>
           </a:p>
@@ -3543,10 +3919,9 @@
           <a:bodyPr/>
           <a:lstStyle/>
           <a:p>
-            <a:fld id="{B61BEF0D-F0BB-DE4B-95CE-6DB70DBA9567}" type="datetimeFigureOut">
-              <a:rPr lang="en-US" dirty="0"/>
-              <a:pPr/>
-              <a:t>10/18/2018</a:t>
+            <a:fld id="{0CF66DCA-ABB0-4ED7-B8C6-E67187565D6A}" type="datetime1">
+              <a:rPr lang="en-US" smtClean="0"/>
+              <a:t>10/19/2018</a:t>
             </a:fld>
             <a:endParaRPr lang="en-US" dirty="0"/>
           </a:p>
@@ -3806,10 +4181,9 @@
           <a:bodyPr/>
           <a:lstStyle/>
           <a:p>
-            <a:fld id="{B61BEF0D-F0BB-DE4B-95CE-6DB70DBA9567}" type="datetimeFigureOut">
-              <a:rPr lang="en-US" dirty="0"/>
-              <a:pPr/>
-              <a:t>10/18/2018</a:t>
+            <a:fld id="{8B4FAB09-981A-4DFE-98D1-E132B17A5668}" type="datetime1">
+              <a:rPr lang="en-US" smtClean="0"/>
+              <a:t>10/19/2018</a:t>
             </a:fld>
             <a:endParaRPr lang="en-US" dirty="0"/>
           </a:p>
@@ -4177,10 +4551,9 @@
           <a:bodyPr/>
           <a:lstStyle/>
           <a:p>
-            <a:fld id="{B61BEF0D-F0BB-DE4B-95CE-6DB70DBA9567}" type="datetimeFigureOut">
-              <a:rPr lang="en-US" dirty="0"/>
-              <a:pPr/>
-              <a:t>10/18/2018</a:t>
+            <a:fld id="{13FB685C-A012-457E-85FE-0DC5666A72EC}" type="datetime1">
+              <a:rPr lang="en-US" smtClean="0"/>
+              <a:t>10/19/2018</a:t>
             </a:fld>
             <a:endParaRPr lang="en-US" dirty="0"/>
           </a:p>
@@ -4322,10 +4695,9 @@
           <a:bodyPr/>
           <a:lstStyle/>
           <a:p>
-            <a:fld id="{B61BEF0D-F0BB-DE4B-95CE-6DB70DBA9567}" type="datetimeFigureOut">
-              <a:rPr lang="en-US" dirty="0"/>
-              <a:pPr/>
-              <a:t>10/18/2018</a:t>
+            <a:fld id="{B9F86A92-4841-4878-9B01-65096C18AB8F}" type="datetime1">
+              <a:rPr lang="en-US" smtClean="0"/>
+              <a:t>10/19/2018</a:t>
             </a:fld>
             <a:endParaRPr lang="en-US" dirty="0"/>
           </a:p>
@@ -4444,10 +4816,9 @@
           <a:bodyPr/>
           <a:lstStyle/>
           <a:p>
-            <a:fld id="{B61BEF0D-F0BB-DE4B-95CE-6DB70DBA9567}" type="datetimeFigureOut">
-              <a:rPr lang="en-US" dirty="0"/>
-              <a:pPr/>
-              <a:t>10/18/2018</a:t>
+            <a:fld id="{9BD5B7AD-B304-4370-B4ED-7A1C511C2C41}" type="datetime1">
+              <a:rPr lang="en-US" smtClean="0"/>
+              <a:t>10/19/2018</a:t>
             </a:fld>
             <a:endParaRPr lang="en-US" dirty="0"/>
           </a:p>
@@ -4726,10 +5097,9 @@
           <a:bodyPr/>
           <a:lstStyle/>
           <a:p>
-            <a:fld id="{B61BEF0D-F0BB-DE4B-95CE-6DB70DBA9567}" type="datetimeFigureOut">
-              <a:rPr lang="en-US" dirty="0"/>
-              <a:pPr/>
-              <a:t>10/18/2018</a:t>
+            <a:fld id="{BCA0B57A-13F2-4762-BE1B-DB68C15CC586}" type="datetime1">
+              <a:rPr lang="en-US" smtClean="0"/>
+              <a:t>10/19/2018</a:t>
             </a:fld>
             <a:endParaRPr lang="en-US" dirty="0"/>
           </a:p>
@@ -5047,10 +5417,9 @@
           <a:bodyPr/>
           <a:lstStyle/>
           <a:p>
-            <a:fld id="{B61BEF0D-F0BB-DE4B-95CE-6DB70DBA9567}" type="datetimeFigureOut">
-              <a:rPr lang="en-US" dirty="0"/>
-              <a:pPr/>
-              <a:t>10/18/2018</a:t>
+            <a:fld id="{C498593E-E8CF-45FA-8609-7041211F2C17}" type="datetime1">
+              <a:rPr lang="en-US" smtClean="0"/>
+              <a:t>10/19/2018</a:t>
             </a:fld>
             <a:endParaRPr lang="en-US" dirty="0"/>
           </a:p>
@@ -5258,10 +5627,9 @@
             </a:lvl1pPr>
           </a:lstStyle>
           <a:p>
-            <a:fld id="{B61BEF0D-F0BB-DE4B-95CE-6DB70DBA9567}" type="datetimeFigureOut">
-              <a:rPr lang="en-US" dirty="0"/>
-              <a:pPr/>
-              <a:t>10/18/2018</a:t>
+            <a:fld id="{2644D9CA-E7E7-48D6-9859-E7F021C0B135}" type="datetime1">
+              <a:rPr lang="en-US" smtClean="0"/>
+              <a:t>10/19/2018</a:t>
             </a:fld>
             <a:endParaRPr lang="en-US" dirty="0"/>
           </a:p>
@@ -5368,6 +5736,7 @@
     <p:sldLayoutId id="2147483658" r:id="rId16"/>
     <p:sldLayoutId id="2147483659" r:id="rId17"/>
   </p:sldLayoutIdLst>
+  <p:hf hdr="0" ftr="0" dt="0"/>
   <p:txStyles>
     <p:titleStyle>
       <a:lvl1pPr algn="l" defTabSz="457200" rtl="0" eaLnBrk="1" latinLnBrk="0" hangingPunct="1">
@@ -5832,10 +6201,2861 @@
           </a:p>
         </p:txBody>
       </p:sp>
+      <p:sp>
+        <p:nvSpPr>
+          <p:cNvPr id="4" name="Marcador de número de diapositiva 3">
+            <a:extLst>
+              <a:ext uri="{FF2B5EF4-FFF2-40B4-BE49-F238E27FC236}">
+                <a16:creationId xmlns:a16="http://schemas.microsoft.com/office/drawing/2014/main" id="{D803B089-3C66-43A4-85F5-E131EFCF6303}"/>
+              </a:ext>
+            </a:extLst>
+          </p:cNvPr>
+          <p:cNvSpPr>
+            <a:spLocks noGrp="1"/>
+          </p:cNvSpPr>
+          <p:nvPr>
+            <p:ph type="sldNum" sz="quarter" idx="12"/>
+          </p:nvPr>
+        </p:nvSpPr>
+        <p:spPr/>
+        <p:txBody>
+          <a:bodyPr/>
+          <a:lstStyle/>
+          <a:p>
+            <a:fld id="{D57F1E4F-1CFF-5643-939E-217C01CDF565}" type="slidenum">
+              <a:rPr lang="en-US" sz="2800" smtClean="0"/>
+              <a:pPr/>
+              <a:t>1</a:t>
+            </a:fld>
+            <a:endParaRPr lang="en-US" sz="2800" dirty="0"/>
+          </a:p>
+        </p:txBody>
+      </p:sp>
     </p:spTree>
     <p:extLst>
       <p:ext uri="{BB962C8B-B14F-4D97-AF65-F5344CB8AC3E}">
         <p14:creationId xmlns:p14="http://schemas.microsoft.com/office/powerpoint/2010/main" val="1296682719"/>
+      </p:ext>
+    </p:extLst>
+  </p:cSld>
+  <p:clrMapOvr>
+    <a:masterClrMapping/>
+  </p:clrMapOvr>
+</p:sld>
+</file>
+
+<file path=ppt/slides/slide10.xml><?xml version="1.0" encoding="utf-8"?>
+<p:sld xmlns:a="http://schemas.openxmlformats.org/drawingml/2006/main" xmlns:r="http://schemas.openxmlformats.org/officeDocument/2006/relationships" xmlns:p="http://schemas.openxmlformats.org/presentationml/2006/main">
+  <p:cSld>
+    <p:spTree>
+      <p:nvGrpSpPr>
+        <p:cNvPr id="1" name=""/>
+        <p:cNvGrpSpPr/>
+        <p:nvPr/>
+      </p:nvGrpSpPr>
+      <p:grpSpPr>
+        <a:xfrm>
+          <a:off x="0" y="0"/>
+          <a:ext cx="0" cy="0"/>
+          <a:chOff x="0" y="0"/>
+          <a:chExt cx="0" cy="0"/>
+        </a:xfrm>
+      </p:grpSpPr>
+      <p:sp>
+        <p:nvSpPr>
+          <p:cNvPr id="2" name="Título 1">
+            <a:extLst>
+              <a:ext uri="{FF2B5EF4-FFF2-40B4-BE49-F238E27FC236}">
+                <a16:creationId xmlns:a16="http://schemas.microsoft.com/office/drawing/2014/main" id="{1FBA4E78-F277-449A-8435-4F17670DD903}"/>
+              </a:ext>
+            </a:extLst>
+          </p:cNvPr>
+          <p:cNvSpPr>
+            <a:spLocks noGrp="1"/>
+          </p:cNvSpPr>
+          <p:nvPr>
+            <p:ph type="title"/>
+          </p:nvPr>
+        </p:nvSpPr>
+        <p:spPr/>
+        <p:txBody>
+          <a:bodyPr/>
+          <a:lstStyle/>
+          <a:p>
+            <a:r>
+              <a:rPr lang="es-MX" dirty="0"/>
+              <a:t>Filtro de velocidades tipo </a:t>
+            </a:r>
+            <a:r>
+              <a:rPr lang="es-MX" dirty="0" err="1"/>
+              <a:t>wien</a:t>
+            </a:r>
+            <a:endParaRPr lang="es-MX" dirty="0"/>
+          </a:p>
+        </p:txBody>
+      </p:sp>
+      <mc:AlternateContent xmlns:mc="http://schemas.openxmlformats.org/markup-compatibility/2006">
+        <mc:Choice xmlns:a14="http://schemas.microsoft.com/office/drawing/2010/main" Requires="a14">
+          <p:sp>
+            <p:nvSpPr>
+              <p:cNvPr id="3" name="Marcador de contenido 2">
+                <a:extLst>
+                  <a:ext uri="{FF2B5EF4-FFF2-40B4-BE49-F238E27FC236}">
+                    <a16:creationId xmlns:a16="http://schemas.microsoft.com/office/drawing/2014/main" id="{D057497A-9FFA-4B5F-BABA-3642213FEB81}"/>
+                  </a:ext>
+                </a:extLst>
+              </p:cNvPr>
+              <p:cNvSpPr>
+                <a:spLocks noGrp="1"/>
+              </p:cNvSpPr>
+              <p:nvPr>
+                <p:ph idx="1"/>
+              </p:nvPr>
+            </p:nvSpPr>
+            <p:spPr/>
+            <p:txBody>
+              <a:bodyPr>
+                <a:normAutofit lnSpcReduction="10000"/>
+              </a:bodyPr>
+              <a:lstStyle/>
+              <a:p>
+                <a:pPr marL="0" indent="0" algn="ctr">
+                  <a:buNone/>
+                </a:pPr>
+                <a14:m>
+                  <m:oMath xmlns:m="http://schemas.openxmlformats.org/officeDocument/2006/math">
+                    <m:acc>
+                      <m:accPr>
+                        <m:chr m:val="⃗"/>
+                        <m:ctrlPr>
+                          <a:rPr lang="es-MX" sz="3200" i="1" smtClean="0">
+                            <a:latin typeface="Cambria Math" panose="02040503050406030204" pitchFamily="18" charset="0"/>
+                          </a:rPr>
+                        </m:ctrlPr>
+                      </m:accPr>
+                      <m:e>
+                        <m:r>
+                          <a:rPr lang="es-MX" sz="3200" b="0" i="1" smtClean="0">
+                            <a:latin typeface="Cambria Math" panose="02040503050406030204" pitchFamily="18" charset="0"/>
+                          </a:rPr>
+                          <m:t>𝐹</m:t>
+                        </m:r>
+                      </m:e>
+                    </m:acc>
+                  </m:oMath>
+                </a14:m>
+                <a:r>
+                  <a:rPr lang="es-MX" sz="3200" dirty="0"/>
+                  <a:t>=q(</a:t>
+                </a:r>
+                <a14:m>
+                  <m:oMath xmlns:m="http://schemas.openxmlformats.org/officeDocument/2006/math">
+                    <m:acc>
+                      <m:accPr>
+                        <m:chr m:val="⃗"/>
+                        <m:ctrlPr>
+                          <a:rPr lang="es-MX" sz="3200" i="1">
+                            <a:latin typeface="Cambria Math" panose="02040503050406030204" pitchFamily="18" charset="0"/>
+                          </a:rPr>
+                        </m:ctrlPr>
+                      </m:accPr>
+                      <m:e>
+                        <m:r>
+                          <a:rPr lang="es-MX" sz="3200" b="0" i="1" smtClean="0">
+                            <a:latin typeface="Cambria Math" panose="02040503050406030204" pitchFamily="18" charset="0"/>
+                          </a:rPr>
+                          <m:t>𝐸</m:t>
+                        </m:r>
+                      </m:e>
+                    </m:acc>
+                  </m:oMath>
+                </a14:m>
+                <a:r>
+                  <a:rPr lang="es-MX" sz="3200" dirty="0"/>
+                  <a:t>+ </a:t>
+                </a:r>
+                <a14:m>
+                  <m:oMath xmlns:m="http://schemas.openxmlformats.org/officeDocument/2006/math">
+                    <m:acc>
+                      <m:accPr>
+                        <m:chr m:val="⃗"/>
+                        <m:ctrlPr>
+                          <a:rPr lang="es-MX" sz="3200" i="1">
+                            <a:latin typeface="Cambria Math" panose="02040503050406030204" pitchFamily="18" charset="0"/>
+                          </a:rPr>
+                        </m:ctrlPr>
+                      </m:accPr>
+                      <m:e>
+                        <m:r>
+                          <a:rPr lang="es-MX" sz="3200" b="0" i="1" smtClean="0">
+                            <a:latin typeface="Cambria Math" panose="02040503050406030204" pitchFamily="18" charset="0"/>
+                          </a:rPr>
+                          <m:t>𝑣</m:t>
+                        </m:r>
+                      </m:e>
+                    </m:acc>
+                  </m:oMath>
+                </a14:m>
+                <a:r>
+                  <a:rPr lang="es-MX" sz="3200" dirty="0"/>
+                  <a:t>X </a:t>
+                </a:r>
+                <a14:m>
+                  <m:oMath xmlns:m="http://schemas.openxmlformats.org/officeDocument/2006/math">
+                    <m:acc>
+                      <m:accPr>
+                        <m:chr m:val="⃗"/>
+                        <m:ctrlPr>
+                          <a:rPr lang="es-MX" sz="3200" i="1">
+                            <a:latin typeface="Cambria Math" panose="02040503050406030204" pitchFamily="18" charset="0"/>
+                          </a:rPr>
+                        </m:ctrlPr>
+                      </m:accPr>
+                      <m:e>
+                        <m:r>
+                          <a:rPr lang="es-MX" sz="3200" b="0" i="1" smtClean="0">
+                            <a:latin typeface="Cambria Math" panose="02040503050406030204" pitchFamily="18" charset="0"/>
+                          </a:rPr>
+                          <m:t>𝐵</m:t>
+                        </m:r>
+                      </m:e>
+                    </m:acc>
+                  </m:oMath>
+                </a14:m>
+                <a:r>
+                  <a:rPr lang="es-MX" sz="3200" dirty="0"/>
+                  <a:t>)</a:t>
+                </a:r>
+              </a:p>
+              <a:p>
+                <a:pPr marL="0" indent="0" algn="ctr">
+                  <a:buNone/>
+                </a:pPr>
+                <a:endParaRPr lang="es-MX" sz="3200" dirty="0"/>
+              </a:p>
+              <a:p>
+                <a:pPr marL="0" indent="0" algn="ctr">
+                  <a:buNone/>
+                </a:pPr>
+                <a:r>
+                  <a:rPr lang="es-MX" sz="3200" dirty="0"/>
+                  <a:t>Para que </a:t>
+                </a:r>
+                <a14:m>
+                  <m:oMath xmlns:m="http://schemas.openxmlformats.org/officeDocument/2006/math">
+                    <m:acc>
+                      <m:accPr>
+                        <m:chr m:val="⃗"/>
+                        <m:ctrlPr>
+                          <a:rPr lang="es-MX" sz="3200" i="1">
+                            <a:latin typeface="Cambria Math" panose="02040503050406030204" pitchFamily="18" charset="0"/>
+                          </a:rPr>
+                        </m:ctrlPr>
+                      </m:accPr>
+                      <m:e>
+                        <m:r>
+                          <a:rPr lang="es-MX" sz="3200" i="1">
+                            <a:latin typeface="Cambria Math" panose="02040503050406030204" pitchFamily="18" charset="0"/>
+                          </a:rPr>
+                          <m:t>𝐹</m:t>
+                        </m:r>
+                      </m:e>
+                    </m:acc>
+                  </m:oMath>
+                </a14:m>
+                <a:r>
+                  <a:rPr lang="es-MX" sz="3200" dirty="0"/>
+                  <a:t>=0</a:t>
+                </a:r>
+              </a:p>
+              <a:p>
+                <a:pPr marL="0" indent="0" algn="ctr">
+                  <a:buNone/>
+                </a:pPr>
+                <a:endParaRPr lang="es-MX" sz="3200" dirty="0"/>
+              </a:p>
+              <a:p>
+                <a:pPr marL="0" indent="0" algn="ctr">
+                  <a:buNone/>
+                </a:pPr>
+                <a14:m>
+                  <m:oMathPara xmlns:m="http://schemas.openxmlformats.org/officeDocument/2006/math">
+                    <m:oMathParaPr>
+                      <m:jc m:val="centerGroup"/>
+                    </m:oMathParaPr>
+                    <m:oMath xmlns:m="http://schemas.openxmlformats.org/officeDocument/2006/math">
+                      <m:r>
+                        <a:rPr lang="es-MX" sz="3200" b="0" i="1" smtClean="0">
+                          <a:latin typeface="Cambria Math" panose="02040503050406030204" pitchFamily="18" charset="0"/>
+                        </a:rPr>
+                        <m:t>𝑣</m:t>
+                      </m:r>
+                      <m:r>
+                        <a:rPr lang="es-MX" sz="3200" b="0" i="1" smtClean="0">
+                          <a:latin typeface="Cambria Math" panose="02040503050406030204" pitchFamily="18" charset="0"/>
+                        </a:rPr>
+                        <m:t>=</m:t>
+                      </m:r>
+                      <m:f>
+                        <m:fPr>
+                          <m:ctrlPr>
+                            <a:rPr lang="es-MX" sz="3200" b="0" i="1" smtClean="0">
+                              <a:latin typeface="Cambria Math" panose="02040503050406030204" pitchFamily="18" charset="0"/>
+                            </a:rPr>
+                          </m:ctrlPr>
+                        </m:fPr>
+                        <m:num>
+                          <m:r>
+                            <a:rPr lang="es-MX" sz="3200" b="0" i="1" smtClean="0">
+                              <a:latin typeface="Cambria Math" panose="02040503050406030204" pitchFamily="18" charset="0"/>
+                            </a:rPr>
+                            <m:t>𝐸</m:t>
+                          </m:r>
+                        </m:num>
+                        <m:den>
+                          <m:r>
+                            <a:rPr lang="es-MX" sz="3200" b="0" i="1" smtClean="0">
+                              <a:latin typeface="Cambria Math" panose="02040503050406030204" pitchFamily="18" charset="0"/>
+                            </a:rPr>
+                            <m:t>𝐵</m:t>
+                          </m:r>
+                        </m:den>
+                      </m:f>
+                    </m:oMath>
+                  </m:oMathPara>
+                </a14:m>
+                <a:endParaRPr lang="es-MX" sz="3200" dirty="0"/>
+              </a:p>
+            </p:txBody>
+          </p:sp>
+        </mc:Choice>
+        <mc:Fallback>
+          <p:sp>
+            <p:nvSpPr>
+              <p:cNvPr id="3" name="Marcador de contenido 2">
+                <a:extLst>
+                  <a:ext uri="{FF2B5EF4-FFF2-40B4-BE49-F238E27FC236}">
+                    <a16:creationId xmlns:a16="http://schemas.microsoft.com/office/drawing/2014/main" id="{D057497A-9FFA-4B5F-BABA-3642213FEB81}"/>
+                  </a:ext>
+                </a:extLst>
+              </p:cNvPr>
+              <p:cNvSpPr>
+                <a:spLocks noGrp="1" noRot="1" noChangeAspect="1" noMove="1" noResize="1" noEditPoints="1" noAdjustHandles="1" noChangeArrowheads="1" noChangeShapeType="1" noTextEdit="1"/>
+              </p:cNvSpPr>
+              <p:nvPr>
+                <p:ph idx="1"/>
+              </p:nvPr>
+            </p:nvSpPr>
+            <p:spPr>
+              <a:blipFill>
+                <a:blip r:embed="rId2"/>
+                <a:stretch>
+                  <a:fillRect/>
+                </a:stretch>
+              </a:blipFill>
+            </p:spPr>
+            <p:txBody>
+              <a:bodyPr/>
+              <a:lstStyle/>
+              <a:p>
+                <a:r>
+                  <a:rPr lang="es-MX">
+                    <a:noFill/>
+                  </a:rPr>
+                  <a:t> </a:t>
+                </a:r>
+              </a:p>
+            </p:txBody>
+          </p:sp>
+        </mc:Fallback>
+      </mc:AlternateContent>
+      <p:sp>
+        <p:nvSpPr>
+          <p:cNvPr id="4" name="Marcador de número de diapositiva 3">
+            <a:extLst>
+              <a:ext uri="{FF2B5EF4-FFF2-40B4-BE49-F238E27FC236}">
+                <a16:creationId xmlns:a16="http://schemas.microsoft.com/office/drawing/2014/main" id="{68DD1B1F-C5E9-4496-9B5E-726FE1D1D1C7}"/>
+              </a:ext>
+            </a:extLst>
+          </p:cNvPr>
+          <p:cNvSpPr>
+            <a:spLocks noGrp="1"/>
+          </p:cNvSpPr>
+          <p:nvPr>
+            <p:ph type="sldNum" sz="quarter" idx="12"/>
+          </p:nvPr>
+        </p:nvSpPr>
+        <p:spPr/>
+        <p:txBody>
+          <a:bodyPr/>
+          <a:lstStyle/>
+          <a:p>
+            <a:fld id="{D57F1E4F-1CFF-5643-939E-217C01CDF565}" type="slidenum">
+              <a:rPr lang="en-US" sz="2800" smtClean="0"/>
+              <a:pPr/>
+              <a:t>10</a:t>
+            </a:fld>
+            <a:endParaRPr lang="en-US" sz="2800" dirty="0"/>
+          </a:p>
+        </p:txBody>
+      </p:sp>
+    </p:spTree>
+    <p:extLst>
+      <p:ext uri="{BB962C8B-B14F-4D97-AF65-F5344CB8AC3E}">
+        <p14:creationId xmlns:p14="http://schemas.microsoft.com/office/powerpoint/2010/main" val="2880645428"/>
+      </p:ext>
+    </p:extLst>
+  </p:cSld>
+  <p:clrMapOvr>
+    <a:masterClrMapping/>
+  </p:clrMapOvr>
+</p:sld>
+</file>
+
+<file path=ppt/slides/slide11.xml><?xml version="1.0" encoding="utf-8"?>
+<p:sld xmlns:a="http://schemas.openxmlformats.org/drawingml/2006/main" xmlns:r="http://schemas.openxmlformats.org/officeDocument/2006/relationships" xmlns:p="http://schemas.openxmlformats.org/presentationml/2006/main">
+  <p:cSld>
+    <p:spTree>
+      <p:nvGrpSpPr>
+        <p:cNvPr id="1" name=""/>
+        <p:cNvGrpSpPr/>
+        <p:nvPr/>
+      </p:nvGrpSpPr>
+      <p:grpSpPr>
+        <a:xfrm>
+          <a:off x="0" y="0"/>
+          <a:ext cx="0" cy="0"/>
+          <a:chOff x="0" y="0"/>
+          <a:chExt cx="0" cy="0"/>
+        </a:xfrm>
+      </p:grpSpPr>
+      <p:sp>
+        <p:nvSpPr>
+          <p:cNvPr id="2" name="Título 1">
+            <a:extLst>
+              <a:ext uri="{FF2B5EF4-FFF2-40B4-BE49-F238E27FC236}">
+                <a16:creationId xmlns:a16="http://schemas.microsoft.com/office/drawing/2014/main" id="{0954169B-04F8-4D7B-89DA-C8FA30245360}"/>
+              </a:ext>
+            </a:extLst>
+          </p:cNvPr>
+          <p:cNvSpPr>
+            <a:spLocks noGrp="1"/>
+          </p:cNvSpPr>
+          <p:nvPr>
+            <p:ph type="title"/>
+          </p:nvPr>
+        </p:nvSpPr>
+        <p:spPr/>
+        <p:txBody>
+          <a:bodyPr/>
+          <a:lstStyle/>
+          <a:p>
+            <a:r>
+              <a:rPr lang="es-MX" dirty="0"/>
+              <a:t>Filtro de velocidades tipo </a:t>
+            </a:r>
+            <a:r>
+              <a:rPr lang="es-MX" dirty="0" err="1"/>
+              <a:t>wien</a:t>
+            </a:r>
+            <a:endParaRPr lang="es-MX" dirty="0"/>
+          </a:p>
+        </p:txBody>
+      </p:sp>
+      <p:pic>
+        <p:nvPicPr>
+          <p:cNvPr id="6" name="Marcador de contenido 5" descr="Imagen que contiene texto&#10;&#10;Descripción generada con confianza muy alta">
+            <a:extLst>
+              <a:ext uri="{FF2B5EF4-FFF2-40B4-BE49-F238E27FC236}">
+                <a16:creationId xmlns:a16="http://schemas.microsoft.com/office/drawing/2014/main" id="{F64D1599-FEC8-4220-8A31-9C6B0A4588BA}"/>
+              </a:ext>
+            </a:extLst>
+          </p:cNvPr>
+          <p:cNvPicPr>
+            <a:picLocks noGrp="1" noChangeAspect="1"/>
+          </p:cNvPicPr>
+          <p:nvPr>
+            <p:ph idx="1"/>
+          </p:nvPr>
+        </p:nvPicPr>
+        <p:blipFill>
+          <a:blip r:embed="rId2"/>
+          <a:stretch>
+            <a:fillRect/>
+          </a:stretch>
+        </p:blipFill>
+        <p:spPr>
+          <a:xfrm>
+            <a:off x="3106890" y="2065867"/>
+            <a:ext cx="5978219" cy="4356423"/>
+          </a:xfrm>
+        </p:spPr>
+      </p:pic>
+      <p:sp>
+        <p:nvSpPr>
+          <p:cNvPr id="4" name="Marcador de número de diapositiva 3">
+            <a:extLst>
+              <a:ext uri="{FF2B5EF4-FFF2-40B4-BE49-F238E27FC236}">
+                <a16:creationId xmlns:a16="http://schemas.microsoft.com/office/drawing/2014/main" id="{129CDEF9-57FC-4CE3-9543-A3DE5AD4C7EB}"/>
+              </a:ext>
+            </a:extLst>
+          </p:cNvPr>
+          <p:cNvSpPr>
+            <a:spLocks noGrp="1"/>
+          </p:cNvSpPr>
+          <p:nvPr>
+            <p:ph type="sldNum" sz="quarter" idx="12"/>
+          </p:nvPr>
+        </p:nvSpPr>
+        <p:spPr/>
+        <p:txBody>
+          <a:bodyPr/>
+          <a:lstStyle/>
+          <a:p>
+            <a:fld id="{D57F1E4F-1CFF-5643-939E-217C01CDF565}" type="slidenum">
+              <a:rPr lang="en-US" sz="2800" smtClean="0"/>
+              <a:pPr/>
+              <a:t>11</a:t>
+            </a:fld>
+            <a:endParaRPr lang="en-US" sz="2800" dirty="0"/>
+          </a:p>
+        </p:txBody>
+      </p:sp>
+    </p:spTree>
+    <p:extLst>
+      <p:ext uri="{BB962C8B-B14F-4D97-AF65-F5344CB8AC3E}">
+        <p14:creationId xmlns:p14="http://schemas.microsoft.com/office/powerpoint/2010/main" val="3749861156"/>
+      </p:ext>
+    </p:extLst>
+  </p:cSld>
+  <p:clrMapOvr>
+    <a:masterClrMapping/>
+  </p:clrMapOvr>
+</p:sld>
+</file>
+
+<file path=ppt/slides/slide12.xml><?xml version="1.0" encoding="utf-8"?>
+<p:sld xmlns:a="http://schemas.openxmlformats.org/drawingml/2006/main" xmlns:r="http://schemas.openxmlformats.org/officeDocument/2006/relationships" xmlns:p="http://schemas.openxmlformats.org/presentationml/2006/main">
+  <p:cSld>
+    <p:spTree>
+      <p:nvGrpSpPr>
+        <p:cNvPr id="1" name=""/>
+        <p:cNvGrpSpPr/>
+        <p:nvPr/>
+      </p:nvGrpSpPr>
+      <p:grpSpPr>
+        <a:xfrm>
+          <a:off x="0" y="0"/>
+          <a:ext cx="0" cy="0"/>
+          <a:chOff x="0" y="0"/>
+          <a:chExt cx="0" cy="0"/>
+        </a:xfrm>
+      </p:grpSpPr>
+      <p:sp>
+        <p:nvSpPr>
+          <p:cNvPr id="2" name="Título 1">
+            <a:extLst>
+              <a:ext uri="{FF2B5EF4-FFF2-40B4-BE49-F238E27FC236}">
+                <a16:creationId xmlns:a16="http://schemas.microsoft.com/office/drawing/2014/main" id="{A7CB285A-D37E-48F4-B362-97B5C33A8AF6}"/>
+              </a:ext>
+            </a:extLst>
+          </p:cNvPr>
+          <p:cNvSpPr>
+            <a:spLocks noGrp="1"/>
+          </p:cNvSpPr>
+          <p:nvPr>
+            <p:ph type="title"/>
+          </p:nvPr>
+        </p:nvSpPr>
+        <p:spPr/>
+        <p:txBody>
+          <a:bodyPr/>
+          <a:lstStyle/>
+          <a:p>
+            <a:r>
+              <a:rPr lang="es-MX" dirty="0" err="1"/>
+              <a:t>Deflección</a:t>
+            </a:r>
+            <a:r>
+              <a:rPr lang="es-MX" dirty="0"/>
+              <a:t> de 10°</a:t>
+            </a:r>
+          </a:p>
+        </p:txBody>
+      </p:sp>
+      <p:pic>
+        <p:nvPicPr>
+          <p:cNvPr id="6" name="Marcador de contenido 5">
+            <a:extLst>
+              <a:ext uri="{FF2B5EF4-FFF2-40B4-BE49-F238E27FC236}">
+                <a16:creationId xmlns:a16="http://schemas.microsoft.com/office/drawing/2014/main" id="{89E6D8FE-FB18-4BAF-BAC6-9E1276C1E7F4}"/>
+              </a:ext>
+            </a:extLst>
+          </p:cNvPr>
+          <p:cNvPicPr>
+            <a:picLocks noGrp="1" noChangeAspect="1"/>
+          </p:cNvPicPr>
+          <p:nvPr>
+            <p:ph idx="1"/>
+          </p:nvPr>
+        </p:nvPicPr>
+        <p:blipFill rotWithShape="1">
+          <a:blip r:embed="rId2"/>
+          <a:srcRect l="6232" t="6002" r="20344" b="18592"/>
+          <a:stretch/>
+        </p:blipFill>
+        <p:spPr>
+          <a:xfrm>
+            <a:off x="2395537" y="2381055"/>
+            <a:ext cx="7400926" cy="3174331"/>
+          </a:xfrm>
+        </p:spPr>
+      </p:pic>
+      <p:sp>
+        <p:nvSpPr>
+          <p:cNvPr id="4" name="Marcador de número de diapositiva 3">
+            <a:extLst>
+              <a:ext uri="{FF2B5EF4-FFF2-40B4-BE49-F238E27FC236}">
+                <a16:creationId xmlns:a16="http://schemas.microsoft.com/office/drawing/2014/main" id="{57217A22-B243-4C0C-9E69-392DACF1DB71}"/>
+              </a:ext>
+            </a:extLst>
+          </p:cNvPr>
+          <p:cNvSpPr>
+            <a:spLocks noGrp="1"/>
+          </p:cNvSpPr>
+          <p:nvPr>
+            <p:ph type="sldNum" sz="quarter" idx="12"/>
+          </p:nvPr>
+        </p:nvSpPr>
+        <p:spPr/>
+        <p:txBody>
+          <a:bodyPr/>
+          <a:lstStyle/>
+          <a:p>
+            <a:fld id="{D57F1E4F-1CFF-5643-939E-217C01CDF565}" type="slidenum">
+              <a:rPr lang="en-US" sz="2800" smtClean="0"/>
+              <a:pPr/>
+              <a:t>12</a:t>
+            </a:fld>
+            <a:endParaRPr lang="en-US" sz="2800" dirty="0"/>
+          </a:p>
+        </p:txBody>
+      </p:sp>
+    </p:spTree>
+    <p:extLst>
+      <p:ext uri="{BB962C8B-B14F-4D97-AF65-F5344CB8AC3E}">
+        <p14:creationId xmlns:p14="http://schemas.microsoft.com/office/powerpoint/2010/main" val="3308353964"/>
+      </p:ext>
+    </p:extLst>
+  </p:cSld>
+  <p:clrMapOvr>
+    <a:masterClrMapping/>
+  </p:clrMapOvr>
+</p:sld>
+</file>
+
+<file path=ppt/slides/slide13.xml><?xml version="1.0" encoding="utf-8"?>
+<p:sld xmlns:a="http://schemas.openxmlformats.org/drawingml/2006/main" xmlns:r="http://schemas.openxmlformats.org/officeDocument/2006/relationships" xmlns:p="http://schemas.openxmlformats.org/presentationml/2006/main">
+  <p:cSld>
+    <p:spTree>
+      <p:nvGrpSpPr>
+        <p:cNvPr id="1" name=""/>
+        <p:cNvGrpSpPr/>
+        <p:nvPr/>
+      </p:nvGrpSpPr>
+      <p:grpSpPr>
+        <a:xfrm>
+          <a:off x="0" y="0"/>
+          <a:ext cx="0" cy="0"/>
+          <a:chOff x="0" y="0"/>
+          <a:chExt cx="0" cy="0"/>
+        </a:xfrm>
+      </p:grpSpPr>
+      <p:sp>
+        <p:nvSpPr>
+          <p:cNvPr id="2" name="Título 1">
+            <a:extLst>
+              <a:ext uri="{FF2B5EF4-FFF2-40B4-BE49-F238E27FC236}">
+                <a16:creationId xmlns:a16="http://schemas.microsoft.com/office/drawing/2014/main" id="{81786722-EDB2-4A15-814E-136326890E38}"/>
+              </a:ext>
+            </a:extLst>
+          </p:cNvPr>
+          <p:cNvSpPr>
+            <a:spLocks noGrp="1"/>
+          </p:cNvSpPr>
+          <p:nvPr>
+            <p:ph type="title"/>
+          </p:nvPr>
+        </p:nvSpPr>
+        <p:spPr/>
+        <p:txBody>
+          <a:bodyPr/>
+          <a:lstStyle/>
+          <a:p>
+            <a:r>
+              <a:rPr lang="es-MX" dirty="0"/>
+              <a:t>Primera detección: Espectrometría de masas</a:t>
+            </a:r>
+          </a:p>
+        </p:txBody>
+      </p:sp>
+      <p:sp>
+        <p:nvSpPr>
+          <p:cNvPr id="4" name="Marcador de número de diapositiva 3">
+            <a:extLst>
+              <a:ext uri="{FF2B5EF4-FFF2-40B4-BE49-F238E27FC236}">
+                <a16:creationId xmlns:a16="http://schemas.microsoft.com/office/drawing/2014/main" id="{705BE1F5-C6B3-4641-8388-8BCB4F0E0782}"/>
+              </a:ext>
+            </a:extLst>
+          </p:cNvPr>
+          <p:cNvSpPr>
+            <a:spLocks noGrp="1"/>
+          </p:cNvSpPr>
+          <p:nvPr>
+            <p:ph type="sldNum" sz="quarter" idx="12"/>
+          </p:nvPr>
+        </p:nvSpPr>
+        <p:spPr/>
+        <p:txBody>
+          <a:bodyPr/>
+          <a:lstStyle/>
+          <a:p>
+            <a:fld id="{D57F1E4F-1CFF-5643-939E-217C01CDF565}" type="slidenum">
+              <a:rPr lang="en-US" sz="2800" smtClean="0"/>
+              <a:pPr/>
+              <a:t>13</a:t>
+            </a:fld>
+            <a:endParaRPr lang="en-US" sz="2800" dirty="0"/>
+          </a:p>
+        </p:txBody>
+      </p:sp>
+      <mc:AlternateContent xmlns:mc="http://schemas.openxmlformats.org/markup-compatibility/2006">
+        <mc:Choice xmlns:a14="http://schemas.microsoft.com/office/drawing/2010/main" Requires="a14">
+          <p:sp>
+            <p:nvSpPr>
+              <p:cNvPr id="7" name="Marcador de contenido 2">
+                <a:extLst>
+                  <a:ext uri="{FF2B5EF4-FFF2-40B4-BE49-F238E27FC236}">
+                    <a16:creationId xmlns:a16="http://schemas.microsoft.com/office/drawing/2014/main" id="{341944DF-0297-4DBD-8D79-3E070AE9FCCA}"/>
+                  </a:ext>
+                </a:extLst>
+              </p:cNvPr>
+              <p:cNvSpPr>
+                <a:spLocks noGrp="1"/>
+              </p:cNvSpPr>
+              <p:nvPr>
+                <p:ph idx="1"/>
+              </p:nvPr>
+            </p:nvSpPr>
+            <p:spPr>
+              <a:xfrm>
+                <a:off x="685800" y="2141538"/>
+                <a:ext cx="10131425" cy="3649662"/>
+              </a:xfrm>
+            </p:spPr>
+            <p:txBody>
+              <a:bodyPr>
+                <a:normAutofit/>
+              </a:bodyPr>
+              <a:lstStyle/>
+              <a:p>
+                <a:pPr marL="0" indent="0" algn="ctr">
+                  <a:buNone/>
+                </a:pPr>
+                <a14:m>
+                  <m:oMathPara xmlns:m="http://schemas.openxmlformats.org/officeDocument/2006/math">
+                    <m:oMathParaPr>
+                      <m:jc m:val="centerGroup"/>
+                    </m:oMathParaPr>
+                    <m:oMath xmlns:m="http://schemas.openxmlformats.org/officeDocument/2006/math">
+                      <m:f>
+                        <m:fPr>
+                          <m:ctrlPr>
+                            <a:rPr lang="es-MX" sz="3200" i="1" smtClean="0">
+                              <a:latin typeface="Cambria Math" panose="02040503050406030204" pitchFamily="18" charset="0"/>
+                            </a:rPr>
+                          </m:ctrlPr>
+                        </m:fPr>
+                        <m:num>
+                          <m:r>
+                            <a:rPr lang="es-MX" sz="3200" b="0" i="1" smtClean="0">
+                              <a:latin typeface="Cambria Math" panose="02040503050406030204" pitchFamily="18" charset="0"/>
+                            </a:rPr>
+                            <m:t>1</m:t>
+                          </m:r>
+                        </m:num>
+                        <m:den>
+                          <m:r>
+                            <a:rPr lang="es-MX" sz="3200" b="0" i="1" smtClean="0">
+                              <a:latin typeface="Cambria Math" panose="02040503050406030204" pitchFamily="18" charset="0"/>
+                            </a:rPr>
+                            <m:t>2</m:t>
+                          </m:r>
+                        </m:den>
+                      </m:f>
+                      <m:r>
+                        <a:rPr lang="es-MX" sz="3200" b="0" i="1" smtClean="0">
+                          <a:latin typeface="Cambria Math" panose="02040503050406030204" pitchFamily="18" charset="0"/>
+                        </a:rPr>
+                        <m:t>𝑚</m:t>
+                      </m:r>
+                      <m:sSup>
+                        <m:sSupPr>
+                          <m:ctrlPr>
+                            <a:rPr lang="es-MX" sz="3200" b="0" i="1" smtClean="0">
+                              <a:latin typeface="Cambria Math" panose="02040503050406030204" pitchFamily="18" charset="0"/>
+                            </a:rPr>
+                          </m:ctrlPr>
+                        </m:sSupPr>
+                        <m:e>
+                          <m:r>
+                            <a:rPr lang="es-MX" sz="3200" b="0" i="1" smtClean="0">
+                              <a:latin typeface="Cambria Math" panose="02040503050406030204" pitchFamily="18" charset="0"/>
+                            </a:rPr>
+                            <m:t>𝑣</m:t>
+                          </m:r>
+                        </m:e>
+                        <m:sup>
+                          <m:r>
+                            <a:rPr lang="es-MX" sz="3200" b="0" i="1" smtClean="0">
+                              <a:latin typeface="Cambria Math" panose="02040503050406030204" pitchFamily="18" charset="0"/>
+                            </a:rPr>
+                            <m:t>2</m:t>
+                          </m:r>
+                        </m:sup>
+                      </m:sSup>
+                      <m:r>
+                        <a:rPr lang="es-MX" sz="3200" b="0" i="1" smtClean="0">
+                          <a:latin typeface="Cambria Math" panose="02040503050406030204" pitchFamily="18" charset="0"/>
+                        </a:rPr>
+                        <m:t>=</m:t>
+                      </m:r>
+                      <m:r>
+                        <a:rPr lang="es-MX" sz="3200" b="0" i="1" smtClean="0">
+                          <a:latin typeface="Cambria Math" panose="02040503050406030204" pitchFamily="18" charset="0"/>
+                        </a:rPr>
+                        <m:t>𝑞</m:t>
+                      </m:r>
+                      <m:sSub>
+                        <m:sSubPr>
+                          <m:ctrlPr>
+                            <a:rPr lang="es-MX" sz="3200" b="0" i="1" smtClean="0">
+                              <a:latin typeface="Cambria Math" panose="02040503050406030204" pitchFamily="18" charset="0"/>
+                            </a:rPr>
+                          </m:ctrlPr>
+                        </m:sSubPr>
+                        <m:e>
+                          <m:r>
+                            <a:rPr lang="es-MX" sz="3200" b="0" i="1" smtClean="0">
+                              <a:latin typeface="Cambria Math" panose="02040503050406030204" pitchFamily="18" charset="0"/>
+                            </a:rPr>
+                            <m:t>𝑉</m:t>
+                          </m:r>
+                        </m:e>
+                        <m:sub>
+                          <m:r>
+                            <a:rPr lang="es-MX" sz="3200" b="0" i="1" smtClean="0">
+                              <a:latin typeface="Cambria Math" panose="02040503050406030204" pitchFamily="18" charset="0"/>
+                            </a:rPr>
+                            <m:t>𝑎</m:t>
+                          </m:r>
+                        </m:sub>
+                      </m:sSub>
+                    </m:oMath>
+                  </m:oMathPara>
+                </a14:m>
+                <a:endParaRPr lang="es-MX" sz="3200" b="0" dirty="0"/>
+              </a:p>
+              <a:p>
+                <a:pPr marL="0" indent="0" algn="ctr">
+                  <a:buNone/>
+                </a:pPr>
+                <a14:m>
+                  <m:oMathPara xmlns:m="http://schemas.openxmlformats.org/officeDocument/2006/math">
+                    <m:oMathParaPr>
+                      <m:jc m:val="centerGroup"/>
+                    </m:oMathParaPr>
+                    <m:oMath xmlns:m="http://schemas.openxmlformats.org/officeDocument/2006/math">
+                      <m:r>
+                        <a:rPr lang="es-MX" sz="3200" i="1" smtClean="0">
+                          <a:latin typeface="Cambria Math" panose="02040503050406030204" pitchFamily="18" charset="0"/>
+                          <a:ea typeface="Cambria Math" panose="02040503050406030204" pitchFamily="18" charset="0"/>
+                        </a:rPr>
+                        <m:t>⇒</m:t>
+                      </m:r>
+                      <m:r>
+                        <a:rPr lang="es-MX" sz="3200" i="1">
+                          <a:latin typeface="Cambria Math" panose="02040503050406030204" pitchFamily="18" charset="0"/>
+                        </a:rPr>
+                        <m:t>𝑚</m:t>
+                      </m:r>
+                      <m:r>
+                        <a:rPr lang="es-MX" sz="3200" i="1">
+                          <a:latin typeface="Cambria Math" panose="02040503050406030204" pitchFamily="18" charset="0"/>
+                        </a:rPr>
+                        <m:t>=2</m:t>
+                      </m:r>
+                      <m:r>
+                        <a:rPr lang="es-MX" sz="3200" i="1">
+                          <a:latin typeface="Cambria Math" panose="02040503050406030204" pitchFamily="18" charset="0"/>
+                        </a:rPr>
+                        <m:t>𝑞</m:t>
+                      </m:r>
+                      <m:sSub>
+                        <m:sSubPr>
+                          <m:ctrlPr>
+                            <a:rPr lang="es-MX" sz="3200" i="1">
+                              <a:latin typeface="Cambria Math" panose="02040503050406030204" pitchFamily="18" charset="0"/>
+                            </a:rPr>
+                          </m:ctrlPr>
+                        </m:sSubPr>
+                        <m:e>
+                          <m:r>
+                            <a:rPr lang="es-MX" sz="3200" i="1">
+                              <a:latin typeface="Cambria Math" panose="02040503050406030204" pitchFamily="18" charset="0"/>
+                            </a:rPr>
+                            <m:t>𝑉</m:t>
+                          </m:r>
+                        </m:e>
+                        <m:sub>
+                          <m:r>
+                            <a:rPr lang="es-MX" sz="3200" i="1">
+                              <a:latin typeface="Cambria Math" panose="02040503050406030204" pitchFamily="18" charset="0"/>
+                            </a:rPr>
+                            <m:t>𝑎</m:t>
+                          </m:r>
+                        </m:sub>
+                      </m:sSub>
+                      <m:f>
+                        <m:fPr>
+                          <m:ctrlPr>
+                            <a:rPr lang="es-MX" sz="3200" b="0" i="1" smtClean="0">
+                              <a:latin typeface="Cambria Math" panose="02040503050406030204" pitchFamily="18" charset="0"/>
+                            </a:rPr>
+                          </m:ctrlPr>
+                        </m:fPr>
+                        <m:num>
+                          <m:sSup>
+                            <m:sSupPr>
+                              <m:ctrlPr>
+                                <a:rPr lang="es-MX" sz="3200" b="0" i="1" smtClean="0">
+                                  <a:latin typeface="Cambria Math" panose="02040503050406030204" pitchFamily="18" charset="0"/>
+                                </a:rPr>
+                              </m:ctrlPr>
+                            </m:sSupPr>
+                            <m:e>
+                              <m:r>
+                                <a:rPr lang="es-MX" sz="3200" b="0" i="1" smtClean="0">
+                                  <a:latin typeface="Cambria Math" panose="02040503050406030204" pitchFamily="18" charset="0"/>
+                                </a:rPr>
+                                <m:t>𝐵</m:t>
+                              </m:r>
+                            </m:e>
+                            <m:sup>
+                              <m:r>
+                                <a:rPr lang="es-MX" sz="3200" b="0" i="1" smtClean="0">
+                                  <a:latin typeface="Cambria Math" panose="02040503050406030204" pitchFamily="18" charset="0"/>
+                                </a:rPr>
+                                <m:t>2</m:t>
+                              </m:r>
+                            </m:sup>
+                          </m:sSup>
+                        </m:num>
+                        <m:den>
+                          <m:sSup>
+                            <m:sSupPr>
+                              <m:ctrlPr>
+                                <a:rPr lang="es-MX" sz="3200" b="0" i="1" smtClean="0">
+                                  <a:latin typeface="Cambria Math" panose="02040503050406030204" pitchFamily="18" charset="0"/>
+                                </a:rPr>
+                              </m:ctrlPr>
+                            </m:sSupPr>
+                            <m:e>
+                              <m:r>
+                                <a:rPr lang="es-MX" sz="3200" b="0" i="1" smtClean="0">
+                                  <a:latin typeface="Cambria Math" panose="02040503050406030204" pitchFamily="18" charset="0"/>
+                                </a:rPr>
+                                <m:t>𝐸</m:t>
+                              </m:r>
+                            </m:e>
+                            <m:sup>
+                              <m:r>
+                                <a:rPr lang="es-MX" sz="3200" b="0" i="1" smtClean="0">
+                                  <a:latin typeface="Cambria Math" panose="02040503050406030204" pitchFamily="18" charset="0"/>
+                                </a:rPr>
+                                <m:t>2</m:t>
+                              </m:r>
+                            </m:sup>
+                          </m:sSup>
+                        </m:den>
+                      </m:f>
+                    </m:oMath>
+                  </m:oMathPara>
+                </a14:m>
+                <a:endParaRPr lang="es-MX" sz="3200" dirty="0"/>
+              </a:p>
+              <a:p>
+                <a:pPr marL="0" indent="0" algn="ctr">
+                  <a:buNone/>
+                </a:pPr>
+                <a14:m>
+                  <m:oMathPara xmlns:m="http://schemas.openxmlformats.org/officeDocument/2006/math">
+                    <m:oMathParaPr>
+                      <m:jc m:val="centerGroup"/>
+                    </m:oMathParaPr>
+                    <m:oMath xmlns:m="http://schemas.openxmlformats.org/officeDocument/2006/math">
+                      <m:r>
+                        <a:rPr lang="es-MX" sz="3200" i="1" smtClean="0">
+                          <a:latin typeface="Cambria Math" panose="02040503050406030204" pitchFamily="18" charset="0"/>
+                          <a:ea typeface="Cambria Math" panose="02040503050406030204" pitchFamily="18" charset="0"/>
+                        </a:rPr>
+                        <m:t>∴</m:t>
+                      </m:r>
+                      <m:r>
+                        <a:rPr lang="es-MX" sz="3200" i="1">
+                          <a:latin typeface="Cambria Math" panose="02040503050406030204" pitchFamily="18" charset="0"/>
+                        </a:rPr>
+                        <m:t>𝑚</m:t>
+                      </m:r>
+                      <m:r>
+                        <a:rPr lang="es-MX" sz="3200" i="1">
+                          <a:latin typeface="Cambria Math" panose="02040503050406030204" pitchFamily="18" charset="0"/>
+                        </a:rPr>
+                        <m:t>=2</m:t>
+                      </m:r>
+                      <m:r>
+                        <a:rPr lang="es-MX" sz="3200" i="1">
+                          <a:latin typeface="Cambria Math" panose="02040503050406030204" pitchFamily="18" charset="0"/>
+                        </a:rPr>
+                        <m:t>𝑞𝐶</m:t>
+                      </m:r>
+                      <m:sSub>
+                        <m:sSubPr>
+                          <m:ctrlPr>
+                            <a:rPr lang="es-MX" sz="3200" i="1">
+                              <a:latin typeface="Cambria Math" panose="02040503050406030204" pitchFamily="18" charset="0"/>
+                            </a:rPr>
+                          </m:ctrlPr>
+                        </m:sSubPr>
+                        <m:e>
+                          <m:r>
+                            <a:rPr lang="es-MX" sz="3200" i="1">
+                              <a:latin typeface="Cambria Math" panose="02040503050406030204" pitchFamily="18" charset="0"/>
+                            </a:rPr>
+                            <m:t>𝑉</m:t>
+                          </m:r>
+                        </m:e>
+                        <m:sub>
+                          <m:r>
+                            <a:rPr lang="es-MX" sz="3200" i="1">
+                              <a:latin typeface="Cambria Math" panose="02040503050406030204" pitchFamily="18" charset="0"/>
+                            </a:rPr>
+                            <m:t>𝑎</m:t>
+                          </m:r>
+                        </m:sub>
+                      </m:sSub>
+                      <m:f>
+                        <m:fPr>
+                          <m:ctrlPr>
+                            <a:rPr lang="es-MX" sz="3200" i="1">
+                              <a:latin typeface="Cambria Math" panose="02040503050406030204" pitchFamily="18" charset="0"/>
+                            </a:rPr>
+                          </m:ctrlPr>
+                        </m:fPr>
+                        <m:num>
+                          <m:sSup>
+                            <m:sSupPr>
+                              <m:ctrlPr>
+                                <a:rPr lang="es-MX" sz="3200" i="1">
+                                  <a:latin typeface="Cambria Math" panose="02040503050406030204" pitchFamily="18" charset="0"/>
+                                </a:rPr>
+                              </m:ctrlPr>
+                            </m:sSupPr>
+                            <m:e>
+                              <m:sSub>
+                                <m:sSubPr>
+                                  <m:ctrlPr>
+                                    <a:rPr lang="es-MX" sz="3200" i="1" smtClean="0">
+                                      <a:latin typeface="Cambria Math" panose="02040503050406030204" pitchFamily="18" charset="0"/>
+                                    </a:rPr>
+                                  </m:ctrlPr>
+                                </m:sSubPr>
+                                <m:e>
+                                  <m:r>
+                                    <a:rPr lang="es-MX" sz="3200" b="0" i="1" smtClean="0">
+                                      <a:latin typeface="Cambria Math" panose="02040503050406030204" pitchFamily="18" charset="0"/>
+                                    </a:rPr>
+                                    <m:t>𝑖</m:t>
+                                  </m:r>
+                                </m:e>
+                                <m:sub>
+                                  <m:r>
+                                    <a:rPr lang="es-MX" sz="3200" b="0" i="1" smtClean="0">
+                                      <a:latin typeface="Cambria Math" panose="02040503050406030204" pitchFamily="18" charset="0"/>
+                                    </a:rPr>
+                                    <m:t>𝑚</m:t>
+                                  </m:r>
+                                </m:sub>
+                              </m:sSub>
+                            </m:e>
+                            <m:sup>
+                              <m:r>
+                                <a:rPr lang="es-MX" sz="3200" i="1">
+                                  <a:latin typeface="Cambria Math" panose="02040503050406030204" pitchFamily="18" charset="0"/>
+                                </a:rPr>
+                                <m:t>2</m:t>
+                              </m:r>
+                            </m:sup>
+                          </m:sSup>
+                        </m:num>
+                        <m:den>
+                          <m:sSup>
+                            <m:sSupPr>
+                              <m:ctrlPr>
+                                <a:rPr lang="es-MX" sz="3200" i="1">
+                                  <a:latin typeface="Cambria Math" panose="02040503050406030204" pitchFamily="18" charset="0"/>
+                                </a:rPr>
+                              </m:ctrlPr>
+                            </m:sSupPr>
+                            <m:e>
+                              <m:sSub>
+                                <m:sSubPr>
+                                  <m:ctrlPr>
+                                    <a:rPr lang="es-MX" sz="3200" i="1" smtClean="0">
+                                      <a:latin typeface="Cambria Math" panose="02040503050406030204" pitchFamily="18" charset="0"/>
+                                    </a:rPr>
+                                  </m:ctrlPr>
+                                </m:sSubPr>
+                                <m:e>
+                                  <m:r>
+                                    <a:rPr lang="es-MX" sz="3200" b="0" i="1" smtClean="0">
+                                      <a:latin typeface="Cambria Math" panose="02040503050406030204" pitchFamily="18" charset="0"/>
+                                    </a:rPr>
+                                    <m:t>𝑉</m:t>
+                                  </m:r>
+                                </m:e>
+                                <m:sub>
+                                  <m:r>
+                                    <a:rPr lang="es-MX" sz="3200" b="0" i="1" smtClean="0">
+                                      <a:latin typeface="Cambria Math" panose="02040503050406030204" pitchFamily="18" charset="0"/>
+                                    </a:rPr>
+                                    <m:t>𝑓</m:t>
+                                  </m:r>
+                                </m:sub>
+                              </m:sSub>
+                            </m:e>
+                            <m:sup>
+                              <m:r>
+                                <a:rPr lang="es-MX" sz="3200" i="1">
+                                  <a:latin typeface="Cambria Math" panose="02040503050406030204" pitchFamily="18" charset="0"/>
+                                </a:rPr>
+                                <m:t>2</m:t>
+                              </m:r>
+                            </m:sup>
+                          </m:sSup>
+                        </m:den>
+                      </m:f>
+                    </m:oMath>
+                  </m:oMathPara>
+                </a14:m>
+                <a:endParaRPr lang="es-MX" sz="3200" dirty="0"/>
+              </a:p>
+            </p:txBody>
+          </p:sp>
+        </mc:Choice>
+        <mc:Fallback>
+          <p:sp>
+            <p:nvSpPr>
+              <p:cNvPr id="7" name="Marcador de contenido 2">
+                <a:extLst>
+                  <a:ext uri="{FF2B5EF4-FFF2-40B4-BE49-F238E27FC236}">
+                    <a16:creationId xmlns:a16="http://schemas.microsoft.com/office/drawing/2014/main" id="{341944DF-0297-4DBD-8D79-3E070AE9FCCA}"/>
+                  </a:ext>
+                </a:extLst>
+              </p:cNvPr>
+              <p:cNvSpPr>
+                <a:spLocks noGrp="1" noRot="1" noChangeAspect="1" noMove="1" noResize="1" noEditPoints="1" noAdjustHandles="1" noChangeArrowheads="1" noChangeShapeType="1" noTextEdit="1"/>
+              </p:cNvSpPr>
+              <p:nvPr>
+                <p:ph idx="1"/>
+              </p:nvPr>
+            </p:nvSpPr>
+            <p:spPr>
+              <a:xfrm>
+                <a:off x="685800" y="2141538"/>
+                <a:ext cx="10131425" cy="3649662"/>
+              </a:xfrm>
+              <a:blipFill>
+                <a:blip r:embed="rId2"/>
+                <a:stretch>
+                  <a:fillRect/>
+                </a:stretch>
+              </a:blipFill>
+            </p:spPr>
+            <p:txBody>
+              <a:bodyPr/>
+              <a:lstStyle/>
+              <a:p>
+                <a:r>
+                  <a:rPr lang="es-MX">
+                    <a:noFill/>
+                  </a:rPr>
+                  <a:t> </a:t>
+                </a:r>
+              </a:p>
+            </p:txBody>
+          </p:sp>
+        </mc:Fallback>
+      </mc:AlternateContent>
+    </p:spTree>
+    <p:extLst>
+      <p:ext uri="{BB962C8B-B14F-4D97-AF65-F5344CB8AC3E}">
+        <p14:creationId xmlns:p14="http://schemas.microsoft.com/office/powerpoint/2010/main" val="1019313863"/>
+      </p:ext>
+    </p:extLst>
+  </p:cSld>
+  <p:clrMapOvr>
+    <a:masterClrMapping/>
+  </p:clrMapOvr>
+</p:sld>
+</file>
+
+<file path=ppt/slides/slide14.xml><?xml version="1.0" encoding="utf-8"?>
+<p:sld xmlns:a="http://schemas.openxmlformats.org/drawingml/2006/main" xmlns:r="http://schemas.openxmlformats.org/officeDocument/2006/relationships" xmlns:p="http://schemas.openxmlformats.org/presentationml/2006/main">
+  <p:cSld>
+    <p:bg>
+      <p:bgPr>
+        <a:blipFill>
+          <a:blip r:embed="rId2">
+            <a:extLst/>
+          </a:blip>
+          <a:stretch/>
+        </a:blipFill>
+        <a:effectLst/>
+      </p:bgPr>
+    </p:bg>
+    <p:spTree>
+      <p:nvGrpSpPr>
+        <p:cNvPr id="1" name=""/>
+        <p:cNvGrpSpPr/>
+        <p:nvPr/>
+      </p:nvGrpSpPr>
+      <p:grpSpPr>
+        <a:xfrm>
+          <a:off x="0" y="0"/>
+          <a:ext cx="0" cy="0"/>
+          <a:chOff x="0" y="0"/>
+          <a:chExt cx="0" cy="0"/>
+        </a:xfrm>
+      </p:grpSpPr>
+      <p:sp>
+        <p:nvSpPr>
+          <p:cNvPr id="2" name="Título 1">
+            <a:extLst>
+              <a:ext uri="{FF2B5EF4-FFF2-40B4-BE49-F238E27FC236}">
+                <a16:creationId xmlns:a16="http://schemas.microsoft.com/office/drawing/2014/main" id="{5B4198C2-2267-4468-9308-0866FAD14994}"/>
+              </a:ext>
+            </a:extLst>
+          </p:cNvPr>
+          <p:cNvSpPr>
+            <a:spLocks noGrp="1"/>
+          </p:cNvSpPr>
+          <p:nvPr>
+            <p:ph type="title"/>
+          </p:nvPr>
+        </p:nvSpPr>
+        <p:spPr>
+          <a:xfrm>
+            <a:off x="6717278" y="1030288"/>
+            <a:ext cx="4099947" cy="1035579"/>
+          </a:xfrm>
+        </p:spPr>
+        <p:txBody>
+          <a:bodyPr>
+            <a:normAutofit/>
+          </a:bodyPr>
+          <a:lstStyle/>
+          <a:p>
+            <a:pPr>
+              <a:lnSpc>
+                <a:spcPct val="90000"/>
+              </a:lnSpc>
+            </a:pPr>
+            <a:r>
+              <a:rPr lang="es-MX" sz="3300"/>
+              <a:t>Zona de reacción: Colisiones</a:t>
+            </a:r>
+          </a:p>
+        </p:txBody>
+      </p:sp>
+      <p:sp>
+        <p:nvSpPr>
+          <p:cNvPr id="18" name="Rounded Rectangle 12">
+            <a:extLst>
+              <a:ext uri="{FF2B5EF4-FFF2-40B4-BE49-F238E27FC236}">
+                <a16:creationId xmlns:a16="http://schemas.microsoft.com/office/drawing/2014/main" id="{EA2EA25A-D905-48F5-94EE-3552C95FB943}"/>
+              </a:ext>
+              <a:ext uri="{C183D7F6-B498-43B3-948B-1728B52AA6E4}">
+                <adec:decorative xmlns:adec="http://schemas.microsoft.com/office/drawing/2017/decorative" val="1"/>
+              </a:ext>
+            </a:extLst>
+          </p:cNvPr>
+          <p:cNvSpPr>
+            <a:spLocks noGrp="1" noRot="1" noChangeAspect="1" noMove="1" noResize="1" noEditPoints="1" noAdjustHandles="1" noChangeArrowheads="1" noChangeShapeType="1" noTextEdit="1"/>
+          </p:cNvSpPr>
+          <p:nvPr>
+            <p:extLst>
+              <p:ext uri="{386F3935-93C4-4BCD-93E2-E3B085C9AB24}">
+                <p16:designElem xmlns:p16="http://schemas.microsoft.com/office/powerpoint/2015/main" val="1"/>
+              </p:ext>
+            </p:extLst>
+          </p:nvPr>
+        </p:nvSpPr>
+        <p:spPr>
+          <a:xfrm>
+            <a:off x="658976" y="626261"/>
+            <a:ext cx="2627580" cy="2138591"/>
+          </a:xfrm>
+          <a:prstGeom prst="roundRect">
+            <a:avLst>
+              <a:gd name="adj" fmla="val 7505"/>
+            </a:avLst>
+          </a:prstGeom>
+          <a:solidFill>
+            <a:schemeClr val="tx1"/>
+          </a:solidFill>
+          <a:ln w="50800" cap="sq" cmpd="dbl">
+            <a:gradFill flip="none" rotWithShape="1">
+              <a:gsLst>
+                <a:gs pos="0">
+                  <a:srgbClr val="FFFFFF"/>
+                </a:gs>
+                <a:gs pos="100000">
+                  <a:schemeClr val="tx1">
+                    <a:alpha val="0"/>
+                  </a:schemeClr>
+                </a:gs>
+              </a:gsLst>
+              <a:path path="circle">
+                <a:fillToRect l="50000" t="50000" r="50000" b="50000"/>
+              </a:path>
+              <a:tileRect/>
+            </a:gradFill>
+            <a:miter lim="800000"/>
+          </a:ln>
+          <a:effectLst>
+            <a:outerShdw blurRad="254000" algn="tl" rotWithShape="0">
+              <a:srgbClr val="000000">
+                <a:alpha val="43000"/>
+              </a:srgbClr>
+            </a:outerShdw>
+          </a:effectLst>
+        </p:spPr>
+        <p:style>
+          <a:lnRef idx="2">
+            <a:schemeClr val="accent1">
+              <a:shade val="50000"/>
+            </a:schemeClr>
+          </a:lnRef>
+          <a:fillRef idx="1">
+            <a:schemeClr val="accent1"/>
+          </a:fillRef>
+          <a:effectRef idx="0">
+            <a:schemeClr val="accent1"/>
+          </a:effectRef>
+          <a:fontRef idx="minor">
+            <a:schemeClr val="lt1"/>
+          </a:fontRef>
+        </p:style>
+        <p:txBody>
+          <a:bodyPr rtlCol="0" anchor="ctr"/>
+          <a:lstStyle/>
+          <a:p>
+            <a:pPr algn="ctr"/>
+            <a:endParaRPr lang="en-US"/>
+          </a:p>
+        </p:txBody>
+      </p:sp>
+      <p:pic>
+        <p:nvPicPr>
+          <p:cNvPr id="10" name="Imagen 9" descr="Imagen que contiene texto&#10;&#10;Descripción generada con confianza alta">
+            <a:extLst>
+              <a:ext uri="{FF2B5EF4-FFF2-40B4-BE49-F238E27FC236}">
+                <a16:creationId xmlns:a16="http://schemas.microsoft.com/office/drawing/2014/main" id="{5B8D182A-4265-44B5-B2B7-92817A510E7F}"/>
+              </a:ext>
+            </a:extLst>
+          </p:cNvPr>
+          <p:cNvPicPr>
+            <a:picLocks noChangeAspect="1"/>
+          </p:cNvPicPr>
+          <p:nvPr/>
+        </p:nvPicPr>
+        <p:blipFill>
+          <a:blip r:embed="rId3"/>
+          <a:stretch>
+            <a:fillRect/>
+          </a:stretch>
+        </p:blipFill>
+        <p:spPr>
+          <a:xfrm>
+            <a:off x="795882" y="740560"/>
+            <a:ext cx="2353767" cy="1912176"/>
+          </a:xfrm>
+          <a:prstGeom prst="roundRect">
+            <a:avLst>
+              <a:gd name="adj" fmla="val 5453"/>
+            </a:avLst>
+          </a:prstGeom>
+          <a:ln w="50800" cap="sq" cmpd="dbl">
+            <a:noFill/>
+            <a:miter lim="800000"/>
+          </a:ln>
+          <a:effectLst/>
+        </p:spPr>
+      </p:pic>
+      <p:sp>
+        <p:nvSpPr>
+          <p:cNvPr id="24" name="Rounded Rectangle 14">
+            <a:extLst>
+              <a:ext uri="{FF2B5EF4-FFF2-40B4-BE49-F238E27FC236}">
+                <a16:creationId xmlns:a16="http://schemas.microsoft.com/office/drawing/2014/main" id="{A7E87583-4B10-4BB4-96D0-CA6B06C2123A}"/>
+              </a:ext>
+              <a:ext uri="{C183D7F6-B498-43B3-948B-1728B52AA6E4}">
+                <adec:decorative xmlns:adec="http://schemas.microsoft.com/office/drawing/2017/decorative" val="1"/>
+              </a:ext>
+            </a:extLst>
+          </p:cNvPr>
+          <p:cNvSpPr>
+            <a:spLocks noGrp="1" noRot="1" noChangeAspect="1" noMove="1" noResize="1" noEditPoints="1" noAdjustHandles="1" noChangeArrowheads="1" noChangeShapeType="1" noTextEdit="1"/>
+          </p:cNvSpPr>
+          <p:nvPr>
+            <p:extLst>
+              <p:ext uri="{386F3935-93C4-4BCD-93E2-E3B085C9AB24}">
+                <p16:designElem xmlns:p16="http://schemas.microsoft.com/office/powerpoint/2015/main" val="1"/>
+              </p:ext>
+            </p:extLst>
+          </p:nvPr>
+        </p:nvSpPr>
+        <p:spPr>
+          <a:xfrm>
+            <a:off x="3469909" y="626261"/>
+            <a:ext cx="2627580" cy="2138591"/>
+          </a:xfrm>
+          <a:prstGeom prst="roundRect">
+            <a:avLst>
+              <a:gd name="adj" fmla="val 7505"/>
+            </a:avLst>
+          </a:prstGeom>
+          <a:solidFill>
+            <a:schemeClr val="tx1"/>
+          </a:solidFill>
+          <a:ln w="50800" cap="sq" cmpd="dbl">
+            <a:gradFill flip="none" rotWithShape="1">
+              <a:gsLst>
+                <a:gs pos="0">
+                  <a:srgbClr val="FFFFFF"/>
+                </a:gs>
+                <a:gs pos="100000">
+                  <a:schemeClr val="tx1">
+                    <a:alpha val="0"/>
+                  </a:schemeClr>
+                </a:gs>
+              </a:gsLst>
+              <a:path path="circle">
+                <a:fillToRect l="50000" t="50000" r="50000" b="50000"/>
+              </a:path>
+              <a:tileRect/>
+            </a:gradFill>
+            <a:miter lim="800000"/>
+          </a:ln>
+          <a:effectLst>
+            <a:outerShdw blurRad="254000" algn="tl" rotWithShape="0">
+              <a:srgbClr val="000000">
+                <a:alpha val="43000"/>
+              </a:srgbClr>
+            </a:outerShdw>
+          </a:effectLst>
+        </p:spPr>
+        <p:style>
+          <a:lnRef idx="2">
+            <a:schemeClr val="accent1">
+              <a:shade val="50000"/>
+            </a:schemeClr>
+          </a:lnRef>
+          <a:fillRef idx="1">
+            <a:schemeClr val="accent1"/>
+          </a:fillRef>
+          <a:effectRef idx="0">
+            <a:schemeClr val="accent1"/>
+          </a:effectRef>
+          <a:fontRef idx="minor">
+            <a:schemeClr val="lt1"/>
+          </a:fontRef>
+        </p:style>
+        <p:txBody>
+          <a:bodyPr rtlCol="0" anchor="ctr"/>
+          <a:lstStyle/>
+          <a:p>
+            <a:pPr algn="ctr"/>
+            <a:endParaRPr lang="en-US"/>
+          </a:p>
+        </p:txBody>
+      </p:sp>
+      <p:pic>
+        <p:nvPicPr>
+          <p:cNvPr id="8" name="Imagen 7" descr="Imagen que contiene edificio&#10;&#10;Descripción generada con confianza alta">
+            <a:extLst>
+              <a:ext uri="{FF2B5EF4-FFF2-40B4-BE49-F238E27FC236}">
+                <a16:creationId xmlns:a16="http://schemas.microsoft.com/office/drawing/2014/main" id="{D8FB0EF9-FF9D-4087-8AD6-D2D51BD0EE9B}"/>
+              </a:ext>
+            </a:extLst>
+          </p:cNvPr>
+          <p:cNvPicPr>
+            <a:picLocks noChangeAspect="1"/>
+          </p:cNvPicPr>
+          <p:nvPr/>
+        </p:nvPicPr>
+        <p:blipFill>
+          <a:blip r:embed="rId4"/>
+          <a:stretch>
+            <a:fillRect/>
+          </a:stretch>
+        </p:blipFill>
+        <p:spPr>
+          <a:xfrm>
+            <a:off x="3584209" y="758048"/>
+            <a:ext cx="2398979" cy="1877200"/>
+          </a:xfrm>
+          <a:prstGeom prst="roundRect">
+            <a:avLst>
+              <a:gd name="adj" fmla="val 5453"/>
+            </a:avLst>
+          </a:prstGeom>
+          <a:ln w="50800" cap="sq" cmpd="dbl">
+            <a:noFill/>
+            <a:miter lim="800000"/>
+          </a:ln>
+          <a:effectLst/>
+        </p:spPr>
+      </p:pic>
+      <p:sp>
+        <p:nvSpPr>
+          <p:cNvPr id="25" name="Rounded Rectangle 10">
+            <a:extLst>
+              <a:ext uri="{FF2B5EF4-FFF2-40B4-BE49-F238E27FC236}">
+                <a16:creationId xmlns:a16="http://schemas.microsoft.com/office/drawing/2014/main" id="{23CAE9E4-1BBC-4BB6-B7EC-3AB0809BC0D9}"/>
+              </a:ext>
+              <a:ext uri="{C183D7F6-B498-43B3-948B-1728B52AA6E4}">
+                <adec:decorative xmlns:adec="http://schemas.microsoft.com/office/drawing/2017/decorative" val="1"/>
+              </a:ext>
+            </a:extLst>
+          </p:cNvPr>
+          <p:cNvSpPr>
+            <a:spLocks noGrp="1" noRot="1" noChangeAspect="1" noMove="1" noResize="1" noEditPoints="1" noAdjustHandles="1" noChangeArrowheads="1" noChangeShapeType="1" noTextEdit="1"/>
+          </p:cNvSpPr>
+          <p:nvPr>
+            <p:extLst>
+              <p:ext uri="{386F3935-93C4-4BCD-93E2-E3B085C9AB24}">
+                <p16:designElem xmlns:p16="http://schemas.microsoft.com/office/powerpoint/2015/main" val="1"/>
+              </p:ext>
+            </p:extLst>
+          </p:nvPr>
+        </p:nvSpPr>
+        <p:spPr>
+          <a:xfrm>
+            <a:off x="658975" y="2942652"/>
+            <a:ext cx="5433751" cy="3284719"/>
+          </a:xfrm>
+          <a:prstGeom prst="roundRect">
+            <a:avLst>
+              <a:gd name="adj" fmla="val 7505"/>
+            </a:avLst>
+          </a:prstGeom>
+          <a:solidFill>
+            <a:schemeClr val="tx1"/>
+          </a:solidFill>
+          <a:ln w="50800" cap="sq" cmpd="dbl">
+            <a:gradFill flip="none" rotWithShape="1">
+              <a:gsLst>
+                <a:gs pos="0">
+                  <a:srgbClr val="FFFFFF"/>
+                </a:gs>
+                <a:gs pos="100000">
+                  <a:schemeClr val="tx1">
+                    <a:alpha val="0"/>
+                  </a:schemeClr>
+                </a:gs>
+              </a:gsLst>
+              <a:path path="circle">
+                <a:fillToRect l="50000" t="50000" r="50000" b="50000"/>
+              </a:path>
+              <a:tileRect/>
+            </a:gradFill>
+            <a:miter lim="800000"/>
+          </a:ln>
+          <a:effectLst>
+            <a:outerShdw blurRad="254000" algn="tl" rotWithShape="0">
+              <a:srgbClr val="000000">
+                <a:alpha val="43000"/>
+              </a:srgbClr>
+            </a:outerShdw>
+          </a:effectLst>
+        </p:spPr>
+        <p:style>
+          <a:lnRef idx="2">
+            <a:schemeClr val="accent1">
+              <a:shade val="50000"/>
+            </a:schemeClr>
+          </a:lnRef>
+          <a:fillRef idx="1">
+            <a:schemeClr val="accent1"/>
+          </a:fillRef>
+          <a:effectRef idx="0">
+            <a:schemeClr val="accent1"/>
+          </a:effectRef>
+          <a:fontRef idx="minor">
+            <a:schemeClr val="lt1"/>
+          </a:fontRef>
+        </p:style>
+        <p:txBody>
+          <a:bodyPr rtlCol="0" anchor="ctr"/>
+          <a:lstStyle/>
+          <a:p>
+            <a:pPr algn="ctr"/>
+            <a:endParaRPr lang="en-US"/>
+          </a:p>
+        </p:txBody>
+      </p:sp>
+      <p:pic>
+        <p:nvPicPr>
+          <p:cNvPr id="26" name="Marcador de contenido 5">
+            <a:extLst>
+              <a:ext uri="{FF2B5EF4-FFF2-40B4-BE49-F238E27FC236}">
+                <a16:creationId xmlns:a16="http://schemas.microsoft.com/office/drawing/2014/main" id="{5BE4C5DE-B4A1-436B-ADA2-735D3FD7B2E2}"/>
+              </a:ext>
+            </a:extLst>
+          </p:cNvPr>
+          <p:cNvPicPr>
+            <a:picLocks noChangeAspect="1"/>
+          </p:cNvPicPr>
+          <p:nvPr/>
+        </p:nvPicPr>
+        <p:blipFill>
+          <a:blip r:embed="rId5"/>
+          <a:stretch>
+            <a:fillRect/>
+          </a:stretch>
+        </p:blipFill>
+        <p:spPr>
+          <a:xfrm>
+            <a:off x="773276" y="3447468"/>
+            <a:ext cx="5204358" cy="2260478"/>
+          </a:xfrm>
+          <a:prstGeom prst="roundRect">
+            <a:avLst>
+              <a:gd name="adj" fmla="val 5453"/>
+            </a:avLst>
+          </a:prstGeom>
+          <a:ln w="50800" cap="sq" cmpd="dbl">
+            <a:noFill/>
+            <a:miter lim="800000"/>
+          </a:ln>
+          <a:effectLst/>
+        </p:spPr>
+      </p:pic>
+      <p:pic>
+        <p:nvPicPr>
+          <p:cNvPr id="12" name="Marcador de contenido 11" descr="Imagen que contiene objeto&#10;&#10;Descripción generada con confianza alta">
+            <a:extLst>
+              <a:ext uri="{FF2B5EF4-FFF2-40B4-BE49-F238E27FC236}">
+                <a16:creationId xmlns:a16="http://schemas.microsoft.com/office/drawing/2014/main" id="{7B97A1D3-814E-497F-B623-5D903648F03A}"/>
+              </a:ext>
+            </a:extLst>
+          </p:cNvPr>
+          <p:cNvPicPr>
+            <a:picLocks noGrp="1" noChangeAspect="1"/>
+          </p:cNvPicPr>
+          <p:nvPr>
+            <p:ph idx="1"/>
+          </p:nvPr>
+        </p:nvPicPr>
+        <p:blipFill>
+          <a:blip r:embed="rId6"/>
+          <a:stretch>
+            <a:fillRect/>
+          </a:stretch>
+        </p:blipFill>
+        <p:spPr>
+          <a:xfrm>
+            <a:off x="6207027" y="3264915"/>
+            <a:ext cx="5772226" cy="721298"/>
+          </a:xfrm>
+        </p:spPr>
+      </p:pic>
+      <p:sp>
+        <p:nvSpPr>
+          <p:cNvPr id="4" name="Marcador de número de diapositiva 3">
+            <a:extLst>
+              <a:ext uri="{FF2B5EF4-FFF2-40B4-BE49-F238E27FC236}">
+                <a16:creationId xmlns:a16="http://schemas.microsoft.com/office/drawing/2014/main" id="{0BFA0583-140E-4600-A54D-0732F9583846}"/>
+              </a:ext>
+            </a:extLst>
+          </p:cNvPr>
+          <p:cNvSpPr>
+            <a:spLocks noGrp="1"/>
+          </p:cNvSpPr>
+          <p:nvPr>
+            <p:ph type="sldNum" sz="quarter" idx="12"/>
+          </p:nvPr>
+        </p:nvSpPr>
+        <p:spPr>
+          <a:xfrm>
+            <a:off x="10266060" y="5870575"/>
+            <a:ext cx="551167" cy="377825"/>
+          </a:xfrm>
+        </p:spPr>
+        <p:txBody>
+          <a:bodyPr>
+            <a:noAutofit/>
+          </a:bodyPr>
+          <a:lstStyle/>
+          <a:p>
+            <a:pPr>
+              <a:spcAft>
+                <a:spcPts val="600"/>
+              </a:spcAft>
+            </a:pPr>
+            <a:fld id="{D57F1E4F-1CFF-5643-939E-217C01CDF565}" type="slidenum">
+              <a:rPr lang="en-US" sz="2800" smtClean="0"/>
+              <a:pPr>
+                <a:spcAft>
+                  <a:spcPts val="600"/>
+                </a:spcAft>
+              </a:pPr>
+              <a:t>14</a:t>
+            </a:fld>
+            <a:endParaRPr lang="en-US" sz="2800" dirty="0"/>
+          </a:p>
+        </p:txBody>
+      </p:sp>
+      <p:sp>
+        <p:nvSpPr>
+          <p:cNvPr id="14" name="CuadroTexto 13">
+            <a:extLst>
+              <a:ext uri="{FF2B5EF4-FFF2-40B4-BE49-F238E27FC236}">
+                <a16:creationId xmlns:a16="http://schemas.microsoft.com/office/drawing/2014/main" id="{FE50F52D-8800-4DA8-B350-F4240DC5E8B8}"/>
+              </a:ext>
+            </a:extLst>
+          </p:cNvPr>
+          <p:cNvSpPr txBox="1"/>
+          <p:nvPr/>
+        </p:nvSpPr>
+        <p:spPr>
+          <a:xfrm>
+            <a:off x="7394222" y="3986213"/>
+            <a:ext cx="3860800" cy="769441"/>
+          </a:xfrm>
+          <a:prstGeom prst="rect">
+            <a:avLst/>
+          </a:prstGeom>
+          <a:noFill/>
+        </p:spPr>
+        <p:txBody>
+          <a:bodyPr wrap="square" rtlCol="0">
+            <a:spAutoFit/>
+          </a:bodyPr>
+          <a:lstStyle/>
+          <a:p>
+            <a:r>
+              <a:rPr lang="es-MX" sz="4400" dirty="0"/>
+              <a:t>Posibles iones</a:t>
+            </a:r>
+          </a:p>
+        </p:txBody>
+      </p:sp>
+    </p:spTree>
+    <p:extLst>
+      <p:ext uri="{BB962C8B-B14F-4D97-AF65-F5344CB8AC3E}">
+        <p14:creationId xmlns:p14="http://schemas.microsoft.com/office/powerpoint/2010/main" val="53098648"/>
+      </p:ext>
+    </p:extLst>
+  </p:cSld>
+  <p:clrMapOvr>
+    <a:masterClrMapping/>
+  </p:clrMapOvr>
+</p:sld>
+</file>
+
+<file path=ppt/slides/slide15.xml><?xml version="1.0" encoding="utf-8"?>
+<p:sld xmlns:a="http://schemas.openxmlformats.org/drawingml/2006/main" xmlns:r="http://schemas.openxmlformats.org/officeDocument/2006/relationships" xmlns:p="http://schemas.openxmlformats.org/presentationml/2006/main">
+  <p:cSld>
+    <p:bg>
+      <p:bgPr>
+        <a:blipFill>
+          <a:blip r:embed="rId2">
+            <a:extLst/>
+          </a:blip>
+          <a:stretch/>
+        </a:blipFill>
+        <a:effectLst/>
+      </p:bgPr>
+    </p:bg>
+    <p:spTree>
+      <p:nvGrpSpPr>
+        <p:cNvPr id="1" name=""/>
+        <p:cNvGrpSpPr/>
+        <p:nvPr/>
+      </p:nvGrpSpPr>
+      <p:grpSpPr>
+        <a:xfrm>
+          <a:off x="0" y="0"/>
+          <a:ext cx="0" cy="0"/>
+          <a:chOff x="0" y="0"/>
+          <a:chExt cx="0" cy="0"/>
+        </a:xfrm>
+      </p:grpSpPr>
+      <p:sp>
+        <p:nvSpPr>
+          <p:cNvPr id="2" name="Título 1">
+            <a:extLst>
+              <a:ext uri="{FF2B5EF4-FFF2-40B4-BE49-F238E27FC236}">
+                <a16:creationId xmlns:a16="http://schemas.microsoft.com/office/drawing/2014/main" id="{CE231CC4-C4AD-4C88-98E6-28BCDC73DEB0}"/>
+              </a:ext>
+            </a:extLst>
+          </p:cNvPr>
+          <p:cNvSpPr>
+            <a:spLocks noGrp="1"/>
+          </p:cNvSpPr>
+          <p:nvPr>
+            <p:ph type="title"/>
+          </p:nvPr>
+        </p:nvSpPr>
+        <p:spPr>
+          <a:xfrm>
+            <a:off x="7865806" y="643463"/>
+            <a:ext cx="3706762" cy="1608124"/>
+          </a:xfrm>
+        </p:spPr>
+        <p:txBody>
+          <a:bodyPr>
+            <a:normAutofit/>
+          </a:bodyPr>
+          <a:lstStyle/>
+          <a:p>
+            <a:pPr>
+              <a:lnSpc>
+                <a:spcPct val="90000"/>
+              </a:lnSpc>
+            </a:pPr>
+            <a:r>
+              <a:rPr lang="es-MX" sz="2800"/>
+              <a:t>Segunda detección: espectro de tiempos de vuelo</a:t>
+            </a:r>
+          </a:p>
+        </p:txBody>
+      </p:sp>
+      <p:pic>
+        <p:nvPicPr>
+          <p:cNvPr id="9" name="Marcador de contenido 5">
+            <a:extLst>
+              <a:ext uri="{FF2B5EF4-FFF2-40B4-BE49-F238E27FC236}">
+                <a16:creationId xmlns:a16="http://schemas.microsoft.com/office/drawing/2014/main" id="{F92E689A-A63C-4E55-8616-49E78E6637EB}"/>
+              </a:ext>
+            </a:extLst>
+          </p:cNvPr>
+          <p:cNvPicPr>
+            <a:picLocks noChangeAspect="1"/>
+          </p:cNvPicPr>
+          <p:nvPr/>
+        </p:nvPicPr>
+        <p:blipFill>
+          <a:blip r:embed="rId3"/>
+          <a:stretch>
+            <a:fillRect/>
+          </a:stretch>
+        </p:blipFill>
+        <p:spPr>
+          <a:xfrm>
+            <a:off x="643464" y="872804"/>
+            <a:ext cx="6897878" cy="5121674"/>
+          </a:xfrm>
+          <a:prstGeom prst="roundRect">
+            <a:avLst>
+              <a:gd name="adj" fmla="val 4380"/>
+            </a:avLst>
+          </a:prstGeom>
+          <a:ln w="50800" cap="sq" cmpd="dbl">
+            <a:gradFill flip="none" rotWithShape="1">
+              <a:gsLst>
+                <a:gs pos="0">
+                  <a:srgbClr val="FFFFFF"/>
+                </a:gs>
+                <a:gs pos="100000">
+                  <a:schemeClr val="tx1">
+                    <a:alpha val="0"/>
+                  </a:schemeClr>
+                </a:gs>
+              </a:gsLst>
+              <a:path path="circle">
+                <a:fillToRect l="50000" t="50000" r="50000" b="50000"/>
+              </a:path>
+              <a:tileRect/>
+            </a:gradFill>
+            <a:miter lim="800000"/>
+          </a:ln>
+          <a:effectLst>
+            <a:outerShdw blurRad="254000" algn="tl" rotWithShape="0">
+              <a:srgbClr val="000000">
+                <a:alpha val="43000"/>
+              </a:srgbClr>
+            </a:outerShdw>
+          </a:effectLst>
+        </p:spPr>
+      </p:pic>
+      <mc:AlternateContent xmlns:mc="http://schemas.openxmlformats.org/markup-compatibility/2006">
+        <mc:Choice xmlns:a14="http://schemas.microsoft.com/office/drawing/2010/main" Requires="a14">
+          <p:sp>
+            <p:nvSpPr>
+              <p:cNvPr id="11" name="Content Placeholder 10">
+                <a:extLst>
+                  <a:ext uri="{FF2B5EF4-FFF2-40B4-BE49-F238E27FC236}">
+                    <a16:creationId xmlns:a16="http://schemas.microsoft.com/office/drawing/2014/main" id="{73DDDB92-9154-457C-BEB3-DFEE1DAAF022}"/>
+                  </a:ext>
+                </a:extLst>
+              </p:cNvPr>
+              <p:cNvSpPr>
+                <a:spLocks noGrp="1"/>
+              </p:cNvSpPr>
+              <p:nvPr>
+                <p:ph idx="1"/>
+              </p:nvPr>
+            </p:nvSpPr>
+            <p:spPr>
+              <a:xfrm>
+                <a:off x="7865806" y="2251587"/>
+                <a:ext cx="3706762" cy="3972232"/>
+              </a:xfrm>
+            </p:spPr>
+            <p:txBody>
+              <a:bodyPr>
+                <a:normAutofit/>
+              </a:bodyPr>
+              <a:lstStyle/>
+              <a:p>
+                <a:pPr marL="0" indent="0" algn="ctr">
+                  <a:buNone/>
+                </a:pPr>
+                <a14:m>
+                  <m:oMathPara xmlns:m="http://schemas.openxmlformats.org/officeDocument/2006/math">
+                    <m:oMathParaPr>
+                      <m:jc m:val="centerGroup"/>
+                    </m:oMathParaPr>
+                    <m:oMath xmlns:m="http://schemas.openxmlformats.org/officeDocument/2006/math">
+                      <m:r>
+                        <a:rPr lang="es-MX" sz="2800" i="1">
+                          <a:latin typeface="Cambria Math" panose="02040503050406030204" pitchFamily="18" charset="0"/>
+                        </a:rPr>
+                        <m:t>𝑇</m:t>
+                      </m:r>
+                      <m:r>
+                        <a:rPr lang="es-MX" sz="2800" i="1">
+                          <a:latin typeface="Cambria Math" panose="02040503050406030204" pitchFamily="18" charset="0"/>
+                          <a:ea typeface="Cambria Math" panose="02040503050406030204" pitchFamily="18" charset="0"/>
+                        </a:rPr>
+                        <m:t>∼</m:t>
+                      </m:r>
+                      <m:f>
+                        <m:fPr>
+                          <m:ctrlPr>
+                            <a:rPr lang="es-MX" sz="2800" i="1">
+                              <a:latin typeface="Cambria Math" panose="02040503050406030204" pitchFamily="18" charset="0"/>
+                              <a:ea typeface="Cambria Math" panose="02040503050406030204" pitchFamily="18" charset="0"/>
+                            </a:rPr>
+                          </m:ctrlPr>
+                        </m:fPr>
+                        <m:num>
+                          <m:r>
+                            <a:rPr lang="es-MX" sz="2800" i="1">
+                              <a:latin typeface="Cambria Math" panose="02040503050406030204" pitchFamily="18" charset="0"/>
+                              <a:ea typeface="Cambria Math" panose="02040503050406030204" pitchFamily="18" charset="0"/>
+                            </a:rPr>
+                            <m:t>𝑚</m:t>
+                          </m:r>
+                        </m:num>
+                        <m:den>
+                          <m:r>
+                            <a:rPr lang="es-MX" sz="2800" i="1">
+                              <a:latin typeface="Cambria Math" panose="02040503050406030204" pitchFamily="18" charset="0"/>
+                              <a:ea typeface="Cambria Math" panose="02040503050406030204" pitchFamily="18" charset="0"/>
+                            </a:rPr>
+                            <m:t>𝑞</m:t>
+                          </m:r>
+                        </m:den>
+                      </m:f>
+                    </m:oMath>
+                  </m:oMathPara>
+                </a14:m>
+                <a:endParaRPr lang="es-MX" sz="2800" dirty="0"/>
+              </a:p>
+              <a:p>
+                <a:pPr marL="0" indent="0" algn="ctr">
+                  <a:buNone/>
+                </a:pPr>
+                <a:r>
+                  <a:rPr lang="es-MX" sz="2800" dirty="0"/>
+                  <a:t>Mientras más masivas con las partículas menos aceleración adquieren y se tardan más en llegar al detector</a:t>
+                </a:r>
+              </a:p>
+              <a:p>
+                <a:endParaRPr lang="en-US" dirty="0"/>
+              </a:p>
+            </p:txBody>
+          </p:sp>
+        </mc:Choice>
+        <mc:Fallback>
+          <p:sp>
+            <p:nvSpPr>
+              <p:cNvPr id="11" name="Content Placeholder 10">
+                <a:extLst>
+                  <a:ext uri="{FF2B5EF4-FFF2-40B4-BE49-F238E27FC236}">
+                    <a16:creationId xmlns:a16="http://schemas.microsoft.com/office/drawing/2014/main" id="{73DDDB92-9154-457C-BEB3-DFEE1DAAF022}"/>
+                  </a:ext>
+                </a:extLst>
+              </p:cNvPr>
+              <p:cNvSpPr>
+                <a:spLocks noGrp="1" noRot="1" noChangeAspect="1" noMove="1" noResize="1" noEditPoints="1" noAdjustHandles="1" noChangeArrowheads="1" noChangeShapeType="1" noTextEdit="1"/>
+              </p:cNvSpPr>
+              <p:nvPr>
+                <p:ph idx="1"/>
+              </p:nvPr>
+            </p:nvSpPr>
+            <p:spPr>
+              <a:xfrm>
+                <a:off x="7865806" y="2251587"/>
+                <a:ext cx="3706762" cy="3972232"/>
+              </a:xfrm>
+              <a:blipFill>
+                <a:blip r:embed="rId4"/>
+                <a:stretch>
+                  <a:fillRect r="-1151"/>
+                </a:stretch>
+              </a:blipFill>
+            </p:spPr>
+            <p:txBody>
+              <a:bodyPr/>
+              <a:lstStyle/>
+              <a:p>
+                <a:r>
+                  <a:rPr lang="es-MX">
+                    <a:noFill/>
+                  </a:rPr>
+                  <a:t> </a:t>
+                </a:r>
+              </a:p>
+            </p:txBody>
+          </p:sp>
+        </mc:Fallback>
+      </mc:AlternateContent>
+      <p:sp>
+        <p:nvSpPr>
+          <p:cNvPr id="4" name="Marcador de número de diapositiva 3">
+            <a:extLst>
+              <a:ext uri="{FF2B5EF4-FFF2-40B4-BE49-F238E27FC236}">
+                <a16:creationId xmlns:a16="http://schemas.microsoft.com/office/drawing/2014/main" id="{190B94A2-247A-477B-B343-C0EE947A777A}"/>
+              </a:ext>
+            </a:extLst>
+          </p:cNvPr>
+          <p:cNvSpPr>
+            <a:spLocks noGrp="1"/>
+          </p:cNvSpPr>
+          <p:nvPr>
+            <p:ph type="sldNum" sz="quarter" idx="12"/>
+          </p:nvPr>
+        </p:nvSpPr>
+        <p:spPr>
+          <a:xfrm>
+            <a:off x="10962917" y="6391687"/>
+            <a:ext cx="551167" cy="377825"/>
+          </a:xfrm>
+        </p:spPr>
+        <p:txBody>
+          <a:bodyPr>
+            <a:normAutofit/>
+          </a:bodyPr>
+          <a:lstStyle/>
+          <a:p>
+            <a:pPr>
+              <a:spcAft>
+                <a:spcPts val="600"/>
+              </a:spcAft>
+            </a:pPr>
+            <a:fld id="{D57F1E4F-1CFF-5643-939E-217C01CDF565}" type="slidenum">
+              <a:rPr lang="en-US" smtClean="0"/>
+              <a:pPr>
+                <a:spcAft>
+                  <a:spcPts val="600"/>
+                </a:spcAft>
+              </a:pPr>
+              <a:t>15</a:t>
+            </a:fld>
+            <a:endParaRPr lang="en-US"/>
+          </a:p>
+        </p:txBody>
+      </p:sp>
+    </p:spTree>
+    <p:extLst>
+      <p:ext uri="{BB962C8B-B14F-4D97-AF65-F5344CB8AC3E}">
+        <p14:creationId xmlns:p14="http://schemas.microsoft.com/office/powerpoint/2010/main" val="1577526507"/>
+      </p:ext>
+    </p:extLst>
+  </p:cSld>
+  <p:clrMapOvr>
+    <a:masterClrMapping/>
+  </p:clrMapOvr>
+</p:sld>
+</file>
+
+<file path=ppt/slides/slide16.xml><?xml version="1.0" encoding="utf-8"?>
+<p:sld xmlns:a="http://schemas.openxmlformats.org/drawingml/2006/main" xmlns:r="http://schemas.openxmlformats.org/officeDocument/2006/relationships" xmlns:p="http://schemas.openxmlformats.org/presentationml/2006/main">
+  <p:cSld>
+    <p:spTree>
+      <p:nvGrpSpPr>
+        <p:cNvPr id="1" name=""/>
+        <p:cNvGrpSpPr/>
+        <p:nvPr/>
+      </p:nvGrpSpPr>
+      <p:grpSpPr>
+        <a:xfrm>
+          <a:off x="0" y="0"/>
+          <a:ext cx="0" cy="0"/>
+          <a:chOff x="0" y="0"/>
+          <a:chExt cx="0" cy="0"/>
+        </a:xfrm>
+      </p:grpSpPr>
+      <p:sp>
+        <p:nvSpPr>
+          <p:cNvPr id="2" name="Título 1">
+            <a:extLst>
+              <a:ext uri="{FF2B5EF4-FFF2-40B4-BE49-F238E27FC236}">
+                <a16:creationId xmlns:a16="http://schemas.microsoft.com/office/drawing/2014/main" id="{AAFA33D3-87B0-4B1E-AB17-CA846D6A54B8}"/>
+              </a:ext>
+            </a:extLst>
+          </p:cNvPr>
+          <p:cNvSpPr>
+            <a:spLocks noGrp="1"/>
+          </p:cNvSpPr>
+          <p:nvPr>
+            <p:ph type="title"/>
+          </p:nvPr>
+        </p:nvSpPr>
+        <p:spPr>
+          <a:xfrm>
+            <a:off x="4026008" y="2700866"/>
+            <a:ext cx="4139984" cy="1456267"/>
+          </a:xfrm>
+        </p:spPr>
+        <p:txBody>
+          <a:bodyPr>
+            <a:normAutofit/>
+          </a:bodyPr>
+          <a:lstStyle/>
+          <a:p>
+            <a:pPr algn="ctr"/>
+            <a:r>
+              <a:rPr lang="es-MX" sz="4800" dirty="0"/>
+              <a:t>Resultados</a:t>
+            </a:r>
+          </a:p>
+        </p:txBody>
+      </p:sp>
+      <p:sp>
+        <p:nvSpPr>
+          <p:cNvPr id="4" name="Marcador de número de diapositiva 3">
+            <a:extLst>
+              <a:ext uri="{FF2B5EF4-FFF2-40B4-BE49-F238E27FC236}">
+                <a16:creationId xmlns:a16="http://schemas.microsoft.com/office/drawing/2014/main" id="{DFE9852B-8854-4CF1-ACC2-B133FB4DDB54}"/>
+              </a:ext>
+            </a:extLst>
+          </p:cNvPr>
+          <p:cNvSpPr>
+            <a:spLocks noGrp="1"/>
+          </p:cNvSpPr>
+          <p:nvPr>
+            <p:ph type="sldNum" sz="quarter" idx="12"/>
+          </p:nvPr>
+        </p:nvSpPr>
+        <p:spPr/>
+        <p:txBody>
+          <a:bodyPr/>
+          <a:lstStyle/>
+          <a:p>
+            <a:fld id="{D57F1E4F-1CFF-5643-939E-217C01CDF565}" type="slidenum">
+              <a:rPr lang="en-US" sz="2800" smtClean="0"/>
+              <a:pPr/>
+              <a:t>16</a:t>
+            </a:fld>
+            <a:endParaRPr lang="en-US" sz="2800" dirty="0"/>
+          </a:p>
+        </p:txBody>
+      </p:sp>
+    </p:spTree>
+    <p:extLst>
+      <p:ext uri="{BB962C8B-B14F-4D97-AF65-F5344CB8AC3E}">
+        <p14:creationId xmlns:p14="http://schemas.microsoft.com/office/powerpoint/2010/main" val="3479678497"/>
+      </p:ext>
+    </p:extLst>
+  </p:cSld>
+  <p:clrMapOvr>
+    <a:masterClrMapping/>
+  </p:clrMapOvr>
+</p:sld>
+</file>
+
+<file path=ppt/slides/slide17.xml><?xml version="1.0" encoding="utf-8"?>
+<p:sld xmlns:a="http://schemas.openxmlformats.org/drawingml/2006/main" xmlns:r="http://schemas.openxmlformats.org/officeDocument/2006/relationships" xmlns:p="http://schemas.openxmlformats.org/presentationml/2006/main">
+  <p:cSld>
+    <p:spTree>
+      <p:nvGrpSpPr>
+        <p:cNvPr id="1" name=""/>
+        <p:cNvGrpSpPr/>
+        <p:nvPr/>
+      </p:nvGrpSpPr>
+      <p:grpSpPr>
+        <a:xfrm>
+          <a:off x="0" y="0"/>
+          <a:ext cx="0" cy="0"/>
+          <a:chOff x="0" y="0"/>
+          <a:chExt cx="0" cy="0"/>
+        </a:xfrm>
+      </p:grpSpPr>
+      <p:sp>
+        <p:nvSpPr>
+          <p:cNvPr id="2" name="Título 1">
+            <a:extLst>
+              <a:ext uri="{FF2B5EF4-FFF2-40B4-BE49-F238E27FC236}">
+                <a16:creationId xmlns:a16="http://schemas.microsoft.com/office/drawing/2014/main" id="{EFFA19D8-FD1E-4010-AE3D-F5C3EE6703CC}"/>
+              </a:ext>
+            </a:extLst>
+          </p:cNvPr>
+          <p:cNvSpPr>
+            <a:spLocks noGrp="1"/>
+          </p:cNvSpPr>
+          <p:nvPr>
+            <p:ph type="title"/>
+          </p:nvPr>
+        </p:nvSpPr>
+        <p:spPr>
+          <a:xfrm>
+            <a:off x="685802" y="0"/>
+            <a:ext cx="10131425" cy="1456267"/>
+          </a:xfrm>
+        </p:spPr>
+        <p:txBody>
+          <a:bodyPr/>
+          <a:lstStyle/>
+          <a:p>
+            <a:pPr algn="ctr"/>
+            <a:r>
+              <a:rPr lang="es-MX" dirty="0"/>
+              <a:t>Espectrometría de masas</a:t>
+            </a:r>
+          </a:p>
+        </p:txBody>
+      </p:sp>
+      <p:pic>
+        <p:nvPicPr>
+          <p:cNvPr id="6" name="Marcador de contenido 5" descr="Imagen que contiene mapa, texto&#10;&#10;Descripción generada con confianza alta">
+            <a:extLst>
+              <a:ext uri="{FF2B5EF4-FFF2-40B4-BE49-F238E27FC236}">
+                <a16:creationId xmlns:a16="http://schemas.microsoft.com/office/drawing/2014/main" id="{5C986CA9-19EC-4593-8B2F-CD116B982E24}"/>
+              </a:ext>
+            </a:extLst>
+          </p:cNvPr>
+          <p:cNvPicPr>
+            <a:picLocks noGrp="1" noChangeAspect="1"/>
+          </p:cNvPicPr>
+          <p:nvPr>
+            <p:ph idx="1"/>
+          </p:nvPr>
+        </p:nvPicPr>
+        <p:blipFill>
+          <a:blip r:embed="rId2"/>
+          <a:stretch>
+            <a:fillRect/>
+          </a:stretch>
+        </p:blipFill>
+        <p:spPr>
+          <a:xfrm>
+            <a:off x="341167" y="1141842"/>
+            <a:ext cx="7492245" cy="5106558"/>
+          </a:xfrm>
+        </p:spPr>
+      </p:pic>
+      <p:sp>
+        <p:nvSpPr>
+          <p:cNvPr id="4" name="Marcador de número de diapositiva 3">
+            <a:extLst>
+              <a:ext uri="{FF2B5EF4-FFF2-40B4-BE49-F238E27FC236}">
+                <a16:creationId xmlns:a16="http://schemas.microsoft.com/office/drawing/2014/main" id="{5A4D445C-5B36-432D-90CE-BB30980D92AD}"/>
+              </a:ext>
+            </a:extLst>
+          </p:cNvPr>
+          <p:cNvSpPr>
+            <a:spLocks noGrp="1"/>
+          </p:cNvSpPr>
+          <p:nvPr>
+            <p:ph type="sldNum" sz="quarter" idx="12"/>
+          </p:nvPr>
+        </p:nvSpPr>
+        <p:spPr/>
+        <p:txBody>
+          <a:bodyPr/>
+          <a:lstStyle/>
+          <a:p>
+            <a:fld id="{D57F1E4F-1CFF-5643-939E-217C01CDF565}" type="slidenum">
+              <a:rPr lang="en-US" smtClean="0"/>
+              <a:pPr/>
+              <a:t>17</a:t>
+            </a:fld>
+            <a:endParaRPr lang="en-US" dirty="0"/>
+          </a:p>
+        </p:txBody>
+      </p:sp>
+      <p:pic>
+        <p:nvPicPr>
+          <p:cNvPr id="8" name="Imagen 7" descr="Imagen que contiene texto&#10;&#10;Descripción generada con confianza alta">
+            <a:extLst>
+              <a:ext uri="{FF2B5EF4-FFF2-40B4-BE49-F238E27FC236}">
+                <a16:creationId xmlns:a16="http://schemas.microsoft.com/office/drawing/2014/main" id="{3AE074A3-4C5E-4EC4-A719-87D1DFC4EB12}"/>
+              </a:ext>
+            </a:extLst>
+          </p:cNvPr>
+          <p:cNvPicPr>
+            <a:picLocks noChangeAspect="1"/>
+          </p:cNvPicPr>
+          <p:nvPr/>
+        </p:nvPicPr>
+        <p:blipFill>
+          <a:blip r:embed="rId3"/>
+          <a:stretch>
+            <a:fillRect/>
+          </a:stretch>
+        </p:blipFill>
+        <p:spPr>
+          <a:xfrm>
+            <a:off x="8641089" y="1141842"/>
+            <a:ext cx="2865108" cy="2548231"/>
+          </a:xfrm>
+          <a:prstGeom prst="rect">
+            <a:avLst/>
+          </a:prstGeom>
+        </p:spPr>
+      </p:pic>
+      <p:pic>
+        <p:nvPicPr>
+          <p:cNvPr id="10" name="Imagen 9">
+            <a:extLst>
+              <a:ext uri="{FF2B5EF4-FFF2-40B4-BE49-F238E27FC236}">
+                <a16:creationId xmlns:a16="http://schemas.microsoft.com/office/drawing/2014/main" id="{9BC1D612-EAE8-4027-9DB9-E72E8A031DC1}"/>
+              </a:ext>
+            </a:extLst>
+          </p:cNvPr>
+          <p:cNvPicPr>
+            <a:picLocks noChangeAspect="1"/>
+          </p:cNvPicPr>
+          <p:nvPr/>
+        </p:nvPicPr>
+        <p:blipFill>
+          <a:blip r:embed="rId4"/>
+          <a:stretch>
+            <a:fillRect/>
+          </a:stretch>
+        </p:blipFill>
+        <p:spPr>
+          <a:xfrm>
+            <a:off x="8379613" y="4286250"/>
+            <a:ext cx="3388061" cy="1962150"/>
+          </a:xfrm>
+          <a:prstGeom prst="rect">
+            <a:avLst/>
+          </a:prstGeom>
+        </p:spPr>
+      </p:pic>
+    </p:spTree>
+    <p:extLst>
+      <p:ext uri="{BB962C8B-B14F-4D97-AF65-F5344CB8AC3E}">
+        <p14:creationId xmlns:p14="http://schemas.microsoft.com/office/powerpoint/2010/main" val="3537464302"/>
+      </p:ext>
+    </p:extLst>
+  </p:cSld>
+  <p:clrMapOvr>
+    <a:masterClrMapping/>
+  </p:clrMapOvr>
+</p:sld>
+</file>
+
+<file path=ppt/slides/slide18.xml><?xml version="1.0" encoding="utf-8"?>
+<p:sld xmlns:a="http://schemas.openxmlformats.org/drawingml/2006/main" xmlns:r="http://schemas.openxmlformats.org/officeDocument/2006/relationships" xmlns:p="http://schemas.openxmlformats.org/presentationml/2006/main">
+  <p:cSld>
+    <p:bg>
+      <p:bgPr>
+        <a:gradFill rotWithShape="1">
+          <a:gsLst>
+            <a:gs pos="0">
+              <a:schemeClr val="bg1">
+                <a:tint val="90000"/>
+                <a:shade val="96000"/>
+                <a:hueMod val="100000"/>
+                <a:satMod val="180000"/>
+                <a:lumMod val="110000"/>
+              </a:schemeClr>
+            </a:gs>
+            <a:gs pos="100000">
+              <a:schemeClr val="bg1">
+                <a:shade val="96000"/>
+                <a:satMod val="160000"/>
+                <a:lumMod val="100000"/>
+              </a:schemeClr>
+            </a:gs>
+          </a:gsLst>
+          <a:lin ang="4740000" scaled="1"/>
+        </a:gradFill>
+        <a:effectLst/>
+      </p:bgPr>
+    </p:bg>
+    <p:spTree>
+      <p:nvGrpSpPr>
+        <p:cNvPr id="1" name=""/>
+        <p:cNvGrpSpPr/>
+        <p:nvPr/>
+      </p:nvGrpSpPr>
+      <p:grpSpPr>
+        <a:xfrm>
+          <a:off x="0" y="0"/>
+          <a:ext cx="0" cy="0"/>
+          <a:chOff x="0" y="0"/>
+          <a:chExt cx="0" cy="0"/>
+        </a:xfrm>
+      </p:grpSpPr>
+      <p:pic>
+        <p:nvPicPr>
+          <p:cNvPr id="31" name="Picture 22">
+            <a:extLst>
+              <a:ext uri="{FF2B5EF4-FFF2-40B4-BE49-F238E27FC236}">
+                <a16:creationId xmlns:a16="http://schemas.microsoft.com/office/drawing/2014/main" id="{5C819037-A607-4A7B-ADF1-B04516199C89}"/>
+              </a:ext>
+              <a:ext uri="{C183D7F6-B498-43B3-948B-1728B52AA6E4}">
+                <adec:decorative xmlns:adec="http://schemas.microsoft.com/office/drawing/2017/decorative" val="1"/>
+              </a:ext>
+            </a:extLst>
+          </p:cNvPr>
+          <p:cNvPicPr>
+            <a:picLocks noGrp="1" noRot="1" noChangeAspect="1" noMove="1" noResize="1" noEditPoints="1" noAdjustHandles="1" noChangeArrowheads="1" noChangeShapeType="1" noCrop="1"/>
+          </p:cNvPicPr>
+          <p:nvPr>
+            <p:extLst>
+              <p:ext uri="{386F3935-93C4-4BCD-93E2-E3B085C9AB24}">
+                <p16:designElem xmlns:p16="http://schemas.microsoft.com/office/powerpoint/2015/main" val="1"/>
+              </p:ext>
+            </p:extLst>
+          </p:nvPr>
+        </p:nvPicPr>
+        <p:blipFill>
+          <a:blip r:embed="rId2">
+            <a:extLst>
+              <a:ext uri="{28A0092B-C50C-407E-A947-70E740481C1C}">
+                <a14:useLocalDpi xmlns:a14="http://schemas.microsoft.com/office/drawing/2010/main" val="0"/>
+              </a:ext>
+            </a:extLst>
+          </a:blip>
+          <a:stretch>
+            <a:fillRect/>
+          </a:stretch>
+        </p:blipFill>
+        <p:spPr>
+          <a:xfrm>
+            <a:off x="0" y="0"/>
+            <a:ext cx="12188825" cy="6856214"/>
+          </a:xfrm>
+          <a:prstGeom prst="rect">
+            <a:avLst/>
+          </a:prstGeom>
+        </p:spPr>
+      </p:pic>
+      <p:sp useBgFill="1">
+        <p:nvSpPr>
+          <p:cNvPr id="32" name="Rectangle 24">
+            <a:extLst>
+              <a:ext uri="{FF2B5EF4-FFF2-40B4-BE49-F238E27FC236}">
+                <a16:creationId xmlns:a16="http://schemas.microsoft.com/office/drawing/2014/main" id="{E0E174D7-A74C-4845-B4E2-D161F9C68F73}"/>
+              </a:ext>
+              <a:ext uri="{C183D7F6-B498-43B3-948B-1728B52AA6E4}">
+                <adec:decorative xmlns:adec="http://schemas.microsoft.com/office/drawing/2017/decorative" val="1"/>
+              </a:ext>
+            </a:extLst>
+          </p:cNvPr>
+          <p:cNvSpPr>
+            <a:spLocks noGrp="1" noRot="1" noChangeAspect="1" noMove="1" noResize="1" noEditPoints="1" noAdjustHandles="1" noChangeArrowheads="1" noChangeShapeType="1" noTextEdit="1"/>
+          </p:cNvSpPr>
+          <p:nvPr>
+            <p:extLst>
+              <p:ext uri="{386F3935-93C4-4BCD-93E2-E3B085C9AB24}">
+                <p16:designElem xmlns:p16="http://schemas.microsoft.com/office/powerpoint/2015/main" val="1"/>
+              </p:ext>
+            </p:extLst>
+          </p:nvPr>
+        </p:nvSpPr>
+        <p:spPr>
+          <a:xfrm>
+            <a:off x="0" y="0"/>
+            <a:ext cx="12192000" cy="6858000"/>
+          </a:xfrm>
+          <a:prstGeom prst="rect">
+            <a:avLst/>
+          </a:prstGeom>
+          <a:ln>
+            <a:noFill/>
+          </a:ln>
+        </p:spPr>
+        <p:style>
+          <a:lnRef idx="2">
+            <a:schemeClr val="accent1">
+              <a:shade val="50000"/>
+            </a:schemeClr>
+          </a:lnRef>
+          <a:fillRef idx="1">
+            <a:schemeClr val="accent1"/>
+          </a:fillRef>
+          <a:effectRef idx="0">
+            <a:schemeClr val="accent1"/>
+          </a:effectRef>
+          <a:fontRef idx="minor">
+            <a:schemeClr val="lt1"/>
+          </a:fontRef>
+        </p:style>
+        <p:txBody>
+          <a:bodyPr rtlCol="0" anchor="ctr"/>
+          <a:lstStyle/>
+          <a:p>
+            <a:pPr algn="ctr"/>
+            <a:endParaRPr lang="en-US"/>
+          </a:p>
+        </p:txBody>
+      </p:sp>
+      <p:sp>
+        <p:nvSpPr>
+          <p:cNvPr id="33" name="Rectangle 26">
+            <a:extLst>
+              <a:ext uri="{FF2B5EF4-FFF2-40B4-BE49-F238E27FC236}">
+                <a16:creationId xmlns:a16="http://schemas.microsoft.com/office/drawing/2014/main" id="{512F2985-810C-4ABC-9993-5D7821EE76B6}"/>
+              </a:ext>
+              <a:ext uri="{C183D7F6-B498-43B3-948B-1728B52AA6E4}">
+                <adec:decorative xmlns:adec="http://schemas.microsoft.com/office/drawing/2017/decorative" val="1"/>
+              </a:ext>
+            </a:extLst>
+          </p:cNvPr>
+          <p:cNvSpPr>
+            <a:spLocks noGrp="1" noRot="1" noChangeAspect="1" noMove="1" noResize="1" noEditPoints="1" noAdjustHandles="1" noChangeArrowheads="1" noChangeShapeType="1" noTextEdit="1"/>
+          </p:cNvSpPr>
+          <p:nvPr>
+            <p:extLst>
+              <p:ext uri="{386F3935-93C4-4BCD-93E2-E3B085C9AB24}">
+                <p16:designElem xmlns:p16="http://schemas.microsoft.com/office/powerpoint/2015/main" val="1"/>
+              </p:ext>
+            </p:extLst>
+          </p:nvPr>
+        </p:nvSpPr>
+        <p:spPr>
+          <a:xfrm>
+            <a:off x="477012" y="480060"/>
+            <a:ext cx="11237976" cy="5897880"/>
+          </a:xfrm>
+          <a:prstGeom prst="rect">
+            <a:avLst/>
+          </a:prstGeom>
+          <a:solidFill>
+            <a:schemeClr val="tx1"/>
+          </a:solidFill>
+          <a:ln>
+            <a:solidFill>
+              <a:srgbClr val="FFFFFF"/>
+            </a:solidFill>
+          </a:ln>
+        </p:spPr>
+        <p:style>
+          <a:lnRef idx="2">
+            <a:schemeClr val="accent1">
+              <a:shade val="50000"/>
+            </a:schemeClr>
+          </a:lnRef>
+          <a:fillRef idx="1">
+            <a:schemeClr val="accent1"/>
+          </a:fillRef>
+          <a:effectRef idx="0">
+            <a:schemeClr val="accent1"/>
+          </a:effectRef>
+          <a:fontRef idx="minor">
+            <a:schemeClr val="lt1"/>
+          </a:fontRef>
+        </p:style>
+        <p:txBody>
+          <a:bodyPr rtlCol="0" anchor="ctr"/>
+          <a:lstStyle/>
+          <a:p>
+            <a:pPr algn="ctr"/>
+            <a:endParaRPr lang="en-US"/>
+          </a:p>
+        </p:txBody>
+      </p:sp>
+      <p:pic>
+        <p:nvPicPr>
+          <p:cNvPr id="11" name="Marcador de contenido 5" descr="Imagen que contiene mapa, texto, interior&#10;&#10;Descripción generada con confianza muy alta">
+            <a:extLst>
+              <a:ext uri="{FF2B5EF4-FFF2-40B4-BE49-F238E27FC236}">
+                <a16:creationId xmlns:a16="http://schemas.microsoft.com/office/drawing/2014/main" id="{5686481C-F8F3-4E59-930E-B13942DA9C91}"/>
+              </a:ext>
+            </a:extLst>
+          </p:cNvPr>
+          <p:cNvPicPr>
+            <a:picLocks noChangeAspect="1"/>
+          </p:cNvPicPr>
+          <p:nvPr/>
+        </p:nvPicPr>
+        <p:blipFill>
+          <a:blip r:embed="rId3"/>
+          <a:stretch>
+            <a:fillRect/>
+          </a:stretch>
+        </p:blipFill>
+        <p:spPr>
+          <a:xfrm>
+            <a:off x="959612" y="1814218"/>
+            <a:ext cx="4820243" cy="3229562"/>
+          </a:xfrm>
+          <a:prstGeom prst="rect">
+            <a:avLst/>
+          </a:prstGeom>
+        </p:spPr>
+      </p:pic>
+      <p:pic>
+        <p:nvPicPr>
+          <p:cNvPr id="8" name="Imagen 7" descr="Imagen que contiene texto, mesa, cielo, mapa&#10;&#10;Descripción generada con confianza muy alta">
+            <a:extLst>
+              <a:ext uri="{FF2B5EF4-FFF2-40B4-BE49-F238E27FC236}">
+                <a16:creationId xmlns:a16="http://schemas.microsoft.com/office/drawing/2014/main" id="{F54DB3DA-5E51-4442-BD28-F2438E319A9A}"/>
+              </a:ext>
+            </a:extLst>
+          </p:cNvPr>
+          <p:cNvPicPr>
+            <a:picLocks noChangeAspect="1"/>
+          </p:cNvPicPr>
+          <p:nvPr/>
+        </p:nvPicPr>
+        <p:blipFill>
+          <a:blip r:embed="rId4"/>
+          <a:stretch>
+            <a:fillRect/>
+          </a:stretch>
+        </p:blipFill>
+        <p:spPr>
+          <a:xfrm>
+            <a:off x="6412145" y="1820243"/>
+            <a:ext cx="4820243" cy="3217512"/>
+          </a:xfrm>
+          <a:prstGeom prst="rect">
+            <a:avLst/>
+          </a:prstGeom>
+        </p:spPr>
+      </p:pic>
+      <p:sp>
+        <p:nvSpPr>
+          <p:cNvPr id="4" name="Marcador de número de diapositiva 3">
+            <a:extLst>
+              <a:ext uri="{FF2B5EF4-FFF2-40B4-BE49-F238E27FC236}">
+                <a16:creationId xmlns:a16="http://schemas.microsoft.com/office/drawing/2014/main" id="{7A274BF8-854A-47C1-A05F-C9F56B4D3FF9}"/>
+              </a:ext>
+            </a:extLst>
+          </p:cNvPr>
+          <p:cNvSpPr>
+            <a:spLocks noGrp="1"/>
+          </p:cNvSpPr>
+          <p:nvPr>
+            <p:ph type="sldNum" sz="quarter" idx="12"/>
+          </p:nvPr>
+        </p:nvSpPr>
+        <p:spPr>
+          <a:xfrm>
+            <a:off x="10266060" y="6429057"/>
+            <a:ext cx="551167" cy="377825"/>
+          </a:xfrm>
+        </p:spPr>
+        <p:txBody>
+          <a:bodyPr vert="horz" lIns="91440" tIns="45720" rIns="91440" bIns="45720" rtlCol="0" anchor="ctr">
+            <a:noAutofit/>
+          </a:bodyPr>
+          <a:lstStyle/>
+          <a:p>
+            <a:pPr>
+              <a:spcAft>
+                <a:spcPts val="600"/>
+              </a:spcAft>
+            </a:pPr>
+            <a:fld id="{D57F1E4F-1CFF-5643-939E-217C01CDF565}" type="slidenum">
+              <a:rPr lang="en-US" sz="2800" b="0" i="0" kern="1200" smtClean="0">
+                <a:solidFill>
+                  <a:schemeClr val="tx1"/>
+                </a:solidFill>
+                <a:effectLst/>
+                <a:latin typeface="+mn-lt"/>
+                <a:ea typeface="+mn-ea"/>
+                <a:cs typeface="+mn-cs"/>
+              </a:rPr>
+              <a:pPr>
+                <a:spcAft>
+                  <a:spcPts val="600"/>
+                </a:spcAft>
+              </a:pPr>
+              <a:t>18</a:t>
+            </a:fld>
+            <a:endParaRPr lang="en-US" sz="2800" b="0" i="0" kern="1200" dirty="0">
+              <a:solidFill>
+                <a:schemeClr val="tx1"/>
+              </a:solidFill>
+              <a:effectLst/>
+              <a:latin typeface="+mn-lt"/>
+              <a:ea typeface="+mn-ea"/>
+              <a:cs typeface="+mn-cs"/>
+            </a:endParaRPr>
+          </a:p>
+        </p:txBody>
+      </p:sp>
+    </p:spTree>
+    <p:extLst>
+      <p:ext uri="{BB962C8B-B14F-4D97-AF65-F5344CB8AC3E}">
+        <p14:creationId xmlns:p14="http://schemas.microsoft.com/office/powerpoint/2010/main" val="1141417419"/>
+      </p:ext>
+    </p:extLst>
+  </p:cSld>
+  <p:clrMapOvr>
+    <a:masterClrMapping/>
+  </p:clrMapOvr>
+</p:sld>
+</file>
+
+<file path=ppt/slides/slide19.xml><?xml version="1.0" encoding="utf-8"?>
+<p:sld xmlns:a="http://schemas.openxmlformats.org/drawingml/2006/main" xmlns:r="http://schemas.openxmlformats.org/officeDocument/2006/relationships" xmlns:p="http://schemas.openxmlformats.org/presentationml/2006/main">
+  <p:cSld>
+    <p:spTree>
+      <p:nvGrpSpPr>
+        <p:cNvPr id="1" name=""/>
+        <p:cNvGrpSpPr/>
+        <p:nvPr/>
+      </p:nvGrpSpPr>
+      <p:grpSpPr>
+        <a:xfrm>
+          <a:off x="0" y="0"/>
+          <a:ext cx="0" cy="0"/>
+          <a:chOff x="0" y="0"/>
+          <a:chExt cx="0" cy="0"/>
+        </a:xfrm>
+      </p:grpSpPr>
+      <p:sp>
+        <p:nvSpPr>
+          <p:cNvPr id="2" name="Título 1">
+            <a:extLst>
+              <a:ext uri="{FF2B5EF4-FFF2-40B4-BE49-F238E27FC236}">
+                <a16:creationId xmlns:a16="http://schemas.microsoft.com/office/drawing/2014/main" id="{1FF1FFA1-CFD2-474D-9D4B-74D37E4E4E42}"/>
+              </a:ext>
+            </a:extLst>
+          </p:cNvPr>
+          <p:cNvSpPr>
+            <a:spLocks noGrp="1"/>
+          </p:cNvSpPr>
+          <p:nvPr>
+            <p:ph type="title"/>
+          </p:nvPr>
+        </p:nvSpPr>
+        <p:spPr>
+          <a:xfrm>
+            <a:off x="1030286" y="0"/>
+            <a:ext cx="10131425" cy="1456267"/>
+          </a:xfrm>
+        </p:spPr>
+        <p:txBody>
+          <a:bodyPr/>
+          <a:lstStyle/>
+          <a:p>
+            <a:pPr algn="ctr"/>
+            <a:r>
+              <a:rPr lang="es-MX" dirty="0"/>
+              <a:t>Curiosidades</a:t>
+            </a:r>
+          </a:p>
+        </p:txBody>
+      </p:sp>
+      <p:pic>
+        <p:nvPicPr>
+          <p:cNvPr id="6" name="Marcador de contenido 5" descr="Imagen que contiene pared, interior, texto&#10;&#10;Descripción generada con confianza muy alta">
+            <a:extLst>
+              <a:ext uri="{FF2B5EF4-FFF2-40B4-BE49-F238E27FC236}">
+                <a16:creationId xmlns:a16="http://schemas.microsoft.com/office/drawing/2014/main" id="{CBAC82DC-3B8A-46A0-ADD5-2CE3BDC014B7}"/>
+              </a:ext>
+            </a:extLst>
+          </p:cNvPr>
+          <p:cNvPicPr>
+            <a:picLocks noGrp="1" noChangeAspect="1"/>
+          </p:cNvPicPr>
+          <p:nvPr>
+            <p:ph idx="1"/>
+          </p:nvPr>
+        </p:nvPicPr>
+        <p:blipFill>
+          <a:blip r:embed="rId2"/>
+          <a:stretch>
+            <a:fillRect/>
+          </a:stretch>
+        </p:blipFill>
+        <p:spPr>
+          <a:xfrm>
+            <a:off x="2676773" y="1457325"/>
+            <a:ext cx="6838453" cy="4791075"/>
+          </a:xfrm>
+        </p:spPr>
+      </p:pic>
+      <p:sp>
+        <p:nvSpPr>
+          <p:cNvPr id="4" name="Marcador de número de diapositiva 3">
+            <a:extLst>
+              <a:ext uri="{FF2B5EF4-FFF2-40B4-BE49-F238E27FC236}">
+                <a16:creationId xmlns:a16="http://schemas.microsoft.com/office/drawing/2014/main" id="{6D00269B-40EE-4100-9EC3-390AF55A8796}"/>
+              </a:ext>
+            </a:extLst>
+          </p:cNvPr>
+          <p:cNvSpPr>
+            <a:spLocks noGrp="1"/>
+          </p:cNvSpPr>
+          <p:nvPr>
+            <p:ph type="sldNum" sz="quarter" idx="12"/>
+          </p:nvPr>
+        </p:nvSpPr>
+        <p:spPr/>
+        <p:txBody>
+          <a:bodyPr/>
+          <a:lstStyle/>
+          <a:p>
+            <a:fld id="{D57F1E4F-1CFF-5643-939E-217C01CDF565}" type="slidenum">
+              <a:rPr lang="en-US" sz="2800" smtClean="0"/>
+              <a:pPr/>
+              <a:t>19</a:t>
+            </a:fld>
+            <a:endParaRPr lang="en-US" sz="2800" dirty="0"/>
+          </a:p>
+        </p:txBody>
+      </p:sp>
+    </p:spTree>
+    <p:extLst>
+      <p:ext uri="{BB962C8B-B14F-4D97-AF65-F5344CB8AC3E}">
+        <p14:creationId xmlns:p14="http://schemas.microsoft.com/office/powerpoint/2010/main" val="3954249540"/>
       </p:ext>
     </p:extLst>
   </p:cSld>
@@ -5883,32 +9103,145 @@
           <a:bodyPr/>
           <a:lstStyle/>
           <a:p>
-            <a:endParaRPr lang="es-MX"/>
-          </a:p>
-        </p:txBody>
-      </p:sp>
-      <p:sp>
-        <p:nvSpPr>
-          <p:cNvPr id="3" name="Marcador de contenido 2">
+            <a:r>
+              <a:rPr lang="es-MX" dirty="0"/>
+              <a:t>Aceleradores de partículas: colisionar para aprender</a:t>
+            </a:r>
+          </a:p>
+        </p:txBody>
+      </p:sp>
+      <p:pic>
+        <p:nvPicPr>
+          <p:cNvPr id="5" name="Marcador de contenido 4" descr="Imagen que contiene mesa, interior, pared, suelo&#10;&#10;Descripción generada con confianza muy alta">
             <a:extLst>
               <a:ext uri="{FF2B5EF4-FFF2-40B4-BE49-F238E27FC236}">
-                <a16:creationId xmlns:a16="http://schemas.microsoft.com/office/drawing/2014/main" id="{73E5F777-A998-4A82-A4E9-FD82FC704A7B}"/>
+                <a16:creationId xmlns:a16="http://schemas.microsoft.com/office/drawing/2014/main" id="{A645061D-D383-42CB-B661-BA0B0E4F1BDD}"/>
               </a:ext>
             </a:extLst>
           </p:cNvPr>
-          <p:cNvSpPr>
-            <a:spLocks noGrp="1"/>
-          </p:cNvSpPr>
+          <p:cNvPicPr>
+            <a:picLocks noGrp="1" noChangeAspect="1"/>
+          </p:cNvPicPr>
           <p:nvPr>
             <p:ph idx="1"/>
           </p:nvPr>
+        </p:nvPicPr>
+        <p:blipFill>
+          <a:blip r:embed="rId2"/>
+          <a:stretch>
+            <a:fillRect/>
+          </a:stretch>
+        </p:blipFill>
+        <p:spPr>
+          <a:xfrm>
+            <a:off x="6681788" y="2971796"/>
+            <a:ext cx="5165558" cy="2726267"/>
+          </a:xfrm>
+        </p:spPr>
+      </p:pic>
+      <p:pic>
+        <p:nvPicPr>
+          <p:cNvPr id="7" name="Imagen 6" descr="Imagen que contiene música, piano&#10;&#10;Descripción generada con confianza muy alta">
+            <a:extLst>
+              <a:ext uri="{FF2B5EF4-FFF2-40B4-BE49-F238E27FC236}">
+                <a16:creationId xmlns:a16="http://schemas.microsoft.com/office/drawing/2014/main" id="{5FF9174C-B5E4-4123-B5A2-350C40AC812B}"/>
+              </a:ext>
+            </a:extLst>
+          </p:cNvPr>
+          <p:cNvPicPr>
+            <a:picLocks noChangeAspect="1"/>
+          </p:cNvPicPr>
+          <p:nvPr/>
+        </p:nvPicPr>
+        <p:blipFill>
+          <a:blip r:embed="rId3"/>
+          <a:stretch>
+            <a:fillRect/>
+          </a:stretch>
+        </p:blipFill>
+        <p:spPr>
+          <a:xfrm>
+            <a:off x="685801" y="2761186"/>
+            <a:ext cx="4200384" cy="3147488"/>
+          </a:xfrm>
+          <a:prstGeom prst="rect">
+            <a:avLst/>
+          </a:prstGeom>
+        </p:spPr>
+      </p:pic>
+      <p:sp>
+        <p:nvSpPr>
+          <p:cNvPr id="8" name="Flecha: a la derecha 7">
+            <a:extLst>
+              <a:ext uri="{FF2B5EF4-FFF2-40B4-BE49-F238E27FC236}">
+                <a16:creationId xmlns:a16="http://schemas.microsoft.com/office/drawing/2014/main" id="{04DAF4BA-8664-4427-9BCB-B588CCBC52BA}"/>
+              </a:ext>
+            </a:extLst>
+          </p:cNvPr>
+          <p:cNvSpPr/>
+          <p:nvPr/>
+        </p:nvSpPr>
+        <p:spPr>
+          <a:xfrm>
+            <a:off x="5114925" y="3892016"/>
+            <a:ext cx="1414463" cy="885825"/>
+          </a:xfrm>
+          <a:prstGeom prst="rightArrow">
+            <a:avLst/>
+          </a:prstGeom>
+        </p:spPr>
+        <p:style>
+          <a:lnRef idx="2">
+            <a:schemeClr val="accent1">
+              <a:shade val="50000"/>
+            </a:schemeClr>
+          </a:lnRef>
+          <a:fillRef idx="1">
+            <a:schemeClr val="accent1"/>
+          </a:fillRef>
+          <a:effectRef idx="0">
+            <a:schemeClr val="accent1"/>
+          </a:effectRef>
+          <a:fontRef idx="minor">
+            <a:schemeClr val="lt1"/>
+          </a:fontRef>
+        </p:style>
+        <p:txBody>
+          <a:bodyPr rtlCol="0" anchor="ctr"/>
+          <a:lstStyle/>
+          <a:p>
+            <a:pPr algn="ctr"/>
+            <a:endParaRPr lang="es-MX" dirty="0"/>
+          </a:p>
+        </p:txBody>
+      </p:sp>
+      <p:sp>
+        <p:nvSpPr>
+          <p:cNvPr id="9" name="Marcador de número de diapositiva 8">
+            <a:extLst>
+              <a:ext uri="{FF2B5EF4-FFF2-40B4-BE49-F238E27FC236}">
+                <a16:creationId xmlns:a16="http://schemas.microsoft.com/office/drawing/2014/main" id="{BFA6E327-09B0-4B08-9DAA-0F17554A8A80}"/>
+              </a:ext>
+            </a:extLst>
+          </p:cNvPr>
+          <p:cNvSpPr>
+            <a:spLocks noGrp="1"/>
+          </p:cNvSpPr>
+          <p:nvPr>
+            <p:ph type="sldNum" sz="quarter" idx="12"/>
+          </p:nvPr>
         </p:nvSpPr>
         <p:spPr/>
         <p:txBody>
           <a:bodyPr/>
           <a:lstStyle/>
           <a:p>
-            <a:endParaRPr lang="es-MX"/>
+            <a:fld id="{D57F1E4F-1CFF-5643-939E-217C01CDF565}" type="slidenum">
+              <a:rPr lang="en-US" sz="2800" smtClean="0"/>
+              <a:pPr/>
+              <a:t>2</a:t>
+            </a:fld>
+            <a:endParaRPr lang="en-US" sz="2800" dirty="0"/>
           </a:p>
         </p:txBody>
       </p:sp>
@@ -5916,6 +9249,3272 @@
     <p:extLst>
       <p:ext uri="{BB962C8B-B14F-4D97-AF65-F5344CB8AC3E}">
         <p14:creationId xmlns:p14="http://schemas.microsoft.com/office/powerpoint/2010/main" val="661400363"/>
+      </p:ext>
+    </p:extLst>
+  </p:cSld>
+  <p:clrMapOvr>
+    <a:masterClrMapping/>
+  </p:clrMapOvr>
+</p:sld>
+</file>
+
+<file path=ppt/slides/slide20.xml><?xml version="1.0" encoding="utf-8"?>
+<p:sld xmlns:a="http://schemas.openxmlformats.org/drawingml/2006/main" xmlns:r="http://schemas.openxmlformats.org/officeDocument/2006/relationships" xmlns:p="http://schemas.openxmlformats.org/presentationml/2006/main">
+  <p:cSld>
+    <p:bg>
+      <p:bgPr>
+        <a:blipFill>
+          <a:blip r:embed="rId2">
+            <a:extLst/>
+          </a:blip>
+          <a:stretch/>
+        </a:blipFill>
+        <a:effectLst/>
+      </p:bgPr>
+    </p:bg>
+    <p:spTree>
+      <p:nvGrpSpPr>
+        <p:cNvPr id="1" name=""/>
+        <p:cNvGrpSpPr/>
+        <p:nvPr/>
+      </p:nvGrpSpPr>
+      <p:grpSpPr>
+        <a:xfrm>
+          <a:off x="0" y="0"/>
+          <a:ext cx="0" cy="0"/>
+          <a:chOff x="0" y="0"/>
+          <a:chExt cx="0" cy="0"/>
+        </a:xfrm>
+      </p:grpSpPr>
+      <p:sp>
+        <p:nvSpPr>
+          <p:cNvPr id="2" name="Título 1">
+            <a:extLst>
+              <a:ext uri="{FF2B5EF4-FFF2-40B4-BE49-F238E27FC236}">
+                <a16:creationId xmlns:a16="http://schemas.microsoft.com/office/drawing/2014/main" id="{194A0BF5-B176-47B3-9F6D-EEB40C2A0635}"/>
+              </a:ext>
+            </a:extLst>
+          </p:cNvPr>
+          <p:cNvSpPr>
+            <a:spLocks noGrp="1"/>
+          </p:cNvSpPr>
+          <p:nvPr>
+            <p:ph type="title"/>
+          </p:nvPr>
+        </p:nvSpPr>
+        <p:spPr>
+          <a:xfrm>
+            <a:off x="2661881" y="-329147"/>
+            <a:ext cx="8301036" cy="1608124"/>
+          </a:xfrm>
+        </p:spPr>
+        <p:txBody>
+          <a:bodyPr>
+            <a:normAutofit/>
+          </a:bodyPr>
+          <a:lstStyle/>
+          <a:p>
+            <a:pPr>
+              <a:lnSpc>
+                <a:spcPct val="90000"/>
+              </a:lnSpc>
+            </a:pPr>
+            <a:r>
+              <a:rPr lang="es-MX" dirty="0"/>
+              <a:t>Espectro de tiempos de vuelo</a:t>
+            </a:r>
+          </a:p>
+        </p:txBody>
+      </p:sp>
+      <p:pic>
+        <p:nvPicPr>
+          <p:cNvPr id="9" name="Marcador de contenido 5">
+            <a:extLst>
+              <a:ext uri="{FF2B5EF4-FFF2-40B4-BE49-F238E27FC236}">
+                <a16:creationId xmlns:a16="http://schemas.microsoft.com/office/drawing/2014/main" id="{AD13E6A7-C35E-4348-B995-39D077DDCAB6}"/>
+              </a:ext>
+            </a:extLst>
+          </p:cNvPr>
+          <p:cNvPicPr>
+            <a:picLocks noChangeAspect="1"/>
+          </p:cNvPicPr>
+          <p:nvPr/>
+        </p:nvPicPr>
+        <p:blipFill>
+          <a:blip r:embed="rId3"/>
+          <a:stretch>
+            <a:fillRect/>
+          </a:stretch>
+        </p:blipFill>
+        <p:spPr>
+          <a:xfrm>
+            <a:off x="643464" y="899578"/>
+            <a:ext cx="6897878" cy="5068125"/>
+          </a:xfrm>
+          <a:prstGeom prst="roundRect">
+            <a:avLst>
+              <a:gd name="adj" fmla="val 4380"/>
+            </a:avLst>
+          </a:prstGeom>
+          <a:ln w="50800" cap="sq" cmpd="dbl">
+            <a:gradFill flip="none" rotWithShape="1">
+              <a:gsLst>
+                <a:gs pos="0">
+                  <a:srgbClr val="FFFFFF"/>
+                </a:gs>
+                <a:gs pos="100000">
+                  <a:schemeClr val="tx1">
+                    <a:alpha val="0"/>
+                  </a:schemeClr>
+                </a:gs>
+              </a:gsLst>
+              <a:path path="circle">
+                <a:fillToRect l="50000" t="50000" r="50000" b="50000"/>
+              </a:path>
+              <a:tileRect/>
+            </a:gradFill>
+            <a:miter lim="800000"/>
+          </a:ln>
+          <a:effectLst>
+            <a:outerShdw blurRad="254000" algn="tl" rotWithShape="0">
+              <a:srgbClr val="000000">
+                <a:alpha val="43000"/>
+              </a:srgbClr>
+            </a:outerShdw>
+          </a:effectLst>
+        </p:spPr>
+      </p:pic>
+      <p:sp>
+        <p:nvSpPr>
+          <p:cNvPr id="4" name="Marcador de número de diapositiva 3">
+            <a:extLst>
+              <a:ext uri="{FF2B5EF4-FFF2-40B4-BE49-F238E27FC236}">
+                <a16:creationId xmlns:a16="http://schemas.microsoft.com/office/drawing/2014/main" id="{ABDCFC5A-FF85-4C84-8EAB-E3C22049A8EE}"/>
+              </a:ext>
+            </a:extLst>
+          </p:cNvPr>
+          <p:cNvSpPr>
+            <a:spLocks noGrp="1"/>
+          </p:cNvSpPr>
+          <p:nvPr>
+            <p:ph type="sldNum" sz="quarter" idx="12"/>
+          </p:nvPr>
+        </p:nvSpPr>
+        <p:spPr>
+          <a:xfrm>
+            <a:off x="10962917" y="6391687"/>
+            <a:ext cx="551167" cy="377825"/>
+          </a:xfrm>
+        </p:spPr>
+        <p:txBody>
+          <a:bodyPr>
+            <a:noAutofit/>
+          </a:bodyPr>
+          <a:lstStyle/>
+          <a:p>
+            <a:pPr>
+              <a:spcAft>
+                <a:spcPts val="600"/>
+              </a:spcAft>
+            </a:pPr>
+            <a:fld id="{D57F1E4F-1CFF-5643-939E-217C01CDF565}" type="slidenum">
+              <a:rPr lang="en-US" sz="2800" smtClean="0"/>
+              <a:pPr>
+                <a:spcAft>
+                  <a:spcPts val="600"/>
+                </a:spcAft>
+              </a:pPr>
+              <a:t>20</a:t>
+            </a:fld>
+            <a:endParaRPr lang="en-US" sz="2800" dirty="0"/>
+          </a:p>
+        </p:txBody>
+      </p:sp>
+      <p:pic>
+        <p:nvPicPr>
+          <p:cNvPr id="8" name="Imagen 7">
+            <a:extLst>
+              <a:ext uri="{FF2B5EF4-FFF2-40B4-BE49-F238E27FC236}">
+                <a16:creationId xmlns:a16="http://schemas.microsoft.com/office/drawing/2014/main" id="{41FFEB66-64A2-4139-A3D2-B739AF72A451}"/>
+              </a:ext>
+            </a:extLst>
+          </p:cNvPr>
+          <p:cNvPicPr>
+            <a:picLocks noChangeAspect="1"/>
+          </p:cNvPicPr>
+          <p:nvPr/>
+        </p:nvPicPr>
+        <p:blipFill>
+          <a:blip r:embed="rId4"/>
+          <a:stretch>
+            <a:fillRect/>
+          </a:stretch>
+        </p:blipFill>
+        <p:spPr>
+          <a:xfrm>
+            <a:off x="8445980" y="2171049"/>
+            <a:ext cx="2792520" cy="2515902"/>
+          </a:xfrm>
+          <a:prstGeom prst="rect">
+            <a:avLst/>
+          </a:prstGeom>
+        </p:spPr>
+      </p:pic>
+    </p:spTree>
+    <p:extLst>
+      <p:ext uri="{BB962C8B-B14F-4D97-AF65-F5344CB8AC3E}">
+        <p14:creationId xmlns:p14="http://schemas.microsoft.com/office/powerpoint/2010/main" val="4261430058"/>
+      </p:ext>
+    </p:extLst>
+  </p:cSld>
+  <p:clrMapOvr>
+    <a:masterClrMapping/>
+  </p:clrMapOvr>
+</p:sld>
+</file>
+
+<file path=ppt/slides/slide21.xml><?xml version="1.0" encoding="utf-8"?>
+<p:sld xmlns:a="http://schemas.openxmlformats.org/drawingml/2006/main" xmlns:r="http://schemas.openxmlformats.org/officeDocument/2006/relationships" xmlns:p="http://schemas.openxmlformats.org/presentationml/2006/main">
+  <p:cSld>
+    <p:spTree>
+      <p:nvGrpSpPr>
+        <p:cNvPr id="1" name=""/>
+        <p:cNvGrpSpPr/>
+        <p:nvPr/>
+      </p:nvGrpSpPr>
+      <p:grpSpPr>
+        <a:xfrm>
+          <a:off x="0" y="0"/>
+          <a:ext cx="0" cy="0"/>
+          <a:chOff x="0" y="0"/>
+          <a:chExt cx="0" cy="0"/>
+        </a:xfrm>
+      </p:grpSpPr>
+      <p:sp>
+        <p:nvSpPr>
+          <p:cNvPr id="4" name="Marcador de número de diapositiva 3">
+            <a:extLst>
+              <a:ext uri="{FF2B5EF4-FFF2-40B4-BE49-F238E27FC236}">
+                <a16:creationId xmlns:a16="http://schemas.microsoft.com/office/drawing/2014/main" id="{2E164568-8F12-4B93-9BEF-92CBCA5BAE9A}"/>
+              </a:ext>
+            </a:extLst>
+          </p:cNvPr>
+          <p:cNvSpPr>
+            <a:spLocks noGrp="1"/>
+          </p:cNvSpPr>
+          <p:nvPr>
+            <p:ph type="sldNum" sz="quarter" idx="12"/>
+          </p:nvPr>
+        </p:nvSpPr>
+        <p:spPr/>
+        <p:txBody>
+          <a:bodyPr/>
+          <a:lstStyle/>
+          <a:p>
+            <a:fld id="{D57F1E4F-1CFF-5643-939E-217C01CDF565}" type="slidenum">
+              <a:rPr lang="en-US" smtClean="0"/>
+              <a:pPr/>
+              <a:t>21</a:t>
+            </a:fld>
+            <a:endParaRPr lang="en-US" dirty="0"/>
+          </a:p>
+        </p:txBody>
+      </p:sp>
+      <p:pic>
+        <p:nvPicPr>
+          <p:cNvPr id="10" name="Marcador de contenido 9" descr="Imagen que contiene mapa, texto&#10;&#10;Descripción generada con confianza muy alta">
+            <a:extLst>
+              <a:ext uri="{FF2B5EF4-FFF2-40B4-BE49-F238E27FC236}">
+                <a16:creationId xmlns:a16="http://schemas.microsoft.com/office/drawing/2014/main" id="{C9D6A387-8A4D-48BB-BD1F-466DDAF12D8F}"/>
+              </a:ext>
+            </a:extLst>
+          </p:cNvPr>
+          <p:cNvPicPr>
+            <a:picLocks noGrp="1" noChangeAspect="1"/>
+          </p:cNvPicPr>
+          <p:nvPr>
+            <p:ph idx="1"/>
+          </p:nvPr>
+        </p:nvPicPr>
+        <p:blipFill>
+          <a:blip r:embed="rId2"/>
+          <a:stretch>
+            <a:fillRect/>
+          </a:stretch>
+        </p:blipFill>
+        <p:spPr>
+          <a:xfrm>
+            <a:off x="771525" y="734448"/>
+            <a:ext cx="6232525" cy="5513952"/>
+          </a:xfrm>
+        </p:spPr>
+      </p:pic>
+      <p:pic>
+        <p:nvPicPr>
+          <p:cNvPr id="11" name="Imagen 10">
+            <a:extLst>
+              <a:ext uri="{FF2B5EF4-FFF2-40B4-BE49-F238E27FC236}">
+                <a16:creationId xmlns:a16="http://schemas.microsoft.com/office/drawing/2014/main" id="{F641B3CD-B720-42E4-8EF1-BF461DBBE4EC}"/>
+              </a:ext>
+            </a:extLst>
+          </p:cNvPr>
+          <p:cNvPicPr>
+            <a:picLocks noChangeAspect="1"/>
+          </p:cNvPicPr>
+          <p:nvPr/>
+        </p:nvPicPr>
+        <p:blipFill>
+          <a:blip r:embed="rId3"/>
+          <a:stretch>
+            <a:fillRect/>
+          </a:stretch>
+        </p:blipFill>
+        <p:spPr>
+          <a:xfrm>
+            <a:off x="7757298" y="2385298"/>
+            <a:ext cx="3248313" cy="2087404"/>
+          </a:xfrm>
+          <a:prstGeom prst="rect">
+            <a:avLst/>
+          </a:prstGeom>
+        </p:spPr>
+      </p:pic>
+    </p:spTree>
+    <p:extLst>
+      <p:ext uri="{BB962C8B-B14F-4D97-AF65-F5344CB8AC3E}">
+        <p14:creationId xmlns:p14="http://schemas.microsoft.com/office/powerpoint/2010/main" val="3708355405"/>
+      </p:ext>
+    </p:extLst>
+  </p:cSld>
+  <p:clrMapOvr>
+    <a:masterClrMapping/>
+  </p:clrMapOvr>
+</p:sld>
+</file>
+
+<file path=ppt/slides/slide22.xml><?xml version="1.0" encoding="utf-8"?>
+<p:sld xmlns:a="http://schemas.openxmlformats.org/drawingml/2006/main" xmlns:r="http://schemas.openxmlformats.org/officeDocument/2006/relationships" xmlns:p="http://schemas.openxmlformats.org/presentationml/2006/main">
+  <p:cSld>
+    <p:spTree>
+      <p:nvGrpSpPr>
+        <p:cNvPr id="1" name=""/>
+        <p:cNvGrpSpPr/>
+        <p:nvPr/>
+      </p:nvGrpSpPr>
+      <p:grpSpPr>
+        <a:xfrm>
+          <a:off x="0" y="0"/>
+          <a:ext cx="0" cy="0"/>
+          <a:chOff x="0" y="0"/>
+          <a:chExt cx="0" cy="0"/>
+        </a:xfrm>
+      </p:grpSpPr>
+      <p:sp>
+        <p:nvSpPr>
+          <p:cNvPr id="2" name="Título 1">
+            <a:extLst>
+              <a:ext uri="{FF2B5EF4-FFF2-40B4-BE49-F238E27FC236}">
+                <a16:creationId xmlns:a16="http://schemas.microsoft.com/office/drawing/2014/main" id="{645A9922-0573-4624-A828-F1F19C1FD3BA}"/>
+              </a:ext>
+            </a:extLst>
+          </p:cNvPr>
+          <p:cNvSpPr>
+            <a:spLocks noGrp="1"/>
+          </p:cNvSpPr>
+          <p:nvPr>
+            <p:ph type="title"/>
+          </p:nvPr>
+        </p:nvSpPr>
+        <p:spPr/>
+        <p:txBody>
+          <a:bodyPr/>
+          <a:lstStyle/>
+          <a:p>
+            <a:r>
+              <a:rPr lang="es-MX" dirty="0"/>
+              <a:t>Conclusiones</a:t>
+            </a:r>
+          </a:p>
+        </p:txBody>
+      </p:sp>
+      <mc:AlternateContent xmlns:mc="http://schemas.openxmlformats.org/markup-compatibility/2006">
+        <mc:Choice xmlns:a14="http://schemas.microsoft.com/office/drawing/2010/main" Requires="a14">
+          <p:sp>
+            <p:nvSpPr>
+              <p:cNvPr id="3" name="Marcador de contenido 2">
+                <a:extLst>
+                  <a:ext uri="{FF2B5EF4-FFF2-40B4-BE49-F238E27FC236}">
+                    <a16:creationId xmlns:a16="http://schemas.microsoft.com/office/drawing/2014/main" id="{68567444-F634-450B-9D9F-40A90AA93845}"/>
+                  </a:ext>
+                </a:extLst>
+              </p:cNvPr>
+              <p:cNvSpPr>
+                <a:spLocks noGrp="1"/>
+              </p:cNvSpPr>
+              <p:nvPr>
+                <p:ph idx="1"/>
+              </p:nvPr>
+            </p:nvSpPr>
+            <p:spPr/>
+            <p:txBody>
+              <a:bodyPr/>
+              <a:lstStyle/>
+              <a:p>
+                <a:r>
+                  <a:rPr lang="es-MX" dirty="0"/>
+                  <a:t>Es posible crear, acelerar y seleccionar protones en un acelerador de partículas como el descrito en esta presentación.</a:t>
+                </a:r>
+              </a:p>
+              <a:p>
+                <a:r>
+                  <a:rPr lang="es-MX" dirty="0"/>
+                  <a:t>Este acelerador de partículas nos permite estudiar procesos de ionización, captura de electrones y procesos disociativos que se dan en las colisiones de protones a bajas energías con otras especies químicas .</a:t>
+                </a:r>
+              </a:p>
+              <a:p>
+                <a:r>
+                  <a:rPr lang="es-MX" dirty="0"/>
+                  <a:t>El </a:t>
+                </a:r>
+                <a:r>
+                  <a:rPr lang="es-MX" dirty="0" err="1"/>
+                  <a:t>ión</a:t>
+                </a:r>
+                <a:r>
+                  <a:rPr lang="es-MX" dirty="0"/>
+                  <a:t> más abundante en la colisión de protones a bajas energías con tetracloruro de carbono es el  </a:t>
+                </a:r>
+                <a14:m>
+                  <m:oMath xmlns:m="http://schemas.openxmlformats.org/officeDocument/2006/math">
+                    <m:sSup>
+                      <m:sSupPr>
+                        <m:ctrlPr>
+                          <a:rPr lang="es-MX" i="1" smtClean="0">
+                            <a:latin typeface="Cambria Math" panose="02040503050406030204" pitchFamily="18" charset="0"/>
+                          </a:rPr>
+                        </m:ctrlPr>
+                      </m:sSupPr>
+                      <m:e>
+                        <m:r>
+                          <a:rPr lang="es-MX" b="0" i="1" smtClean="0">
+                            <a:latin typeface="Cambria Math" panose="02040503050406030204" pitchFamily="18" charset="0"/>
+                          </a:rPr>
+                          <m:t>𝐶𝑙</m:t>
+                        </m:r>
+                      </m:e>
+                      <m:sup>
+                        <m:r>
+                          <a:rPr lang="es-MX" b="0" i="1" smtClean="0">
+                            <a:latin typeface="Cambria Math" panose="02040503050406030204" pitchFamily="18" charset="0"/>
+                          </a:rPr>
+                          <m:t>+</m:t>
+                        </m:r>
+                      </m:sup>
+                    </m:sSup>
+                  </m:oMath>
+                </a14:m>
+                <a:r>
+                  <a:rPr lang="es-MX" dirty="0"/>
+                  <a:t> con una abundancia relativa de 58.57%</a:t>
+                </a:r>
+              </a:p>
+            </p:txBody>
+          </p:sp>
+        </mc:Choice>
+        <mc:Fallback>
+          <p:sp>
+            <p:nvSpPr>
+              <p:cNvPr id="3" name="Marcador de contenido 2">
+                <a:extLst>
+                  <a:ext uri="{FF2B5EF4-FFF2-40B4-BE49-F238E27FC236}">
+                    <a16:creationId xmlns:a16="http://schemas.microsoft.com/office/drawing/2014/main" id="{68567444-F634-450B-9D9F-40A90AA93845}"/>
+                  </a:ext>
+                </a:extLst>
+              </p:cNvPr>
+              <p:cNvSpPr>
+                <a:spLocks noGrp="1" noRot="1" noChangeAspect="1" noMove="1" noResize="1" noEditPoints="1" noAdjustHandles="1" noChangeArrowheads="1" noChangeShapeType="1" noTextEdit="1"/>
+              </p:cNvSpPr>
+              <p:nvPr>
+                <p:ph idx="1"/>
+              </p:nvPr>
+            </p:nvSpPr>
+            <p:spPr>
+              <a:blipFill>
+                <a:blip r:embed="rId2"/>
+                <a:stretch>
+                  <a:fillRect l="-421" r="-662"/>
+                </a:stretch>
+              </a:blipFill>
+            </p:spPr>
+            <p:txBody>
+              <a:bodyPr/>
+              <a:lstStyle/>
+              <a:p>
+                <a:r>
+                  <a:rPr lang="es-MX">
+                    <a:noFill/>
+                  </a:rPr>
+                  <a:t> </a:t>
+                </a:r>
+              </a:p>
+            </p:txBody>
+          </p:sp>
+        </mc:Fallback>
+      </mc:AlternateContent>
+      <p:sp>
+        <p:nvSpPr>
+          <p:cNvPr id="4" name="Marcador de número de diapositiva 3">
+            <a:extLst>
+              <a:ext uri="{FF2B5EF4-FFF2-40B4-BE49-F238E27FC236}">
+                <a16:creationId xmlns:a16="http://schemas.microsoft.com/office/drawing/2014/main" id="{42798E90-AFE4-4E3B-927C-B02269D5D77E}"/>
+              </a:ext>
+            </a:extLst>
+          </p:cNvPr>
+          <p:cNvSpPr>
+            <a:spLocks noGrp="1"/>
+          </p:cNvSpPr>
+          <p:nvPr>
+            <p:ph type="sldNum" sz="quarter" idx="12"/>
+          </p:nvPr>
+        </p:nvSpPr>
+        <p:spPr/>
+        <p:txBody>
+          <a:bodyPr/>
+          <a:lstStyle/>
+          <a:p>
+            <a:fld id="{D57F1E4F-1CFF-5643-939E-217C01CDF565}" type="slidenum">
+              <a:rPr lang="en-US" smtClean="0"/>
+              <a:pPr/>
+              <a:t>22</a:t>
+            </a:fld>
+            <a:endParaRPr lang="en-US" dirty="0"/>
+          </a:p>
+        </p:txBody>
+      </p:sp>
+    </p:spTree>
+    <p:extLst>
+      <p:ext uri="{BB962C8B-B14F-4D97-AF65-F5344CB8AC3E}">
+        <p14:creationId xmlns:p14="http://schemas.microsoft.com/office/powerpoint/2010/main" val="1502694590"/>
+      </p:ext>
+    </p:extLst>
+  </p:cSld>
+  <p:clrMapOvr>
+    <a:masterClrMapping/>
+  </p:clrMapOvr>
+</p:sld>
+</file>
+
+<file path=ppt/slides/slide23.xml><?xml version="1.0" encoding="utf-8"?>
+<p:sld xmlns:a="http://schemas.openxmlformats.org/drawingml/2006/main" xmlns:r="http://schemas.openxmlformats.org/officeDocument/2006/relationships" xmlns:p="http://schemas.openxmlformats.org/presentationml/2006/main">
+  <p:cSld>
+    <p:bg>
+      <p:bgPr>
+        <a:blipFill>
+          <a:blip r:embed="rId2">
+            <a:extLst/>
+          </a:blip>
+          <a:stretch/>
+        </a:blipFill>
+        <a:effectLst/>
+      </p:bgPr>
+    </p:bg>
+    <p:spTree>
+      <p:nvGrpSpPr>
+        <p:cNvPr id="1" name=""/>
+        <p:cNvGrpSpPr/>
+        <p:nvPr/>
+      </p:nvGrpSpPr>
+      <p:grpSpPr>
+        <a:xfrm>
+          <a:off x="0" y="0"/>
+          <a:ext cx="0" cy="0"/>
+          <a:chOff x="0" y="0"/>
+          <a:chExt cx="0" cy="0"/>
+        </a:xfrm>
+      </p:grpSpPr>
+      <p:pic>
+        <p:nvPicPr>
+          <p:cNvPr id="9" name="Marcador de contenido 5">
+            <a:extLst>
+              <a:ext uri="{FF2B5EF4-FFF2-40B4-BE49-F238E27FC236}">
+                <a16:creationId xmlns:a16="http://schemas.microsoft.com/office/drawing/2014/main" id="{426EDA4A-8080-4ABE-A818-BE5FBA965BA4}"/>
+              </a:ext>
+            </a:extLst>
+          </p:cNvPr>
+          <p:cNvPicPr>
+            <a:picLocks noChangeAspect="1"/>
+          </p:cNvPicPr>
+          <p:nvPr/>
+        </p:nvPicPr>
+        <p:blipFill rotWithShape="1">
+          <a:blip r:embed="rId3"/>
+          <a:srcRect t="21365" r="9091" b="6101"/>
+          <a:stretch/>
+        </p:blipFill>
+        <p:spPr>
+          <a:xfrm>
+            <a:off x="20" y="10"/>
+            <a:ext cx="12191980" cy="6857990"/>
+          </a:xfrm>
+          <a:prstGeom prst="rect">
+            <a:avLst/>
+          </a:prstGeom>
+        </p:spPr>
+      </p:pic>
+      <p:pic>
+        <p:nvPicPr>
+          <p:cNvPr id="14" name="Picture 13">
+            <a:extLst>
+              <a:ext uri="{FF2B5EF4-FFF2-40B4-BE49-F238E27FC236}">
+                <a16:creationId xmlns:a16="http://schemas.microsoft.com/office/drawing/2014/main" id="{F284EF8E-6F4E-40EF-BDAD-7950F1585E0B}"/>
+              </a:ext>
+              <a:ext uri="{C183D7F6-B498-43B3-948B-1728B52AA6E4}">
+                <adec:decorative xmlns:adec="http://schemas.microsoft.com/office/drawing/2017/decorative" val="1"/>
+              </a:ext>
+            </a:extLst>
+          </p:cNvPr>
+          <p:cNvPicPr>
+            <a:picLocks noGrp="1" noRot="1" noChangeAspect="1" noMove="1" noResize="1" noEditPoints="1" noAdjustHandles="1" noChangeArrowheads="1" noChangeShapeType="1" noCrop="1"/>
+          </p:cNvPicPr>
+          <p:nvPr>
+            <p:extLst>
+              <p:ext uri="{386F3935-93C4-4BCD-93E2-E3B085C9AB24}">
+                <p16:designElem xmlns:p16="http://schemas.microsoft.com/office/powerpoint/2015/main" val="1"/>
+              </p:ext>
+            </p:extLst>
+          </p:nvPr>
+        </p:nvPicPr>
+        <p:blipFill>
+          <a:blip r:embed="rId4">
+            <a:extLst>
+              <a:ext uri="{28A0092B-C50C-407E-A947-70E740481C1C}">
+                <a14:useLocalDpi xmlns:a14="http://schemas.microsoft.com/office/drawing/2010/main" val="0"/>
+              </a:ext>
+            </a:extLst>
+          </a:blip>
+          <a:stretch>
+            <a:fillRect/>
+          </a:stretch>
+        </p:blipFill>
+        <p:spPr>
+          <a:xfrm>
+            <a:off x="0" y="0"/>
+            <a:ext cx="12188825" cy="6856214"/>
+          </a:xfrm>
+          <a:prstGeom prst="rect">
+            <a:avLst/>
+          </a:prstGeom>
+        </p:spPr>
+      </p:pic>
+      <p:sp>
+        <p:nvSpPr>
+          <p:cNvPr id="16" name="Freeform 5">
+            <a:extLst>
+              <a:ext uri="{FF2B5EF4-FFF2-40B4-BE49-F238E27FC236}">
+                <a16:creationId xmlns:a16="http://schemas.microsoft.com/office/drawing/2014/main" id="{729B82F5-E700-4045-9F00-635A41F62406}"/>
+              </a:ext>
+              <a:ext uri="{C183D7F6-B498-43B3-948B-1728B52AA6E4}">
+                <adec:decorative xmlns:adec="http://schemas.microsoft.com/office/drawing/2017/decorative" val="1"/>
+              </a:ext>
+            </a:extLst>
+          </p:cNvPr>
+          <p:cNvSpPr>
+            <a:spLocks noGrp="1" noRot="1" noChangeAspect="1" noMove="1" noResize="1" noEditPoints="1" noAdjustHandles="1" noChangeArrowheads="1" noChangeShapeType="1" noTextEdit="1"/>
+          </p:cNvSpPr>
+          <p:nvPr>
+            <p:extLst>
+              <p:ext uri="{386F3935-93C4-4BCD-93E2-E3B085C9AB24}">
+                <p16:designElem xmlns:p16="http://schemas.microsoft.com/office/powerpoint/2015/main" val="1"/>
+              </p:ext>
+            </p:extLst>
+          </p:nvPr>
+        </p:nvSpPr>
+        <p:spPr bwMode="grayWhite">
+          <a:xfrm>
+            <a:off x="516466" y="-18309"/>
+            <a:ext cx="11159068" cy="6894618"/>
+          </a:xfrm>
+          <a:custGeom>
+            <a:avLst/>
+            <a:gdLst>
+              <a:gd name="T0" fmla="*/ 2331 w 2331"/>
+              <a:gd name="T1" fmla="*/ 721 h 1440"/>
+              <a:gd name="T2" fmla="*/ 2082 w 2331"/>
+              <a:gd name="T3" fmla="*/ 0 h 1440"/>
+              <a:gd name="T4" fmla="*/ 249 w 2331"/>
+              <a:gd name="T5" fmla="*/ 0 h 1440"/>
+              <a:gd name="T6" fmla="*/ 0 w 2331"/>
+              <a:gd name="T7" fmla="*/ 721 h 1440"/>
+              <a:gd name="T8" fmla="*/ 248 w 2331"/>
+              <a:gd name="T9" fmla="*/ 1440 h 1440"/>
+              <a:gd name="T10" fmla="*/ 2083 w 2331"/>
+              <a:gd name="T11" fmla="*/ 1440 h 1440"/>
+              <a:gd name="T12" fmla="*/ 2331 w 2331"/>
+              <a:gd name="T13" fmla="*/ 721 h 1440"/>
+            </a:gdLst>
+            <a:ahLst/>
+            <a:cxnLst>
+              <a:cxn ang="0">
+                <a:pos x="T0" y="T1"/>
+              </a:cxn>
+              <a:cxn ang="0">
+                <a:pos x="T2" y="T3"/>
+              </a:cxn>
+              <a:cxn ang="0">
+                <a:pos x="T4" y="T5"/>
+              </a:cxn>
+              <a:cxn ang="0">
+                <a:pos x="T6" y="T7"/>
+              </a:cxn>
+              <a:cxn ang="0">
+                <a:pos x="T8" y="T9"/>
+              </a:cxn>
+              <a:cxn ang="0">
+                <a:pos x="T10" y="T11"/>
+              </a:cxn>
+              <a:cxn ang="0">
+                <a:pos x="T12" y="T13"/>
+              </a:cxn>
+            </a:cxnLst>
+            <a:rect l="0" t="0" r="r" b="b"/>
+            <a:pathLst>
+              <a:path w="2331" h="1440">
+                <a:moveTo>
+                  <a:pt x="2331" y="721"/>
+                </a:moveTo>
+                <a:cubicBezTo>
+                  <a:pt x="2331" y="449"/>
+                  <a:pt x="2238" y="198"/>
+                  <a:pt x="2082" y="0"/>
+                </a:cubicBezTo>
+                <a:cubicBezTo>
+                  <a:pt x="249" y="0"/>
+                  <a:pt x="249" y="0"/>
+                  <a:pt x="249" y="0"/>
+                </a:cubicBezTo>
+                <a:cubicBezTo>
+                  <a:pt x="93" y="198"/>
+                  <a:pt x="0" y="449"/>
+                  <a:pt x="0" y="721"/>
+                </a:cubicBezTo>
+                <a:cubicBezTo>
+                  <a:pt x="0" y="992"/>
+                  <a:pt x="92" y="1242"/>
+                  <a:pt x="248" y="1440"/>
+                </a:cubicBezTo>
+                <a:cubicBezTo>
+                  <a:pt x="2083" y="1440"/>
+                  <a:pt x="2083" y="1440"/>
+                  <a:pt x="2083" y="1440"/>
+                </a:cubicBezTo>
+                <a:cubicBezTo>
+                  <a:pt x="2239" y="1242"/>
+                  <a:pt x="2331" y="992"/>
+                  <a:pt x="2331" y="721"/>
+                </a:cubicBezTo>
+                <a:close/>
+              </a:path>
+            </a:pathLst>
+          </a:custGeom>
+          <a:solidFill>
+            <a:schemeClr val="bg1">
+              <a:alpha val="60000"/>
+            </a:schemeClr>
+          </a:solidFill>
+          <a:ln w="50800" cap="sq" cmpd="dbl">
+            <a:gradFill flip="none" rotWithShape="1">
+              <a:gsLst>
+                <a:gs pos="0">
+                  <a:srgbClr val="FFFFFF"/>
+                </a:gs>
+                <a:gs pos="100000">
+                  <a:schemeClr val="tx1">
+                    <a:alpha val="0"/>
+                  </a:schemeClr>
+                </a:gs>
+              </a:gsLst>
+              <a:path path="circle">
+                <a:fillToRect l="50000" t="50000" r="50000" b="50000"/>
+              </a:path>
+              <a:tileRect/>
+            </a:gradFill>
+            <a:miter lim="800000"/>
+          </a:ln>
+          <a:effectLst>
+            <a:outerShdw blurRad="254000" algn="tl" rotWithShape="0">
+              <a:srgbClr val="000000">
+                <a:alpha val="43000"/>
+              </a:srgbClr>
+            </a:outerShdw>
+          </a:effectLst>
+          <a:extLst/>
+        </p:spPr>
+        <p:txBody>
+          <a:bodyPr vert="horz" lIns="91440" tIns="45720" rIns="91440" bIns="45720" rtlCol="0" anchor="t">
+            <a:normAutofit/>
+          </a:bodyPr>
+          <a:lstStyle/>
+          <a:p>
+            <a:pPr algn="ctr">
+              <a:spcAft>
+                <a:spcPts val="1000"/>
+              </a:spcAft>
+              <a:buClr>
+                <a:schemeClr val="tx1"/>
+              </a:buClr>
+              <a:buSzPct val="100000"/>
+              <a:buFont typeface="Arial"/>
+              <a:buNone/>
+            </a:pPr>
+            <a:endParaRPr lang="en-US" sz="1600" cap="all"/>
+          </a:p>
+        </p:txBody>
+      </p:sp>
+      <p:sp>
+        <p:nvSpPr>
+          <p:cNvPr id="2" name="Título 1">
+            <a:extLst>
+              <a:ext uri="{FF2B5EF4-FFF2-40B4-BE49-F238E27FC236}">
+                <a16:creationId xmlns:a16="http://schemas.microsoft.com/office/drawing/2014/main" id="{2F56764F-BA23-4B49-A62F-085F66670801}"/>
+              </a:ext>
+            </a:extLst>
+          </p:cNvPr>
+          <p:cNvSpPr>
+            <a:spLocks noGrp="1"/>
+          </p:cNvSpPr>
+          <p:nvPr>
+            <p:ph type="title"/>
+          </p:nvPr>
+        </p:nvSpPr>
+        <p:spPr>
+          <a:xfrm>
+            <a:off x="5177101" y="2814273"/>
+            <a:ext cx="1834621" cy="1227667"/>
+          </a:xfrm>
+        </p:spPr>
+        <p:txBody>
+          <a:bodyPr>
+            <a:noAutofit/>
+          </a:bodyPr>
+          <a:lstStyle/>
+          <a:p>
+            <a:pPr algn="ctr"/>
+            <a:r>
+              <a:rPr lang="es-MX" sz="8800" dirty="0"/>
+              <a:t>Fin</a:t>
+            </a:r>
+          </a:p>
+        </p:txBody>
+      </p:sp>
+      <p:sp>
+        <p:nvSpPr>
+          <p:cNvPr id="4" name="Marcador de número de diapositiva 3">
+            <a:extLst>
+              <a:ext uri="{FF2B5EF4-FFF2-40B4-BE49-F238E27FC236}">
+                <a16:creationId xmlns:a16="http://schemas.microsoft.com/office/drawing/2014/main" id="{E198BAEF-7A05-485C-A0B3-29342575AAE5}"/>
+              </a:ext>
+            </a:extLst>
+          </p:cNvPr>
+          <p:cNvSpPr>
+            <a:spLocks noGrp="1"/>
+          </p:cNvSpPr>
+          <p:nvPr>
+            <p:ph type="sldNum" sz="quarter" idx="12"/>
+          </p:nvPr>
+        </p:nvSpPr>
+        <p:spPr>
+          <a:xfrm>
+            <a:off x="10266060" y="5870575"/>
+            <a:ext cx="551167" cy="377825"/>
+          </a:xfrm>
+        </p:spPr>
+        <p:txBody>
+          <a:bodyPr>
+            <a:normAutofit/>
+          </a:bodyPr>
+          <a:lstStyle/>
+          <a:p>
+            <a:pPr>
+              <a:spcAft>
+                <a:spcPts val="600"/>
+              </a:spcAft>
+            </a:pPr>
+            <a:fld id="{D57F1E4F-1CFF-5643-939E-217C01CDF565}" type="slidenum">
+              <a:rPr lang="en-US" smtClean="0"/>
+              <a:pPr>
+                <a:spcAft>
+                  <a:spcPts val="600"/>
+                </a:spcAft>
+              </a:pPr>
+              <a:t>23</a:t>
+            </a:fld>
+            <a:endParaRPr lang="en-US"/>
+          </a:p>
+        </p:txBody>
+      </p:sp>
+    </p:spTree>
+    <p:extLst>
+      <p:ext uri="{BB962C8B-B14F-4D97-AF65-F5344CB8AC3E}">
+        <p14:creationId xmlns:p14="http://schemas.microsoft.com/office/powerpoint/2010/main" val="742705217"/>
+      </p:ext>
+    </p:extLst>
+  </p:cSld>
+  <p:clrMapOvr>
+    <a:masterClrMapping/>
+  </p:clrMapOvr>
+</p:sld>
+</file>
+
+<file path=ppt/slides/slide3.xml><?xml version="1.0" encoding="utf-8"?>
+<p:sld xmlns:a="http://schemas.openxmlformats.org/drawingml/2006/main" xmlns:r="http://schemas.openxmlformats.org/officeDocument/2006/relationships" xmlns:p="http://schemas.openxmlformats.org/presentationml/2006/main">
+  <p:cSld>
+    <p:spTree>
+      <p:nvGrpSpPr>
+        <p:cNvPr id="1" name=""/>
+        <p:cNvGrpSpPr/>
+        <p:nvPr/>
+      </p:nvGrpSpPr>
+      <p:grpSpPr>
+        <a:xfrm>
+          <a:off x="0" y="0"/>
+          <a:ext cx="0" cy="0"/>
+          <a:chOff x="0" y="0"/>
+          <a:chExt cx="0" cy="0"/>
+        </a:xfrm>
+      </p:grpSpPr>
+      <p:sp>
+        <p:nvSpPr>
+          <p:cNvPr id="2" name="Título 1">
+            <a:extLst>
+              <a:ext uri="{FF2B5EF4-FFF2-40B4-BE49-F238E27FC236}">
+                <a16:creationId xmlns:a16="http://schemas.microsoft.com/office/drawing/2014/main" id="{CC64D7B7-3076-4FBF-BEB2-B24BFBFCD15C}"/>
+              </a:ext>
+            </a:extLst>
+          </p:cNvPr>
+          <p:cNvSpPr>
+            <a:spLocks noGrp="1"/>
+          </p:cNvSpPr>
+          <p:nvPr>
+            <p:ph type="title"/>
+          </p:nvPr>
+        </p:nvSpPr>
+        <p:spPr/>
+        <p:txBody>
+          <a:bodyPr/>
+          <a:lstStyle/>
+          <a:p>
+            <a:r>
+              <a:rPr lang="es-MX" dirty="0"/>
+              <a:t>Todo depende de la energía</a:t>
+            </a:r>
+          </a:p>
+        </p:txBody>
+      </p:sp>
+      <p:pic>
+        <p:nvPicPr>
+          <p:cNvPr id="7" name="Imagen 6" descr="Imagen que contiene mesa de billar, bola de billar, sala de billar, balón&#10;&#10;Descripción generada con confianza muy alta">
+            <a:extLst>
+              <a:ext uri="{FF2B5EF4-FFF2-40B4-BE49-F238E27FC236}">
+                <a16:creationId xmlns:a16="http://schemas.microsoft.com/office/drawing/2014/main" id="{6CA6B74A-7601-477A-B23A-3225199E7547}"/>
+              </a:ext>
+            </a:extLst>
+          </p:cNvPr>
+          <p:cNvPicPr>
+            <a:picLocks noChangeAspect="1"/>
+          </p:cNvPicPr>
+          <p:nvPr/>
+        </p:nvPicPr>
+        <p:blipFill>
+          <a:blip r:embed="rId2"/>
+          <a:stretch>
+            <a:fillRect/>
+          </a:stretch>
+        </p:blipFill>
+        <p:spPr>
+          <a:xfrm>
+            <a:off x="316999" y="2062319"/>
+            <a:ext cx="5269199" cy="3649661"/>
+          </a:xfrm>
+          <a:prstGeom prst="rect">
+            <a:avLst/>
+          </a:prstGeom>
+        </p:spPr>
+      </p:pic>
+      <p:pic>
+        <p:nvPicPr>
+          <p:cNvPr id="11" name="Marcador de contenido 10" descr="Imagen que contiene utensilios de cocina, olla&#10;&#10;Descripción generada con confianza alta">
+            <a:extLst>
+              <a:ext uri="{FF2B5EF4-FFF2-40B4-BE49-F238E27FC236}">
+                <a16:creationId xmlns:a16="http://schemas.microsoft.com/office/drawing/2014/main" id="{B081F550-64C5-4FD3-B14D-F64242696BDF}"/>
+              </a:ext>
+            </a:extLst>
+          </p:cNvPr>
+          <p:cNvPicPr>
+            <a:picLocks noGrp="1" noChangeAspect="1"/>
+          </p:cNvPicPr>
+          <p:nvPr>
+            <p:ph idx="1"/>
+          </p:nvPr>
+        </p:nvPicPr>
+        <p:blipFill rotWithShape="1">
+          <a:blip r:embed="rId3"/>
+          <a:srcRect l="10961" t="4857" r="10172" b="14500"/>
+          <a:stretch/>
+        </p:blipFill>
+        <p:spPr>
+          <a:xfrm>
+            <a:off x="6096000" y="2062319"/>
+            <a:ext cx="5651659" cy="3649661"/>
+          </a:xfrm>
+        </p:spPr>
+      </p:pic>
+      <p:sp>
+        <p:nvSpPr>
+          <p:cNvPr id="12" name="Marcador de número de diapositiva 11">
+            <a:extLst>
+              <a:ext uri="{FF2B5EF4-FFF2-40B4-BE49-F238E27FC236}">
+                <a16:creationId xmlns:a16="http://schemas.microsoft.com/office/drawing/2014/main" id="{A08D9FFF-1066-4CDC-B042-4F6D32549186}"/>
+              </a:ext>
+            </a:extLst>
+          </p:cNvPr>
+          <p:cNvSpPr>
+            <a:spLocks noGrp="1"/>
+          </p:cNvSpPr>
+          <p:nvPr>
+            <p:ph type="sldNum" sz="quarter" idx="12"/>
+          </p:nvPr>
+        </p:nvSpPr>
+        <p:spPr/>
+        <p:txBody>
+          <a:bodyPr/>
+          <a:lstStyle/>
+          <a:p>
+            <a:fld id="{D57F1E4F-1CFF-5643-939E-217C01CDF565}" type="slidenum">
+              <a:rPr lang="en-US" sz="2800" smtClean="0"/>
+              <a:pPr/>
+              <a:t>3</a:t>
+            </a:fld>
+            <a:endParaRPr lang="en-US" sz="2800" dirty="0"/>
+          </a:p>
+        </p:txBody>
+      </p:sp>
+    </p:spTree>
+    <p:extLst>
+      <p:ext uri="{BB962C8B-B14F-4D97-AF65-F5344CB8AC3E}">
+        <p14:creationId xmlns:p14="http://schemas.microsoft.com/office/powerpoint/2010/main" val="3322260214"/>
+      </p:ext>
+    </p:extLst>
+  </p:cSld>
+  <p:clrMapOvr>
+    <a:masterClrMapping/>
+  </p:clrMapOvr>
+</p:sld>
+</file>
+
+<file path=ppt/slides/slide4.xml><?xml version="1.0" encoding="utf-8"?>
+<p:sld xmlns:a="http://schemas.openxmlformats.org/drawingml/2006/main" xmlns:r="http://schemas.openxmlformats.org/officeDocument/2006/relationships" xmlns:p="http://schemas.openxmlformats.org/presentationml/2006/main">
+  <p:cSld>
+    <p:bg>
+      <p:bgPr>
+        <a:blipFill>
+          <a:blip r:embed="rId2">
+            <a:extLst/>
+          </a:blip>
+          <a:stretch/>
+        </a:blipFill>
+        <a:effectLst/>
+      </p:bgPr>
+    </p:bg>
+    <p:spTree>
+      <p:nvGrpSpPr>
+        <p:cNvPr id="1" name=""/>
+        <p:cNvGrpSpPr/>
+        <p:nvPr/>
+      </p:nvGrpSpPr>
+      <p:grpSpPr>
+        <a:xfrm>
+          <a:off x="0" y="0"/>
+          <a:ext cx="0" cy="0"/>
+          <a:chOff x="0" y="0"/>
+          <a:chExt cx="0" cy="0"/>
+        </a:xfrm>
+      </p:grpSpPr>
+      <p:pic>
+        <p:nvPicPr>
+          <p:cNvPr id="9" name="Marcador de contenido 5">
+            <a:extLst>
+              <a:ext uri="{FF2B5EF4-FFF2-40B4-BE49-F238E27FC236}">
+                <a16:creationId xmlns:a16="http://schemas.microsoft.com/office/drawing/2014/main" id="{B572F187-0D88-413D-8C4C-451923CC4761}"/>
+              </a:ext>
+            </a:extLst>
+          </p:cNvPr>
+          <p:cNvPicPr>
+            <a:picLocks noChangeAspect="1"/>
+          </p:cNvPicPr>
+          <p:nvPr/>
+        </p:nvPicPr>
+        <p:blipFill rotWithShape="1">
+          <a:blip r:embed="rId3"/>
+          <a:srcRect t="9091" r="9091"/>
+          <a:stretch/>
+        </p:blipFill>
+        <p:spPr>
+          <a:xfrm>
+            <a:off x="20" y="10"/>
+            <a:ext cx="12191980" cy="6857990"/>
+          </a:xfrm>
+          <a:prstGeom prst="rect">
+            <a:avLst/>
+          </a:prstGeom>
+        </p:spPr>
+      </p:pic>
+      <p:pic>
+        <p:nvPicPr>
+          <p:cNvPr id="14" name="Picture 13">
+            <a:extLst>
+              <a:ext uri="{FF2B5EF4-FFF2-40B4-BE49-F238E27FC236}">
+                <a16:creationId xmlns:a16="http://schemas.microsoft.com/office/drawing/2014/main" id="{F284EF8E-6F4E-40EF-BDAD-7950F1585E0B}"/>
+              </a:ext>
+              <a:ext uri="{C183D7F6-B498-43B3-948B-1728B52AA6E4}">
+                <adec:decorative xmlns:adec="http://schemas.microsoft.com/office/drawing/2017/decorative" val="1"/>
+              </a:ext>
+            </a:extLst>
+          </p:cNvPr>
+          <p:cNvPicPr>
+            <a:picLocks noGrp="1" noRot="1" noChangeAspect="1" noMove="1" noResize="1" noEditPoints="1" noAdjustHandles="1" noChangeArrowheads="1" noChangeShapeType="1" noCrop="1"/>
+          </p:cNvPicPr>
+          <p:nvPr>
+            <p:extLst>
+              <p:ext uri="{386F3935-93C4-4BCD-93E2-E3B085C9AB24}">
+                <p16:designElem xmlns:p16="http://schemas.microsoft.com/office/powerpoint/2015/main" val="1"/>
+              </p:ext>
+            </p:extLst>
+          </p:nvPr>
+        </p:nvPicPr>
+        <p:blipFill>
+          <a:blip r:embed="rId4">
+            <a:extLst>
+              <a:ext uri="{28A0092B-C50C-407E-A947-70E740481C1C}">
+                <a14:useLocalDpi xmlns:a14="http://schemas.microsoft.com/office/drawing/2010/main" val="0"/>
+              </a:ext>
+            </a:extLst>
+          </a:blip>
+          <a:stretch>
+            <a:fillRect/>
+          </a:stretch>
+        </p:blipFill>
+        <p:spPr>
+          <a:xfrm>
+            <a:off x="0" y="0"/>
+            <a:ext cx="12188825" cy="6856214"/>
+          </a:xfrm>
+          <a:prstGeom prst="rect">
+            <a:avLst/>
+          </a:prstGeom>
+        </p:spPr>
+      </p:pic>
+      <p:sp>
+        <p:nvSpPr>
+          <p:cNvPr id="16" name="Freeform 5">
+            <a:extLst>
+              <a:ext uri="{FF2B5EF4-FFF2-40B4-BE49-F238E27FC236}">
+                <a16:creationId xmlns:a16="http://schemas.microsoft.com/office/drawing/2014/main" id="{729B82F5-E700-4045-9F00-635A41F62406}"/>
+              </a:ext>
+              <a:ext uri="{C183D7F6-B498-43B3-948B-1728B52AA6E4}">
+                <adec:decorative xmlns:adec="http://schemas.microsoft.com/office/drawing/2017/decorative" val="1"/>
+              </a:ext>
+            </a:extLst>
+          </p:cNvPr>
+          <p:cNvSpPr>
+            <a:spLocks noGrp="1" noRot="1" noChangeAspect="1" noMove="1" noResize="1" noEditPoints="1" noAdjustHandles="1" noChangeArrowheads="1" noChangeShapeType="1" noTextEdit="1"/>
+          </p:cNvSpPr>
+          <p:nvPr>
+            <p:extLst>
+              <p:ext uri="{386F3935-93C4-4BCD-93E2-E3B085C9AB24}">
+                <p16:designElem xmlns:p16="http://schemas.microsoft.com/office/powerpoint/2015/main" val="1"/>
+              </p:ext>
+            </p:extLst>
+          </p:nvPr>
+        </p:nvSpPr>
+        <p:spPr bwMode="grayWhite">
+          <a:xfrm>
+            <a:off x="516466" y="-18309"/>
+            <a:ext cx="11159068" cy="6894618"/>
+          </a:xfrm>
+          <a:custGeom>
+            <a:avLst/>
+            <a:gdLst>
+              <a:gd name="T0" fmla="*/ 2331 w 2331"/>
+              <a:gd name="T1" fmla="*/ 721 h 1440"/>
+              <a:gd name="T2" fmla="*/ 2082 w 2331"/>
+              <a:gd name="T3" fmla="*/ 0 h 1440"/>
+              <a:gd name="T4" fmla="*/ 249 w 2331"/>
+              <a:gd name="T5" fmla="*/ 0 h 1440"/>
+              <a:gd name="T6" fmla="*/ 0 w 2331"/>
+              <a:gd name="T7" fmla="*/ 721 h 1440"/>
+              <a:gd name="T8" fmla="*/ 248 w 2331"/>
+              <a:gd name="T9" fmla="*/ 1440 h 1440"/>
+              <a:gd name="T10" fmla="*/ 2083 w 2331"/>
+              <a:gd name="T11" fmla="*/ 1440 h 1440"/>
+              <a:gd name="T12" fmla="*/ 2331 w 2331"/>
+              <a:gd name="T13" fmla="*/ 721 h 1440"/>
+            </a:gdLst>
+            <a:ahLst/>
+            <a:cxnLst>
+              <a:cxn ang="0">
+                <a:pos x="T0" y="T1"/>
+              </a:cxn>
+              <a:cxn ang="0">
+                <a:pos x="T2" y="T3"/>
+              </a:cxn>
+              <a:cxn ang="0">
+                <a:pos x="T4" y="T5"/>
+              </a:cxn>
+              <a:cxn ang="0">
+                <a:pos x="T6" y="T7"/>
+              </a:cxn>
+              <a:cxn ang="0">
+                <a:pos x="T8" y="T9"/>
+              </a:cxn>
+              <a:cxn ang="0">
+                <a:pos x="T10" y="T11"/>
+              </a:cxn>
+              <a:cxn ang="0">
+                <a:pos x="T12" y="T13"/>
+              </a:cxn>
+            </a:cxnLst>
+            <a:rect l="0" t="0" r="r" b="b"/>
+            <a:pathLst>
+              <a:path w="2331" h="1440">
+                <a:moveTo>
+                  <a:pt x="2331" y="721"/>
+                </a:moveTo>
+                <a:cubicBezTo>
+                  <a:pt x="2331" y="449"/>
+                  <a:pt x="2238" y="198"/>
+                  <a:pt x="2082" y="0"/>
+                </a:cubicBezTo>
+                <a:cubicBezTo>
+                  <a:pt x="249" y="0"/>
+                  <a:pt x="249" y="0"/>
+                  <a:pt x="249" y="0"/>
+                </a:cubicBezTo>
+                <a:cubicBezTo>
+                  <a:pt x="93" y="198"/>
+                  <a:pt x="0" y="449"/>
+                  <a:pt x="0" y="721"/>
+                </a:cubicBezTo>
+                <a:cubicBezTo>
+                  <a:pt x="0" y="992"/>
+                  <a:pt x="92" y="1242"/>
+                  <a:pt x="248" y="1440"/>
+                </a:cubicBezTo>
+                <a:cubicBezTo>
+                  <a:pt x="2083" y="1440"/>
+                  <a:pt x="2083" y="1440"/>
+                  <a:pt x="2083" y="1440"/>
+                </a:cubicBezTo>
+                <a:cubicBezTo>
+                  <a:pt x="2239" y="1242"/>
+                  <a:pt x="2331" y="992"/>
+                  <a:pt x="2331" y="721"/>
+                </a:cubicBezTo>
+                <a:close/>
+              </a:path>
+            </a:pathLst>
+          </a:custGeom>
+          <a:solidFill>
+            <a:schemeClr val="bg1">
+              <a:alpha val="60000"/>
+            </a:schemeClr>
+          </a:solidFill>
+          <a:ln w="50800" cap="sq" cmpd="dbl">
+            <a:gradFill flip="none" rotWithShape="1">
+              <a:gsLst>
+                <a:gs pos="0">
+                  <a:srgbClr val="FFFFFF"/>
+                </a:gs>
+                <a:gs pos="100000">
+                  <a:schemeClr val="tx1">
+                    <a:alpha val="0"/>
+                  </a:schemeClr>
+                </a:gs>
+              </a:gsLst>
+              <a:path path="circle">
+                <a:fillToRect l="50000" t="50000" r="50000" b="50000"/>
+              </a:path>
+              <a:tileRect/>
+            </a:gradFill>
+            <a:miter lim="800000"/>
+          </a:ln>
+          <a:effectLst>
+            <a:outerShdw blurRad="254000" algn="tl" rotWithShape="0">
+              <a:srgbClr val="000000">
+                <a:alpha val="43000"/>
+              </a:srgbClr>
+            </a:outerShdw>
+          </a:effectLst>
+          <a:extLst/>
+        </p:spPr>
+        <p:txBody>
+          <a:bodyPr vert="horz" lIns="91440" tIns="45720" rIns="91440" bIns="45720" rtlCol="0" anchor="t">
+            <a:normAutofit/>
+          </a:bodyPr>
+          <a:lstStyle/>
+          <a:p>
+            <a:pPr algn="ctr">
+              <a:spcAft>
+                <a:spcPts val="1000"/>
+              </a:spcAft>
+              <a:buClr>
+                <a:schemeClr val="tx1"/>
+              </a:buClr>
+              <a:buSzPct val="100000"/>
+              <a:buFont typeface="Arial"/>
+              <a:buNone/>
+            </a:pPr>
+            <a:endParaRPr lang="en-US" sz="1600" cap="all" dirty="0"/>
+          </a:p>
+        </p:txBody>
+      </p:sp>
+      <p:sp>
+        <p:nvSpPr>
+          <p:cNvPr id="2" name="Título 1">
+            <a:extLst>
+              <a:ext uri="{FF2B5EF4-FFF2-40B4-BE49-F238E27FC236}">
+                <a16:creationId xmlns:a16="http://schemas.microsoft.com/office/drawing/2014/main" id="{0AE03B3C-3550-4909-89C6-A0527F0ABB64}"/>
+              </a:ext>
+            </a:extLst>
+          </p:cNvPr>
+          <p:cNvSpPr>
+            <a:spLocks noGrp="1"/>
+          </p:cNvSpPr>
+          <p:nvPr>
+            <p:ph type="title"/>
+          </p:nvPr>
+        </p:nvSpPr>
+        <p:spPr>
+          <a:xfrm>
+            <a:off x="1380067" y="838200"/>
+            <a:ext cx="9437159" cy="1227667"/>
+          </a:xfrm>
+        </p:spPr>
+        <p:txBody>
+          <a:bodyPr>
+            <a:normAutofit/>
+          </a:bodyPr>
+          <a:lstStyle/>
+          <a:p>
+            <a:r>
+              <a:rPr lang="es-MX" dirty="0"/>
+              <a:t>GRAN COLISIONADOR DE HADRONES (LHC)</a:t>
+            </a:r>
+          </a:p>
+        </p:txBody>
+      </p:sp>
+      <mc:AlternateContent xmlns:mc="http://schemas.openxmlformats.org/markup-compatibility/2006">
+        <mc:Choice xmlns:a14="http://schemas.microsoft.com/office/drawing/2010/main" Requires="a14">
+          <p:sp>
+            <p:nvSpPr>
+              <p:cNvPr id="11" name="Content Placeholder 10">
+                <a:extLst>
+                  <a:ext uri="{FF2B5EF4-FFF2-40B4-BE49-F238E27FC236}">
+                    <a16:creationId xmlns:a16="http://schemas.microsoft.com/office/drawing/2014/main" id="{7A0E857C-5904-4633-9B6E-C26ADCDF46CB}"/>
+                  </a:ext>
+                </a:extLst>
+              </p:cNvPr>
+              <p:cNvSpPr>
+                <a:spLocks noGrp="1"/>
+              </p:cNvSpPr>
+              <p:nvPr>
+                <p:ph idx="1"/>
+              </p:nvPr>
+            </p:nvSpPr>
+            <p:spPr>
+              <a:xfrm>
+                <a:off x="1380067" y="2006601"/>
+                <a:ext cx="9437159" cy="3784600"/>
+              </a:xfrm>
+            </p:spPr>
+            <p:txBody>
+              <a:bodyPr>
+                <a:normAutofit/>
+              </a:bodyPr>
+              <a:lstStyle/>
+              <a:p>
+                <a:pPr>
+                  <a:buFont typeface="Courier New" panose="02070309020205020404" pitchFamily="49" charset="0"/>
+                  <a:buChar char="o"/>
+                </a:pPr>
+                <a:r>
+                  <a:rPr lang="en-US" sz="2800" dirty="0"/>
+                  <a:t>Localización: </a:t>
+                </a:r>
+                <a:r>
+                  <a:rPr lang="en-US" sz="2800" dirty="0" err="1"/>
+                  <a:t>Ginebra</a:t>
+                </a:r>
+                <a:r>
+                  <a:rPr lang="en-US" sz="2800" dirty="0"/>
+                  <a:t>, </a:t>
+                </a:r>
+                <a:r>
+                  <a:rPr lang="en-US" sz="2800" dirty="0" err="1"/>
+                  <a:t>Suiza</a:t>
+                </a:r>
+                <a:r>
+                  <a:rPr lang="en-US" sz="2800" dirty="0"/>
+                  <a:t>. </a:t>
+                </a:r>
+              </a:p>
+              <a:p>
+                <a:pPr>
+                  <a:buFont typeface="Courier New" panose="02070309020205020404" pitchFamily="49" charset="0"/>
+                  <a:buChar char="o"/>
+                </a:pPr>
+                <a:r>
+                  <a:rPr lang="en-US" sz="2800" dirty="0" err="1"/>
+                  <a:t>Extensión</a:t>
+                </a:r>
+                <a:r>
+                  <a:rPr lang="en-US" sz="2800" dirty="0"/>
+                  <a:t>: 27 km</a:t>
+                </a:r>
+              </a:p>
+              <a:p>
+                <a:pPr>
+                  <a:buFont typeface="Courier New" panose="02070309020205020404" pitchFamily="49" charset="0"/>
+                  <a:buChar char="o"/>
+                </a:pPr>
+                <a:r>
+                  <a:rPr lang="en-US" sz="2800" dirty="0" err="1"/>
+                  <a:t>Energías</a:t>
+                </a:r>
+                <a:r>
+                  <a:rPr lang="en-US" sz="2800" dirty="0"/>
+                  <a:t> </a:t>
+                </a:r>
+                <a:r>
+                  <a:rPr lang="en-US" sz="2800" dirty="0" err="1"/>
+                  <a:t>alcanzadas</a:t>
+                </a:r>
+                <a:r>
+                  <a:rPr lang="en-US" sz="2800" dirty="0"/>
+                  <a:t>: 7 </a:t>
+                </a:r>
+                <a:r>
+                  <a:rPr lang="en-US" sz="2800" dirty="0" err="1"/>
+                  <a:t>TeV</a:t>
+                </a:r>
+                <a:r>
+                  <a:rPr lang="en-US" sz="2800" dirty="0"/>
+                  <a:t>  (1x</a:t>
+                </a:r>
+                <a14:m>
+                  <m:oMath xmlns:m="http://schemas.openxmlformats.org/officeDocument/2006/math">
+                    <m:r>
+                      <a:rPr lang="es-MX" sz="2800" i="1" dirty="0" smtClean="0">
+                        <a:latin typeface="Cambria Math" panose="02040503050406030204" pitchFamily="18" charset="0"/>
+                      </a:rPr>
+                      <m:t> </m:t>
+                    </m:r>
+                    <m:sSup>
+                      <m:sSupPr>
+                        <m:ctrlPr>
+                          <a:rPr lang="es-MX" sz="2800" b="0" i="1" smtClean="0">
+                            <a:latin typeface="Cambria Math" panose="02040503050406030204" pitchFamily="18" charset="0"/>
+                          </a:rPr>
+                        </m:ctrlPr>
+                      </m:sSupPr>
+                      <m:e>
+                        <m:r>
+                          <a:rPr lang="es-MX" sz="2800" b="0" i="1" smtClean="0">
+                            <a:latin typeface="Cambria Math" panose="02040503050406030204" pitchFamily="18" charset="0"/>
+                          </a:rPr>
+                          <m:t>10</m:t>
+                        </m:r>
+                      </m:e>
+                      <m:sup>
+                        <m:r>
+                          <a:rPr lang="es-MX" sz="2800" b="0" i="1" smtClean="0">
+                            <a:latin typeface="Cambria Math" panose="02040503050406030204" pitchFamily="18" charset="0"/>
+                          </a:rPr>
+                          <m:t>12</m:t>
+                        </m:r>
+                      </m:sup>
+                    </m:sSup>
+                  </m:oMath>
+                </a14:m>
+                <a:r>
+                  <a:rPr lang="en-US" sz="2800" dirty="0"/>
+                  <a:t> eV)</a:t>
+                </a:r>
+              </a:p>
+              <a:p>
+                <a:pPr>
+                  <a:buFont typeface="Courier New" panose="02070309020205020404" pitchFamily="49" charset="0"/>
+                  <a:buChar char="o"/>
+                </a:pPr>
+                <a:r>
+                  <a:rPr lang="en-US" sz="2800" dirty="0" err="1"/>
+                  <a:t>Objetivo</a:t>
+                </a:r>
+                <a:r>
+                  <a:rPr lang="en-US" sz="2800" dirty="0"/>
+                  <a:t>: </a:t>
+                </a:r>
+                <a:r>
+                  <a:rPr lang="en-US" sz="2800" dirty="0" err="1"/>
+                  <a:t>Recrear</a:t>
+                </a:r>
+                <a:r>
+                  <a:rPr lang="en-US" sz="2800" dirty="0"/>
+                  <a:t> el </a:t>
+                </a:r>
+                <a:r>
+                  <a:rPr lang="en-US" sz="2800" dirty="0" err="1"/>
+                  <a:t>universo</a:t>
+                </a:r>
+                <a:r>
+                  <a:rPr lang="en-US" sz="2800" dirty="0"/>
+                  <a:t> </a:t>
+                </a:r>
+                <a:r>
+                  <a:rPr lang="en-US" sz="2800" dirty="0" err="1"/>
+                  <a:t>primitivo</a:t>
+                </a:r>
+                <a:r>
+                  <a:rPr lang="en-US" sz="2800" dirty="0"/>
+                  <a:t> </a:t>
+                </a:r>
+                <a:r>
+                  <a:rPr lang="en-US" sz="2800" dirty="0" err="1"/>
+                  <a:t>unos</a:t>
+                </a:r>
+                <a:r>
+                  <a:rPr lang="en-US" sz="2800" dirty="0"/>
+                  <a:t> </a:t>
+                </a:r>
+                <a:r>
+                  <a:rPr lang="en-US" sz="2800" dirty="0" err="1"/>
+                  <a:t>segundos</a:t>
+                </a:r>
+                <a:r>
+                  <a:rPr lang="en-US" sz="2800" dirty="0"/>
+                  <a:t> </a:t>
+                </a:r>
+                <a:r>
+                  <a:rPr lang="en-US" sz="2800" dirty="0" err="1"/>
+                  <a:t>después</a:t>
+                </a:r>
+                <a:r>
+                  <a:rPr lang="en-US" sz="2800" dirty="0"/>
+                  <a:t> del Big Bang</a:t>
+                </a:r>
+              </a:p>
+              <a:p>
+                <a:pPr>
+                  <a:buFont typeface="Courier New" panose="02070309020205020404" pitchFamily="49" charset="0"/>
+                  <a:buChar char="o"/>
+                </a:pPr>
+                <a:r>
+                  <a:rPr lang="en-US" sz="2800" dirty="0" err="1"/>
+                  <a:t>Resultado</a:t>
+                </a:r>
+                <a:r>
+                  <a:rPr lang="en-US" sz="2800" dirty="0"/>
+                  <a:t> </a:t>
+                </a:r>
+                <a:r>
+                  <a:rPr lang="en-US" sz="2800" dirty="0" err="1"/>
+                  <a:t>más</a:t>
+                </a:r>
+                <a:r>
+                  <a:rPr lang="en-US" sz="2800" dirty="0"/>
+                  <a:t> </a:t>
+                </a:r>
+                <a:r>
+                  <a:rPr lang="en-US" sz="2800" dirty="0" err="1"/>
+                  <a:t>importante</a:t>
+                </a:r>
+                <a:r>
+                  <a:rPr lang="en-US" sz="2800" dirty="0"/>
+                  <a:t>: </a:t>
+                </a:r>
+                <a:r>
+                  <a:rPr lang="es-MX" sz="2800" dirty="0"/>
+                  <a:t>Descubrimiento</a:t>
+                </a:r>
+                <a:r>
+                  <a:rPr lang="en-US" sz="2800" dirty="0"/>
+                  <a:t> del </a:t>
+                </a:r>
+                <a:r>
+                  <a:rPr lang="es-MX" sz="2800" dirty="0"/>
+                  <a:t>bosón</a:t>
+                </a:r>
+                <a:r>
+                  <a:rPr lang="en-US" sz="2800" dirty="0"/>
+                  <a:t> de Higgs</a:t>
+                </a:r>
+              </a:p>
+            </p:txBody>
+          </p:sp>
+        </mc:Choice>
+        <mc:Fallback>
+          <p:sp>
+            <p:nvSpPr>
+              <p:cNvPr id="11" name="Content Placeholder 10">
+                <a:extLst>
+                  <a:ext uri="{FF2B5EF4-FFF2-40B4-BE49-F238E27FC236}">
+                    <a16:creationId xmlns:a16="http://schemas.microsoft.com/office/drawing/2014/main" id="{7A0E857C-5904-4633-9B6E-C26ADCDF46CB}"/>
+                  </a:ext>
+                </a:extLst>
+              </p:cNvPr>
+              <p:cNvSpPr>
+                <a:spLocks noGrp="1" noRot="1" noChangeAspect="1" noMove="1" noResize="1" noEditPoints="1" noAdjustHandles="1" noChangeArrowheads="1" noChangeShapeType="1" noTextEdit="1"/>
+              </p:cNvSpPr>
+              <p:nvPr>
+                <p:ph idx="1"/>
+              </p:nvPr>
+            </p:nvSpPr>
+            <p:spPr>
+              <a:xfrm>
+                <a:off x="1380067" y="2006601"/>
+                <a:ext cx="9437159" cy="3784600"/>
+              </a:xfrm>
+              <a:blipFill>
+                <a:blip r:embed="rId5"/>
+                <a:stretch>
+                  <a:fillRect l="-1163" b="-1932"/>
+                </a:stretch>
+              </a:blipFill>
+            </p:spPr>
+            <p:txBody>
+              <a:bodyPr/>
+              <a:lstStyle/>
+              <a:p>
+                <a:r>
+                  <a:rPr lang="es-MX">
+                    <a:noFill/>
+                  </a:rPr>
+                  <a:t> </a:t>
+                </a:r>
+              </a:p>
+            </p:txBody>
+          </p:sp>
+        </mc:Fallback>
+      </mc:AlternateContent>
+      <p:sp>
+        <p:nvSpPr>
+          <p:cNvPr id="4" name="Marcador de número de diapositiva 3">
+            <a:extLst>
+              <a:ext uri="{FF2B5EF4-FFF2-40B4-BE49-F238E27FC236}">
+                <a16:creationId xmlns:a16="http://schemas.microsoft.com/office/drawing/2014/main" id="{C64C80BF-9DC6-40B6-B60F-8552E4CF47E7}"/>
+              </a:ext>
+            </a:extLst>
+          </p:cNvPr>
+          <p:cNvSpPr>
+            <a:spLocks noGrp="1"/>
+          </p:cNvSpPr>
+          <p:nvPr>
+            <p:ph type="sldNum" sz="quarter" idx="12"/>
+          </p:nvPr>
+        </p:nvSpPr>
+        <p:spPr>
+          <a:xfrm>
+            <a:off x="10266060" y="5870575"/>
+            <a:ext cx="551167" cy="377825"/>
+          </a:xfrm>
+        </p:spPr>
+        <p:txBody>
+          <a:bodyPr>
+            <a:noAutofit/>
+          </a:bodyPr>
+          <a:lstStyle/>
+          <a:p>
+            <a:pPr>
+              <a:spcAft>
+                <a:spcPts val="600"/>
+              </a:spcAft>
+            </a:pPr>
+            <a:fld id="{D57F1E4F-1CFF-5643-939E-217C01CDF565}" type="slidenum">
+              <a:rPr lang="en-US" sz="2800" smtClean="0"/>
+              <a:pPr>
+                <a:spcAft>
+                  <a:spcPts val="600"/>
+                </a:spcAft>
+              </a:pPr>
+              <a:t>4</a:t>
+            </a:fld>
+            <a:endParaRPr lang="en-US" sz="2800" dirty="0"/>
+          </a:p>
+        </p:txBody>
+      </p:sp>
+    </p:spTree>
+    <p:extLst>
+      <p:ext uri="{BB962C8B-B14F-4D97-AF65-F5344CB8AC3E}">
+        <p14:creationId xmlns:p14="http://schemas.microsoft.com/office/powerpoint/2010/main" val="2205269029"/>
+      </p:ext>
+    </p:extLst>
+  </p:cSld>
+  <p:clrMapOvr>
+    <a:masterClrMapping/>
+  </p:clrMapOvr>
+</p:sld>
+</file>
+
+<file path=ppt/slides/slide5.xml><?xml version="1.0" encoding="utf-8"?>
+<p:sld xmlns:a="http://schemas.openxmlformats.org/drawingml/2006/main" xmlns:r="http://schemas.openxmlformats.org/officeDocument/2006/relationships" xmlns:p="http://schemas.openxmlformats.org/presentationml/2006/main">
+  <p:cSld>
+    <p:bg>
+      <p:bgPr>
+        <a:solidFill>
+          <a:schemeClr val="bg1"/>
+        </a:solidFill>
+        <a:effectLst/>
+      </p:bgPr>
+    </p:bg>
+    <p:spTree>
+      <p:nvGrpSpPr>
+        <p:cNvPr id="1" name=""/>
+        <p:cNvGrpSpPr/>
+        <p:nvPr/>
+      </p:nvGrpSpPr>
+      <p:grpSpPr>
+        <a:xfrm>
+          <a:off x="0" y="0"/>
+          <a:ext cx="0" cy="0"/>
+          <a:chOff x="0" y="0"/>
+          <a:chExt cx="0" cy="0"/>
+        </a:xfrm>
+      </p:grpSpPr>
+      <p:sp useBgFill="1">
+        <p:nvSpPr>
+          <p:cNvPr id="18" name="Rectangle 13">
+            <a:extLst>
+              <a:ext uri="{FF2B5EF4-FFF2-40B4-BE49-F238E27FC236}">
+                <a16:creationId xmlns:a16="http://schemas.microsoft.com/office/drawing/2014/main" id="{CBD94887-6A10-4F62-8EE1-B2BCFA1F380F}"/>
+              </a:ext>
+              <a:ext uri="{C183D7F6-B498-43B3-948B-1728B52AA6E4}">
+                <adec:decorative xmlns:adec="http://schemas.microsoft.com/office/drawing/2017/decorative" val="1"/>
+              </a:ext>
+            </a:extLst>
+          </p:cNvPr>
+          <p:cNvSpPr>
+            <a:spLocks noGrp="1" noRot="1" noChangeAspect="1" noMove="1" noResize="1" noEditPoints="1" noAdjustHandles="1" noChangeArrowheads="1" noChangeShapeType="1" noTextEdit="1"/>
+          </p:cNvSpPr>
+          <p:nvPr>
+            <p:extLst>
+              <p:ext uri="{386F3935-93C4-4BCD-93E2-E3B085C9AB24}">
+                <p16:designElem xmlns:p16="http://schemas.microsoft.com/office/powerpoint/2015/main" val="1"/>
+              </p:ext>
+            </p:extLst>
+          </p:nvPr>
+        </p:nvSpPr>
+        <p:spPr>
+          <a:xfrm>
+            <a:off x="-3175" y="-1786"/>
+            <a:ext cx="12188825" cy="6856214"/>
+          </a:xfrm>
+          <a:prstGeom prst="rect">
+            <a:avLst/>
+          </a:prstGeom>
+          <a:ln>
+            <a:noFill/>
+          </a:ln>
+        </p:spPr>
+        <p:style>
+          <a:lnRef idx="2">
+            <a:schemeClr val="accent1">
+              <a:shade val="50000"/>
+            </a:schemeClr>
+          </a:lnRef>
+          <a:fillRef idx="1">
+            <a:schemeClr val="accent1"/>
+          </a:fillRef>
+          <a:effectRef idx="0">
+            <a:schemeClr val="accent1"/>
+          </a:effectRef>
+          <a:fontRef idx="minor">
+            <a:schemeClr val="lt1"/>
+          </a:fontRef>
+        </p:style>
+        <p:txBody>
+          <a:bodyPr rtlCol="0" anchor="ctr"/>
+          <a:lstStyle/>
+          <a:p>
+            <a:pPr algn="ctr"/>
+            <a:endParaRPr lang="en-US"/>
+          </a:p>
+        </p:txBody>
+      </p:sp>
+      <p:pic>
+        <p:nvPicPr>
+          <p:cNvPr id="19" name="Marcador de contenido 5">
+            <a:extLst>
+              <a:ext uri="{FF2B5EF4-FFF2-40B4-BE49-F238E27FC236}">
+                <a16:creationId xmlns:a16="http://schemas.microsoft.com/office/drawing/2014/main" id="{89F3C064-4D2F-48C6-BD88-4624EC68591C}"/>
+              </a:ext>
+            </a:extLst>
+          </p:cNvPr>
+          <p:cNvPicPr>
+            <a:picLocks noChangeAspect="1"/>
+          </p:cNvPicPr>
+          <p:nvPr/>
+        </p:nvPicPr>
+        <p:blipFill rotWithShape="1">
+          <a:blip r:embed="rId2">
+            <a:alphaModFix amt="25000"/>
+          </a:blip>
+          <a:srcRect t="24151" b="849"/>
+          <a:stretch/>
+        </p:blipFill>
+        <p:spPr>
+          <a:xfrm>
+            <a:off x="20" y="10"/>
+            <a:ext cx="12191980" cy="6857990"/>
+          </a:xfrm>
+          <a:prstGeom prst="rect">
+            <a:avLst/>
+          </a:prstGeom>
+        </p:spPr>
+      </p:pic>
+      <p:pic>
+        <p:nvPicPr>
+          <p:cNvPr id="20" name="Picture 15">
+            <a:extLst>
+              <a:ext uri="{FF2B5EF4-FFF2-40B4-BE49-F238E27FC236}">
+                <a16:creationId xmlns:a16="http://schemas.microsoft.com/office/drawing/2014/main" id="{A3D512BA-228A-4979-9312-ACD246E1099D}"/>
+              </a:ext>
+              <a:ext uri="{C183D7F6-B498-43B3-948B-1728B52AA6E4}">
+                <adec:decorative xmlns:adec="http://schemas.microsoft.com/office/drawing/2017/decorative" val="1"/>
+              </a:ext>
+            </a:extLst>
+          </p:cNvPr>
+          <p:cNvPicPr>
+            <a:picLocks noGrp="1" noRot="1" noChangeAspect="1" noMove="1" noResize="1" noEditPoints="1" noAdjustHandles="1" noChangeArrowheads="1" noChangeShapeType="1" noCrop="1"/>
+          </p:cNvPicPr>
+          <p:nvPr>
+            <p:extLst>
+              <p:ext uri="{386F3935-93C4-4BCD-93E2-E3B085C9AB24}">
+                <p16:designElem xmlns:p16="http://schemas.microsoft.com/office/powerpoint/2015/main" val="1"/>
+              </p:ext>
+            </p:extLst>
+          </p:nvPr>
+        </p:nvPicPr>
+        <p:blipFill>
+          <a:blip r:embed="rId3">
+            <a:alphaModFix amt="39000"/>
+            <a:extLst>
+              <a:ext uri="{28A0092B-C50C-407E-A947-70E740481C1C}">
+                <a14:useLocalDpi xmlns:a14="http://schemas.microsoft.com/office/drawing/2010/main" val="0"/>
+              </a:ext>
+            </a:extLst>
+          </a:blip>
+          <a:stretch>
+            <a:fillRect/>
+          </a:stretch>
+        </p:blipFill>
+        <p:spPr>
+          <a:xfrm>
+            <a:off x="1588" y="893"/>
+            <a:ext cx="12188825" cy="6856214"/>
+          </a:xfrm>
+          <a:prstGeom prst="rect">
+            <a:avLst/>
+          </a:prstGeom>
+        </p:spPr>
+      </p:pic>
+      <p:sp>
+        <p:nvSpPr>
+          <p:cNvPr id="2" name="Título 1">
+            <a:extLst>
+              <a:ext uri="{FF2B5EF4-FFF2-40B4-BE49-F238E27FC236}">
+                <a16:creationId xmlns:a16="http://schemas.microsoft.com/office/drawing/2014/main" id="{CCD78BA8-D38D-4029-A173-FF0A136C9A41}"/>
+              </a:ext>
+            </a:extLst>
+          </p:cNvPr>
+          <p:cNvSpPr>
+            <a:spLocks noGrp="1"/>
+          </p:cNvSpPr>
+          <p:nvPr>
+            <p:ph type="title"/>
+          </p:nvPr>
+        </p:nvSpPr>
+        <p:spPr>
+          <a:xfrm>
+            <a:off x="685801" y="609600"/>
+            <a:ext cx="10131425" cy="1456267"/>
+          </a:xfrm>
+        </p:spPr>
+        <p:txBody>
+          <a:bodyPr>
+            <a:normAutofit/>
+          </a:bodyPr>
+          <a:lstStyle/>
+          <a:p>
+            <a:pPr algn="ctr"/>
+            <a:r>
+              <a:rPr lang="es-MX" sz="5400" dirty="0" err="1"/>
+              <a:t>Bettytron</a:t>
+            </a:r>
+            <a:endParaRPr lang="es-MX" sz="5400" dirty="0"/>
+          </a:p>
+        </p:txBody>
+      </p:sp>
+      <mc:AlternateContent xmlns:mc="http://schemas.openxmlformats.org/markup-compatibility/2006">
+        <mc:Choice xmlns:a14="http://schemas.microsoft.com/office/drawing/2010/main" Requires="a14">
+          <p:sp>
+            <p:nvSpPr>
+              <p:cNvPr id="21" name="Content Placeholder 10">
+                <a:extLst>
+                  <a:ext uri="{FF2B5EF4-FFF2-40B4-BE49-F238E27FC236}">
+                    <a16:creationId xmlns:a16="http://schemas.microsoft.com/office/drawing/2014/main" id="{D60BE8C2-EC59-4323-807F-7559D2804C6A}"/>
+                  </a:ext>
+                </a:extLst>
+              </p:cNvPr>
+              <p:cNvSpPr>
+                <a:spLocks noGrp="1"/>
+              </p:cNvSpPr>
+              <p:nvPr>
+                <p:ph idx="1"/>
+              </p:nvPr>
+            </p:nvSpPr>
+            <p:spPr>
+              <a:xfrm>
+                <a:off x="685801" y="2142067"/>
+                <a:ext cx="10131425" cy="3649133"/>
+              </a:xfrm>
+            </p:spPr>
+            <p:txBody>
+              <a:bodyPr>
+                <a:normAutofit/>
+              </a:bodyPr>
+              <a:lstStyle/>
+              <a:p>
+                <a:pPr>
+                  <a:buFont typeface="Courier New" panose="02070309020205020404" pitchFamily="49" charset="0"/>
+                  <a:buChar char="o"/>
+                </a:pPr>
+                <a:r>
+                  <a:rPr lang="en-US" sz="2800" dirty="0"/>
+                  <a:t>Localización: </a:t>
+                </a:r>
+                <a:r>
+                  <a:rPr lang="en-US" sz="2800" dirty="0" err="1"/>
+                  <a:t>Edificio</a:t>
+                </a:r>
+                <a:r>
+                  <a:rPr lang="en-US" sz="2800" dirty="0"/>
+                  <a:t> </a:t>
+                </a:r>
+                <a:r>
+                  <a:rPr lang="en-US" sz="2800" dirty="0" err="1"/>
+                  <a:t>Tlahuizclapan</a:t>
+                </a:r>
+                <a:r>
+                  <a:rPr lang="en-US" sz="2800" dirty="0"/>
+                  <a:t>, </a:t>
+                </a:r>
+                <a:r>
+                  <a:rPr lang="en-US" sz="2800" dirty="0" err="1"/>
+                  <a:t>Facultad</a:t>
+                </a:r>
+                <a:r>
+                  <a:rPr lang="en-US" sz="2800" dirty="0"/>
+                  <a:t> de </a:t>
+                </a:r>
+                <a:r>
+                  <a:rPr lang="en-US" sz="2800" dirty="0" err="1"/>
+                  <a:t>Ciencias</a:t>
+                </a:r>
+                <a:endParaRPr lang="en-US" sz="2800" dirty="0"/>
+              </a:p>
+              <a:p>
+                <a:pPr>
+                  <a:buFont typeface="Courier New" panose="02070309020205020404" pitchFamily="49" charset="0"/>
+                  <a:buChar char="o"/>
+                </a:pPr>
+                <a:r>
+                  <a:rPr lang="en-US" sz="2800" dirty="0" err="1"/>
+                  <a:t>Extensión</a:t>
+                </a:r>
+                <a:r>
+                  <a:rPr lang="en-US" sz="2800" dirty="0"/>
+                  <a:t>: 130 cm</a:t>
+                </a:r>
+              </a:p>
+              <a:p>
+                <a:pPr>
+                  <a:buFont typeface="Courier New" panose="02070309020205020404" pitchFamily="49" charset="0"/>
+                  <a:buChar char="o"/>
+                </a:pPr>
+                <a:r>
+                  <a:rPr lang="en-US" sz="2800" dirty="0" err="1"/>
+                  <a:t>Energías</a:t>
+                </a:r>
+                <a:r>
+                  <a:rPr lang="en-US" sz="2800" dirty="0"/>
+                  <a:t> </a:t>
+                </a:r>
+                <a:r>
+                  <a:rPr lang="en-US" sz="2800" dirty="0" err="1"/>
+                  <a:t>alcanzadas</a:t>
+                </a:r>
+                <a:r>
+                  <a:rPr lang="en-US" sz="2800" dirty="0"/>
+                  <a:t>: 10 keV (1x</a:t>
+                </a:r>
+                <a14:m>
+                  <m:oMath xmlns:m="http://schemas.openxmlformats.org/officeDocument/2006/math">
+                    <m:r>
+                      <a:rPr lang="es-MX" sz="2800" i="1" dirty="0">
+                        <a:latin typeface="Cambria Math" panose="02040503050406030204" pitchFamily="18" charset="0"/>
+                      </a:rPr>
+                      <m:t> </m:t>
+                    </m:r>
+                    <m:sSup>
+                      <m:sSupPr>
+                        <m:ctrlPr>
+                          <a:rPr lang="es-MX" sz="2800" i="1">
+                            <a:latin typeface="Cambria Math" panose="02040503050406030204" pitchFamily="18" charset="0"/>
+                          </a:rPr>
+                        </m:ctrlPr>
+                      </m:sSupPr>
+                      <m:e>
+                        <m:r>
+                          <a:rPr lang="es-MX" sz="2800" i="1">
+                            <a:latin typeface="Cambria Math" panose="02040503050406030204" pitchFamily="18" charset="0"/>
+                          </a:rPr>
+                          <m:t>10</m:t>
+                        </m:r>
+                      </m:e>
+                      <m:sup>
+                        <m:r>
+                          <a:rPr lang="es-MX" sz="2800" b="0" i="1" smtClean="0">
+                            <a:latin typeface="Cambria Math" panose="02040503050406030204" pitchFamily="18" charset="0"/>
+                          </a:rPr>
+                          <m:t>3</m:t>
+                        </m:r>
+                      </m:sup>
+                    </m:sSup>
+                  </m:oMath>
+                </a14:m>
+                <a:r>
+                  <a:rPr lang="en-US" sz="2800" dirty="0"/>
+                  <a:t> eV)</a:t>
+                </a:r>
+              </a:p>
+              <a:p>
+                <a:pPr>
+                  <a:buFont typeface="Courier New" panose="02070309020205020404" pitchFamily="49" charset="0"/>
+                  <a:buChar char="o"/>
+                </a:pPr>
+                <a:r>
+                  <a:rPr lang="en-US" sz="2800" dirty="0" err="1"/>
+                  <a:t>Objetivo</a:t>
+                </a:r>
+                <a:r>
+                  <a:rPr lang="en-US" sz="2800" dirty="0"/>
+                  <a:t>: </a:t>
+                </a:r>
+                <a:r>
+                  <a:rPr lang="en-US" sz="2800" dirty="0" err="1"/>
+                  <a:t>Obtener</a:t>
+                </a:r>
+                <a:r>
+                  <a:rPr lang="en-US" sz="2800" dirty="0"/>
+                  <a:t> </a:t>
+                </a:r>
+                <a:r>
+                  <a:rPr lang="en-US" sz="2800" dirty="0" err="1"/>
+                  <a:t>secciones</a:t>
+                </a:r>
+                <a:r>
+                  <a:rPr lang="en-US" sz="2800" dirty="0"/>
+                  <a:t> </a:t>
+                </a:r>
+                <a:r>
+                  <a:rPr lang="en-US" sz="2800" dirty="0" err="1"/>
+                  <a:t>eficaces</a:t>
+                </a:r>
+                <a:r>
+                  <a:rPr lang="en-US" sz="2800" dirty="0"/>
+                  <a:t> de las </a:t>
+                </a:r>
+                <a:r>
+                  <a:rPr lang="en-US" sz="2800" dirty="0" err="1"/>
+                  <a:t>colisiones</a:t>
+                </a:r>
+                <a:r>
+                  <a:rPr lang="en-US" sz="2800" dirty="0"/>
+                  <a:t> y </a:t>
+                </a:r>
+                <a:r>
+                  <a:rPr lang="en-US" sz="2800" dirty="0" err="1"/>
+                  <a:t>estudiar</a:t>
+                </a:r>
+                <a:r>
+                  <a:rPr lang="en-US" sz="2800" dirty="0"/>
+                  <a:t> </a:t>
+                </a:r>
+                <a:r>
+                  <a:rPr lang="en-US" sz="2800" dirty="0" err="1"/>
+                  <a:t>procesos</a:t>
+                </a:r>
+                <a:r>
+                  <a:rPr lang="en-US" sz="2800" dirty="0"/>
+                  <a:t> </a:t>
+                </a:r>
+                <a:r>
+                  <a:rPr lang="en-US" sz="2800" dirty="0" err="1"/>
+                  <a:t>atmosféricos</a:t>
+                </a:r>
+                <a:endParaRPr lang="en-US" sz="2800" dirty="0"/>
+              </a:p>
+              <a:p>
+                <a:pPr>
+                  <a:buFont typeface="Courier New" panose="02070309020205020404" pitchFamily="49" charset="0"/>
+                  <a:buChar char="o"/>
+                </a:pPr>
+                <a:r>
+                  <a:rPr lang="en-US" sz="2800" dirty="0" err="1"/>
+                  <a:t>Resultado</a:t>
+                </a:r>
+                <a:r>
+                  <a:rPr lang="en-US" sz="2800" dirty="0"/>
+                  <a:t> </a:t>
+                </a:r>
+                <a:r>
+                  <a:rPr lang="en-US" sz="2800" dirty="0" err="1"/>
+                  <a:t>más</a:t>
+                </a:r>
+                <a:r>
+                  <a:rPr lang="en-US" sz="2800" dirty="0"/>
+                  <a:t> memorable: Tal </a:t>
+                </a:r>
+                <a:r>
+                  <a:rPr lang="en-US" sz="2800" dirty="0" err="1"/>
+                  <a:t>vez</a:t>
+                </a:r>
+                <a:r>
+                  <a:rPr lang="en-US" sz="2800" dirty="0"/>
+                  <a:t> el </a:t>
+                </a:r>
+                <a:r>
+                  <a:rPr lang="es-MX" sz="2800" dirty="0"/>
+                  <a:t>que escuchen hoy</a:t>
+                </a:r>
+                <a:endParaRPr lang="en-US" sz="2800" dirty="0"/>
+              </a:p>
+              <a:p>
+                <a:endParaRPr lang="en-US" dirty="0"/>
+              </a:p>
+            </p:txBody>
+          </p:sp>
+        </mc:Choice>
+        <mc:Fallback>
+          <p:sp>
+            <p:nvSpPr>
+              <p:cNvPr id="21" name="Content Placeholder 10">
+                <a:extLst>
+                  <a:ext uri="{FF2B5EF4-FFF2-40B4-BE49-F238E27FC236}">
+                    <a16:creationId xmlns:a16="http://schemas.microsoft.com/office/drawing/2014/main" id="{D60BE8C2-EC59-4323-807F-7559D2804C6A}"/>
+                  </a:ext>
+                </a:extLst>
+              </p:cNvPr>
+              <p:cNvSpPr>
+                <a:spLocks noGrp="1" noRot="1" noChangeAspect="1" noMove="1" noResize="1" noEditPoints="1" noAdjustHandles="1" noChangeArrowheads="1" noChangeShapeType="1" noTextEdit="1"/>
+              </p:cNvSpPr>
+              <p:nvPr>
+                <p:ph idx="1"/>
+              </p:nvPr>
+            </p:nvSpPr>
+            <p:spPr>
+              <a:xfrm>
+                <a:off x="685801" y="2142067"/>
+                <a:ext cx="10131425" cy="3649133"/>
+              </a:xfrm>
+              <a:blipFill>
+                <a:blip r:embed="rId4"/>
+                <a:stretch>
+                  <a:fillRect l="-1084" t="-334"/>
+                </a:stretch>
+              </a:blipFill>
+            </p:spPr>
+            <p:txBody>
+              <a:bodyPr/>
+              <a:lstStyle/>
+              <a:p>
+                <a:r>
+                  <a:rPr lang="es-MX">
+                    <a:noFill/>
+                  </a:rPr>
+                  <a:t> </a:t>
+                </a:r>
+              </a:p>
+            </p:txBody>
+          </p:sp>
+        </mc:Fallback>
+      </mc:AlternateContent>
+      <p:sp>
+        <p:nvSpPr>
+          <p:cNvPr id="4" name="Marcador de número de diapositiva 3">
+            <a:extLst>
+              <a:ext uri="{FF2B5EF4-FFF2-40B4-BE49-F238E27FC236}">
+                <a16:creationId xmlns:a16="http://schemas.microsoft.com/office/drawing/2014/main" id="{497FC784-CE3A-4F87-B69E-37389110973D}"/>
+              </a:ext>
+            </a:extLst>
+          </p:cNvPr>
+          <p:cNvSpPr>
+            <a:spLocks noGrp="1"/>
+          </p:cNvSpPr>
+          <p:nvPr>
+            <p:ph type="sldNum" sz="quarter" idx="12"/>
+          </p:nvPr>
+        </p:nvSpPr>
+        <p:spPr>
+          <a:xfrm>
+            <a:off x="10266060" y="5870575"/>
+            <a:ext cx="551167" cy="377825"/>
+          </a:xfrm>
+        </p:spPr>
+        <p:txBody>
+          <a:bodyPr>
+            <a:noAutofit/>
+          </a:bodyPr>
+          <a:lstStyle/>
+          <a:p>
+            <a:pPr>
+              <a:spcAft>
+                <a:spcPts val="600"/>
+              </a:spcAft>
+            </a:pPr>
+            <a:fld id="{D57F1E4F-1CFF-5643-939E-217C01CDF565}" type="slidenum">
+              <a:rPr lang="en-US" sz="2800" smtClean="0"/>
+              <a:pPr>
+                <a:spcAft>
+                  <a:spcPts val="600"/>
+                </a:spcAft>
+              </a:pPr>
+              <a:t>5</a:t>
+            </a:fld>
+            <a:endParaRPr lang="en-US" sz="2800" dirty="0"/>
+          </a:p>
+        </p:txBody>
+      </p:sp>
+    </p:spTree>
+    <p:extLst>
+      <p:ext uri="{BB962C8B-B14F-4D97-AF65-F5344CB8AC3E}">
+        <p14:creationId xmlns:p14="http://schemas.microsoft.com/office/powerpoint/2010/main" val="3588190160"/>
+      </p:ext>
+    </p:extLst>
+  </p:cSld>
+  <p:clrMapOvr>
+    <a:masterClrMapping/>
+  </p:clrMapOvr>
+</p:sld>
+</file>
+
+<file path=ppt/slides/slide6.xml><?xml version="1.0" encoding="utf-8"?>
+<p:sld xmlns:a="http://schemas.openxmlformats.org/drawingml/2006/main" xmlns:r="http://schemas.openxmlformats.org/officeDocument/2006/relationships" xmlns:p="http://schemas.openxmlformats.org/presentationml/2006/main">
+  <p:cSld>
+    <p:spTree>
+      <p:nvGrpSpPr>
+        <p:cNvPr id="1" name=""/>
+        <p:cNvGrpSpPr/>
+        <p:nvPr/>
+      </p:nvGrpSpPr>
+      <p:grpSpPr>
+        <a:xfrm>
+          <a:off x="0" y="0"/>
+          <a:ext cx="0" cy="0"/>
+          <a:chOff x="0" y="0"/>
+          <a:chExt cx="0" cy="0"/>
+        </a:xfrm>
+      </p:grpSpPr>
+      <p:sp>
+        <p:nvSpPr>
+          <p:cNvPr id="2" name="Título 1">
+            <a:extLst>
+              <a:ext uri="{FF2B5EF4-FFF2-40B4-BE49-F238E27FC236}">
+                <a16:creationId xmlns:a16="http://schemas.microsoft.com/office/drawing/2014/main" id="{8A81D7E6-6069-4B86-A5BA-CF01C6EFB716}"/>
+              </a:ext>
+            </a:extLst>
+          </p:cNvPr>
+          <p:cNvSpPr>
+            <a:spLocks noGrp="1"/>
+          </p:cNvSpPr>
+          <p:nvPr>
+            <p:ph type="title"/>
+          </p:nvPr>
+        </p:nvSpPr>
+        <p:spPr/>
+        <p:txBody>
+          <a:bodyPr/>
+          <a:lstStyle/>
+          <a:p>
+            <a:r>
+              <a:rPr lang="es-MX" dirty="0"/>
+              <a:t>Funcionamiento del Acelerador</a:t>
+            </a:r>
+          </a:p>
+        </p:txBody>
+      </p:sp>
+      <p:sp>
+        <p:nvSpPr>
+          <p:cNvPr id="4" name="Marcador de número de diapositiva 3">
+            <a:extLst>
+              <a:ext uri="{FF2B5EF4-FFF2-40B4-BE49-F238E27FC236}">
+                <a16:creationId xmlns:a16="http://schemas.microsoft.com/office/drawing/2014/main" id="{EEC7BAB9-012F-49EC-A424-BFA788820A05}"/>
+              </a:ext>
+            </a:extLst>
+          </p:cNvPr>
+          <p:cNvSpPr>
+            <a:spLocks noGrp="1"/>
+          </p:cNvSpPr>
+          <p:nvPr>
+            <p:ph type="sldNum" sz="quarter" idx="12"/>
+          </p:nvPr>
+        </p:nvSpPr>
+        <p:spPr/>
+        <p:txBody>
+          <a:bodyPr/>
+          <a:lstStyle/>
+          <a:p>
+            <a:fld id="{D57F1E4F-1CFF-5643-939E-217C01CDF565}" type="slidenum">
+              <a:rPr lang="en-US" sz="2800" smtClean="0"/>
+              <a:pPr/>
+              <a:t>6</a:t>
+            </a:fld>
+            <a:endParaRPr lang="en-US" sz="2800" dirty="0"/>
+          </a:p>
+        </p:txBody>
+      </p:sp>
+      <p:sp>
+        <p:nvSpPr>
+          <p:cNvPr id="6" name="CuadroTexto 5">
+            <a:extLst>
+              <a:ext uri="{FF2B5EF4-FFF2-40B4-BE49-F238E27FC236}">
+                <a16:creationId xmlns:a16="http://schemas.microsoft.com/office/drawing/2014/main" id="{0B63127D-D7DE-4869-9E16-C35F3003F52D}"/>
+              </a:ext>
+            </a:extLst>
+          </p:cNvPr>
+          <p:cNvSpPr txBox="1"/>
+          <p:nvPr/>
+        </p:nvSpPr>
+        <p:spPr>
+          <a:xfrm>
+            <a:off x="790222" y="2065867"/>
+            <a:ext cx="2269067" cy="830997"/>
+          </a:xfrm>
+          <a:prstGeom prst="rect">
+            <a:avLst/>
+          </a:prstGeom>
+          <a:solidFill>
+            <a:srgbClr val="0070C0"/>
+          </a:solidFill>
+          <a:ln w="73025">
+            <a:solidFill>
+              <a:schemeClr val="bg2"/>
+            </a:solidFill>
+          </a:ln>
+        </p:spPr>
+        <p:txBody>
+          <a:bodyPr wrap="square" rtlCol="0">
+            <a:spAutoFit/>
+          </a:bodyPr>
+          <a:lstStyle/>
+          <a:p>
+            <a:pPr algn="ctr"/>
+            <a:r>
+              <a:rPr lang="es-MX" sz="2400" dirty="0"/>
+              <a:t>Generación de iones</a:t>
+            </a:r>
+          </a:p>
+        </p:txBody>
+      </p:sp>
+      <p:sp>
+        <p:nvSpPr>
+          <p:cNvPr id="7" name="CuadroTexto 6">
+            <a:extLst>
+              <a:ext uri="{FF2B5EF4-FFF2-40B4-BE49-F238E27FC236}">
+                <a16:creationId xmlns:a16="http://schemas.microsoft.com/office/drawing/2014/main" id="{83EC178C-6FCF-48D8-9D10-5F4BEE99B0CF}"/>
+              </a:ext>
+            </a:extLst>
+          </p:cNvPr>
+          <p:cNvSpPr txBox="1"/>
+          <p:nvPr/>
+        </p:nvSpPr>
+        <p:spPr>
+          <a:xfrm>
+            <a:off x="8548159" y="2065867"/>
+            <a:ext cx="2269067" cy="830997"/>
+          </a:xfrm>
+          <a:prstGeom prst="rect">
+            <a:avLst/>
+          </a:prstGeom>
+          <a:solidFill>
+            <a:srgbClr val="0070C0"/>
+          </a:solidFill>
+          <a:ln w="73025">
+            <a:solidFill>
+              <a:schemeClr val="bg2"/>
+            </a:solidFill>
+          </a:ln>
+        </p:spPr>
+        <p:txBody>
+          <a:bodyPr wrap="square" rtlCol="0">
+            <a:spAutoFit/>
+          </a:bodyPr>
+          <a:lstStyle/>
+          <a:p>
+            <a:pPr algn="ctr"/>
+            <a:r>
+              <a:rPr lang="es-MX" sz="2400" dirty="0"/>
+              <a:t>Colisión en Zona de Reacción</a:t>
+            </a:r>
+          </a:p>
+        </p:txBody>
+      </p:sp>
+      <p:sp>
+        <p:nvSpPr>
+          <p:cNvPr id="8" name="CuadroTexto 7">
+            <a:extLst>
+              <a:ext uri="{FF2B5EF4-FFF2-40B4-BE49-F238E27FC236}">
+                <a16:creationId xmlns:a16="http://schemas.microsoft.com/office/drawing/2014/main" id="{04D6B942-4B21-4E4D-B4D6-175FF7D3E0F5}"/>
+              </a:ext>
+            </a:extLst>
+          </p:cNvPr>
+          <p:cNvSpPr txBox="1"/>
+          <p:nvPr/>
+        </p:nvSpPr>
+        <p:spPr>
+          <a:xfrm>
+            <a:off x="4616979" y="2065867"/>
+            <a:ext cx="2269067" cy="830997"/>
+          </a:xfrm>
+          <a:prstGeom prst="rect">
+            <a:avLst/>
+          </a:prstGeom>
+          <a:solidFill>
+            <a:srgbClr val="0070C0"/>
+          </a:solidFill>
+          <a:ln w="73025">
+            <a:solidFill>
+              <a:schemeClr val="bg2"/>
+            </a:solidFill>
+          </a:ln>
+        </p:spPr>
+        <p:txBody>
+          <a:bodyPr wrap="square" rtlCol="0">
+            <a:spAutoFit/>
+          </a:bodyPr>
+          <a:lstStyle/>
+          <a:p>
+            <a:pPr algn="ctr"/>
+            <a:r>
+              <a:rPr lang="es-MX" sz="2400" dirty="0"/>
+              <a:t>Aceleración y Selección</a:t>
+            </a:r>
+          </a:p>
+        </p:txBody>
+      </p:sp>
+      <p:sp>
+        <p:nvSpPr>
+          <p:cNvPr id="9" name="Flecha: a la derecha 8">
+            <a:extLst>
+              <a:ext uri="{FF2B5EF4-FFF2-40B4-BE49-F238E27FC236}">
+                <a16:creationId xmlns:a16="http://schemas.microsoft.com/office/drawing/2014/main" id="{AE5A1729-3248-4869-AF13-D20CA1749F33}"/>
+              </a:ext>
+            </a:extLst>
+          </p:cNvPr>
+          <p:cNvSpPr/>
+          <p:nvPr/>
+        </p:nvSpPr>
+        <p:spPr>
+          <a:xfrm>
+            <a:off x="3214688" y="2193470"/>
+            <a:ext cx="1257300" cy="645082"/>
+          </a:xfrm>
+          <a:prstGeom prst="rightArrow">
+            <a:avLst/>
+          </a:prstGeom>
+        </p:spPr>
+        <p:style>
+          <a:lnRef idx="2">
+            <a:schemeClr val="accent1">
+              <a:shade val="50000"/>
+            </a:schemeClr>
+          </a:lnRef>
+          <a:fillRef idx="1">
+            <a:schemeClr val="accent1"/>
+          </a:fillRef>
+          <a:effectRef idx="0">
+            <a:schemeClr val="accent1"/>
+          </a:effectRef>
+          <a:fontRef idx="minor">
+            <a:schemeClr val="lt1"/>
+          </a:fontRef>
+        </p:style>
+        <p:txBody>
+          <a:bodyPr rtlCol="0" anchor="ctr"/>
+          <a:lstStyle/>
+          <a:p>
+            <a:pPr algn="ctr"/>
+            <a:endParaRPr lang="es-MX"/>
+          </a:p>
+        </p:txBody>
+      </p:sp>
+      <p:sp>
+        <p:nvSpPr>
+          <p:cNvPr id="10" name="Flecha: a la derecha 9">
+            <a:extLst>
+              <a:ext uri="{FF2B5EF4-FFF2-40B4-BE49-F238E27FC236}">
+                <a16:creationId xmlns:a16="http://schemas.microsoft.com/office/drawing/2014/main" id="{A2E967D3-2637-4CE8-A228-A5DA8005E6DF}"/>
+              </a:ext>
+            </a:extLst>
+          </p:cNvPr>
+          <p:cNvSpPr/>
+          <p:nvPr/>
+        </p:nvSpPr>
+        <p:spPr>
+          <a:xfrm>
+            <a:off x="7088452" y="2158824"/>
+            <a:ext cx="1257300" cy="645082"/>
+          </a:xfrm>
+          <a:prstGeom prst="rightArrow">
+            <a:avLst/>
+          </a:prstGeom>
+        </p:spPr>
+        <p:style>
+          <a:lnRef idx="2">
+            <a:schemeClr val="accent1">
+              <a:shade val="50000"/>
+            </a:schemeClr>
+          </a:lnRef>
+          <a:fillRef idx="1">
+            <a:schemeClr val="accent1"/>
+          </a:fillRef>
+          <a:effectRef idx="0">
+            <a:schemeClr val="accent1"/>
+          </a:effectRef>
+          <a:fontRef idx="minor">
+            <a:schemeClr val="lt1"/>
+          </a:fontRef>
+        </p:style>
+        <p:txBody>
+          <a:bodyPr rtlCol="0" anchor="ctr"/>
+          <a:lstStyle/>
+          <a:p>
+            <a:pPr algn="ctr"/>
+            <a:endParaRPr lang="es-MX"/>
+          </a:p>
+        </p:txBody>
+      </p:sp>
+      <p:sp>
+        <p:nvSpPr>
+          <p:cNvPr id="11" name="Flecha: hacia abajo 10">
+            <a:extLst>
+              <a:ext uri="{FF2B5EF4-FFF2-40B4-BE49-F238E27FC236}">
+                <a16:creationId xmlns:a16="http://schemas.microsoft.com/office/drawing/2014/main" id="{5FE3B670-FBF0-4C6A-A59C-3654A005895C}"/>
+              </a:ext>
+            </a:extLst>
+          </p:cNvPr>
+          <p:cNvSpPr/>
+          <p:nvPr/>
+        </p:nvSpPr>
+        <p:spPr>
+          <a:xfrm>
+            <a:off x="5380037" y="3035451"/>
+            <a:ext cx="742950" cy="1157288"/>
+          </a:xfrm>
+          <a:prstGeom prst="downArrow">
+            <a:avLst/>
+          </a:prstGeom>
+          <a:solidFill>
+            <a:schemeClr val="bg2">
+              <a:lumMod val="60000"/>
+              <a:lumOff val="40000"/>
+            </a:schemeClr>
+          </a:solidFill>
+          <a:ln w="28575">
+            <a:solidFill>
+              <a:schemeClr val="tx1"/>
+            </a:solidFill>
+            <a:prstDash val="dash"/>
+          </a:ln>
+        </p:spPr>
+        <p:style>
+          <a:lnRef idx="2">
+            <a:schemeClr val="accent1">
+              <a:shade val="50000"/>
+            </a:schemeClr>
+          </a:lnRef>
+          <a:fillRef idx="1">
+            <a:schemeClr val="accent1"/>
+          </a:fillRef>
+          <a:effectRef idx="0">
+            <a:schemeClr val="accent1"/>
+          </a:effectRef>
+          <a:fontRef idx="minor">
+            <a:schemeClr val="lt1"/>
+          </a:fontRef>
+        </p:style>
+        <p:txBody>
+          <a:bodyPr rtlCol="0" anchor="ctr"/>
+          <a:lstStyle/>
+          <a:p>
+            <a:pPr algn="ctr"/>
+            <a:endParaRPr lang="es-MX" dirty="0"/>
+          </a:p>
+        </p:txBody>
+      </p:sp>
+      <p:sp>
+        <p:nvSpPr>
+          <p:cNvPr id="13" name="CuadroTexto 12">
+            <a:extLst>
+              <a:ext uri="{FF2B5EF4-FFF2-40B4-BE49-F238E27FC236}">
+                <a16:creationId xmlns:a16="http://schemas.microsoft.com/office/drawing/2014/main" id="{1EF98ED3-98CB-4D17-82B0-41B1FECA00C5}"/>
+              </a:ext>
+            </a:extLst>
+          </p:cNvPr>
+          <p:cNvSpPr txBox="1"/>
+          <p:nvPr/>
+        </p:nvSpPr>
+        <p:spPr>
+          <a:xfrm>
+            <a:off x="8548159" y="4329291"/>
+            <a:ext cx="2269067" cy="1200329"/>
+          </a:xfrm>
+          <a:prstGeom prst="rect">
+            <a:avLst/>
+          </a:prstGeom>
+          <a:solidFill>
+            <a:schemeClr val="accent3">
+              <a:lumMod val="40000"/>
+              <a:lumOff val="60000"/>
+            </a:schemeClr>
+          </a:solidFill>
+          <a:ln w="73025">
+            <a:solidFill>
+              <a:srgbClr val="00B0F0"/>
+            </a:solidFill>
+          </a:ln>
+        </p:spPr>
+        <p:txBody>
+          <a:bodyPr wrap="square" rtlCol="0">
+            <a:spAutoFit/>
+          </a:bodyPr>
+          <a:lstStyle/>
+          <a:p>
+            <a:pPr algn="ctr"/>
+            <a:r>
+              <a:rPr lang="es-MX" sz="2400" dirty="0">
+                <a:solidFill>
+                  <a:schemeClr val="bg1"/>
+                </a:solidFill>
+              </a:rPr>
+              <a:t>Espectro de tiempos de vuelo</a:t>
+            </a:r>
+          </a:p>
+        </p:txBody>
+      </p:sp>
+      <p:sp>
+        <p:nvSpPr>
+          <p:cNvPr id="14" name="CuadroTexto 13">
+            <a:extLst>
+              <a:ext uri="{FF2B5EF4-FFF2-40B4-BE49-F238E27FC236}">
+                <a16:creationId xmlns:a16="http://schemas.microsoft.com/office/drawing/2014/main" id="{6A7FFBBC-D3E8-436B-A877-BB3CAE595B64}"/>
+              </a:ext>
+            </a:extLst>
+          </p:cNvPr>
+          <p:cNvSpPr txBox="1"/>
+          <p:nvPr/>
+        </p:nvSpPr>
+        <p:spPr>
+          <a:xfrm>
+            <a:off x="4616979" y="4329291"/>
+            <a:ext cx="2269067" cy="830997"/>
+          </a:xfrm>
+          <a:prstGeom prst="rect">
+            <a:avLst/>
+          </a:prstGeom>
+          <a:solidFill>
+            <a:schemeClr val="accent3">
+              <a:lumMod val="60000"/>
+              <a:lumOff val="40000"/>
+              <a:alpha val="99000"/>
+            </a:schemeClr>
+          </a:solidFill>
+          <a:ln w="73025">
+            <a:solidFill>
+              <a:srgbClr val="00B0F0"/>
+            </a:solidFill>
+          </a:ln>
+        </p:spPr>
+        <p:txBody>
+          <a:bodyPr wrap="square" rtlCol="0">
+            <a:spAutoFit/>
+          </a:bodyPr>
+          <a:lstStyle/>
+          <a:p>
+            <a:pPr algn="ctr"/>
+            <a:r>
+              <a:rPr lang="es-MX" sz="2400" dirty="0">
+                <a:solidFill>
+                  <a:schemeClr val="bg1"/>
+                </a:solidFill>
+              </a:rPr>
+              <a:t>Espectrometría de masas</a:t>
+            </a:r>
+          </a:p>
+        </p:txBody>
+      </p:sp>
+      <p:sp>
+        <p:nvSpPr>
+          <p:cNvPr id="15" name="Flecha: hacia abajo 14">
+            <a:extLst>
+              <a:ext uri="{FF2B5EF4-FFF2-40B4-BE49-F238E27FC236}">
+                <a16:creationId xmlns:a16="http://schemas.microsoft.com/office/drawing/2014/main" id="{8CC63C62-89E1-43B6-9117-6176D49D9A84}"/>
+              </a:ext>
+            </a:extLst>
+          </p:cNvPr>
+          <p:cNvSpPr/>
+          <p:nvPr/>
+        </p:nvSpPr>
+        <p:spPr>
+          <a:xfrm>
+            <a:off x="9311217" y="3035451"/>
+            <a:ext cx="742950" cy="1157288"/>
+          </a:xfrm>
+          <a:prstGeom prst="downArrow">
+            <a:avLst/>
+          </a:prstGeom>
+          <a:solidFill>
+            <a:schemeClr val="bg2">
+              <a:lumMod val="60000"/>
+              <a:lumOff val="40000"/>
+            </a:schemeClr>
+          </a:solidFill>
+          <a:ln w="28575">
+            <a:solidFill>
+              <a:schemeClr val="tx1"/>
+            </a:solidFill>
+            <a:prstDash val="dash"/>
+          </a:ln>
+        </p:spPr>
+        <p:style>
+          <a:lnRef idx="2">
+            <a:schemeClr val="accent1">
+              <a:shade val="50000"/>
+            </a:schemeClr>
+          </a:lnRef>
+          <a:fillRef idx="1">
+            <a:schemeClr val="accent1"/>
+          </a:fillRef>
+          <a:effectRef idx="0">
+            <a:schemeClr val="accent1"/>
+          </a:effectRef>
+          <a:fontRef idx="minor">
+            <a:schemeClr val="lt1"/>
+          </a:fontRef>
+        </p:style>
+        <p:txBody>
+          <a:bodyPr rtlCol="0" anchor="ctr"/>
+          <a:lstStyle/>
+          <a:p>
+            <a:pPr algn="ctr"/>
+            <a:endParaRPr lang="es-MX" dirty="0"/>
+          </a:p>
+        </p:txBody>
+      </p:sp>
+    </p:spTree>
+    <p:extLst>
+      <p:ext uri="{BB962C8B-B14F-4D97-AF65-F5344CB8AC3E}">
+        <p14:creationId xmlns:p14="http://schemas.microsoft.com/office/powerpoint/2010/main" val="2087705839"/>
+      </p:ext>
+    </p:extLst>
+  </p:cSld>
+  <p:clrMapOvr>
+    <a:masterClrMapping/>
+  </p:clrMapOvr>
+</p:sld>
+</file>
+
+<file path=ppt/slides/slide7.xml><?xml version="1.0" encoding="utf-8"?>
+<p:sld xmlns:a="http://schemas.openxmlformats.org/drawingml/2006/main" xmlns:r="http://schemas.openxmlformats.org/officeDocument/2006/relationships" xmlns:p="http://schemas.openxmlformats.org/presentationml/2006/main">
+  <p:cSld>
+    <p:bg>
+      <p:bgPr>
+        <a:blipFill>
+          <a:blip r:embed="rId2">
+            <a:extLst/>
+          </a:blip>
+          <a:stretch/>
+        </a:blipFill>
+        <a:effectLst/>
+      </p:bgPr>
+    </p:bg>
+    <p:spTree>
+      <p:nvGrpSpPr>
+        <p:cNvPr id="1" name=""/>
+        <p:cNvGrpSpPr/>
+        <p:nvPr/>
+      </p:nvGrpSpPr>
+      <p:grpSpPr>
+        <a:xfrm>
+          <a:off x="0" y="0"/>
+          <a:ext cx="0" cy="0"/>
+          <a:chOff x="0" y="0"/>
+          <a:chExt cx="0" cy="0"/>
+        </a:xfrm>
+      </p:grpSpPr>
+      <p:sp>
+        <p:nvSpPr>
+          <p:cNvPr id="2" name="Título 1">
+            <a:extLst>
+              <a:ext uri="{FF2B5EF4-FFF2-40B4-BE49-F238E27FC236}">
+                <a16:creationId xmlns:a16="http://schemas.microsoft.com/office/drawing/2014/main" id="{4F21A999-9EB5-435A-85C4-C8CE46793772}"/>
+              </a:ext>
+            </a:extLst>
+          </p:cNvPr>
+          <p:cNvSpPr>
+            <a:spLocks noGrp="1"/>
+          </p:cNvSpPr>
+          <p:nvPr>
+            <p:ph type="title"/>
+          </p:nvPr>
+        </p:nvSpPr>
+        <p:spPr>
+          <a:xfrm>
+            <a:off x="1327257" y="2911210"/>
+            <a:ext cx="4099947" cy="1035579"/>
+          </a:xfrm>
+        </p:spPr>
+        <p:txBody>
+          <a:bodyPr>
+            <a:normAutofit/>
+          </a:bodyPr>
+          <a:lstStyle/>
+          <a:p>
+            <a:r>
+              <a:rPr lang="es-MX"/>
+              <a:t>Creación de iones</a:t>
+            </a:r>
+            <a:endParaRPr lang="es-MX" dirty="0"/>
+          </a:p>
+        </p:txBody>
+      </p:sp>
+      <p:pic>
+        <p:nvPicPr>
+          <p:cNvPr id="19" name="Marcador de contenido 5">
+            <a:extLst>
+              <a:ext uri="{FF2B5EF4-FFF2-40B4-BE49-F238E27FC236}">
+                <a16:creationId xmlns:a16="http://schemas.microsoft.com/office/drawing/2014/main" id="{E8159B5B-C4C7-41EB-8987-25C890066E9B}"/>
+              </a:ext>
+            </a:extLst>
+          </p:cNvPr>
+          <p:cNvPicPr>
+            <a:picLocks noChangeAspect="1"/>
+          </p:cNvPicPr>
+          <p:nvPr/>
+        </p:nvPicPr>
+        <p:blipFill>
+          <a:blip r:embed="rId3"/>
+          <a:stretch>
+            <a:fillRect/>
+          </a:stretch>
+        </p:blipFill>
+        <p:spPr>
+          <a:xfrm>
+            <a:off x="6057694" y="751315"/>
+            <a:ext cx="5454122" cy="2467990"/>
+          </a:xfrm>
+          <a:prstGeom prst="roundRect">
+            <a:avLst>
+              <a:gd name="adj" fmla="val 6267"/>
+            </a:avLst>
+          </a:prstGeom>
+          <a:ln w="50800" cap="sq" cmpd="dbl">
+            <a:gradFill flip="none" rotWithShape="1">
+              <a:gsLst>
+                <a:gs pos="0">
+                  <a:srgbClr val="FFFFFF"/>
+                </a:gs>
+                <a:gs pos="100000">
+                  <a:schemeClr val="tx1">
+                    <a:alpha val="0"/>
+                  </a:schemeClr>
+                </a:gs>
+              </a:gsLst>
+              <a:path path="circle">
+                <a:fillToRect l="50000" t="50000" r="50000" b="50000"/>
+              </a:path>
+              <a:tileRect/>
+            </a:gradFill>
+            <a:miter lim="800000"/>
+          </a:ln>
+          <a:effectLst>
+            <a:outerShdw blurRad="254000" algn="tl" rotWithShape="0">
+              <a:srgbClr val="000000">
+                <a:alpha val="43000"/>
+              </a:srgbClr>
+            </a:outerShdw>
+          </a:effectLst>
+        </p:spPr>
+      </p:pic>
+      <p:sp>
+        <p:nvSpPr>
+          <p:cNvPr id="4" name="Marcador de número de diapositiva 3">
+            <a:extLst>
+              <a:ext uri="{FF2B5EF4-FFF2-40B4-BE49-F238E27FC236}">
+                <a16:creationId xmlns:a16="http://schemas.microsoft.com/office/drawing/2014/main" id="{4EE450F6-76A0-4606-9D03-80FA18E2897E}"/>
+              </a:ext>
+            </a:extLst>
+          </p:cNvPr>
+          <p:cNvSpPr>
+            <a:spLocks noGrp="1"/>
+          </p:cNvSpPr>
+          <p:nvPr>
+            <p:ph type="sldNum" sz="quarter" idx="12"/>
+          </p:nvPr>
+        </p:nvSpPr>
+        <p:spPr>
+          <a:xfrm>
+            <a:off x="4876037" y="5870575"/>
+            <a:ext cx="551167" cy="377825"/>
+          </a:xfrm>
+        </p:spPr>
+        <p:txBody>
+          <a:bodyPr>
+            <a:noAutofit/>
+          </a:bodyPr>
+          <a:lstStyle/>
+          <a:p>
+            <a:pPr>
+              <a:spcAft>
+                <a:spcPts val="600"/>
+              </a:spcAft>
+            </a:pPr>
+            <a:fld id="{D57F1E4F-1CFF-5643-939E-217C01CDF565}" type="slidenum">
+              <a:rPr lang="en-US" sz="2800" smtClean="0"/>
+              <a:pPr>
+                <a:spcAft>
+                  <a:spcPts val="600"/>
+                </a:spcAft>
+              </a:pPr>
+              <a:t>7</a:t>
+            </a:fld>
+            <a:endParaRPr lang="en-US" sz="2800" dirty="0"/>
+          </a:p>
+        </p:txBody>
+      </p:sp>
+      <p:pic>
+        <p:nvPicPr>
+          <p:cNvPr id="8" name="Imagen 7">
+            <a:extLst>
+              <a:ext uri="{FF2B5EF4-FFF2-40B4-BE49-F238E27FC236}">
+                <a16:creationId xmlns:a16="http://schemas.microsoft.com/office/drawing/2014/main" id="{1D7E7067-156F-4938-A34B-288ADC6E2D5D}"/>
+              </a:ext>
+            </a:extLst>
+          </p:cNvPr>
+          <p:cNvPicPr>
+            <a:picLocks noChangeAspect="1"/>
+          </p:cNvPicPr>
+          <p:nvPr/>
+        </p:nvPicPr>
+        <p:blipFill>
+          <a:blip r:embed="rId4"/>
+          <a:stretch>
+            <a:fillRect/>
+          </a:stretch>
+        </p:blipFill>
+        <p:spPr>
+          <a:xfrm>
+            <a:off x="6057694" y="3634328"/>
+            <a:ext cx="5454122" cy="2467990"/>
+          </a:xfrm>
+          <a:prstGeom prst="roundRect">
+            <a:avLst>
+              <a:gd name="adj" fmla="val 6267"/>
+            </a:avLst>
+          </a:prstGeom>
+          <a:ln w="50800" cap="sq" cmpd="dbl">
+            <a:gradFill flip="none" rotWithShape="1">
+              <a:gsLst>
+                <a:gs pos="0">
+                  <a:srgbClr val="FFFFFF"/>
+                </a:gs>
+                <a:gs pos="100000">
+                  <a:schemeClr val="tx1">
+                    <a:alpha val="0"/>
+                  </a:schemeClr>
+                </a:gs>
+              </a:gsLst>
+              <a:path path="circle">
+                <a:fillToRect l="50000" t="50000" r="50000" b="50000"/>
+              </a:path>
+              <a:tileRect/>
+            </a:gradFill>
+            <a:miter lim="800000"/>
+          </a:ln>
+          <a:effectLst>
+            <a:outerShdw blurRad="254000" algn="tl" rotWithShape="0">
+              <a:srgbClr val="000000">
+                <a:alpha val="43000"/>
+              </a:srgbClr>
+            </a:outerShdw>
+          </a:effectLst>
+        </p:spPr>
+      </p:pic>
+    </p:spTree>
+    <p:extLst>
+      <p:ext uri="{BB962C8B-B14F-4D97-AF65-F5344CB8AC3E}">
+        <p14:creationId xmlns:p14="http://schemas.microsoft.com/office/powerpoint/2010/main" val="1168467405"/>
+      </p:ext>
+    </p:extLst>
+  </p:cSld>
+  <p:clrMapOvr>
+    <a:masterClrMapping/>
+  </p:clrMapOvr>
+</p:sld>
+</file>
+
+<file path=ppt/slides/slide8.xml><?xml version="1.0" encoding="utf-8"?>
+<p:sld xmlns:a="http://schemas.openxmlformats.org/drawingml/2006/main" xmlns:r="http://schemas.openxmlformats.org/officeDocument/2006/relationships" xmlns:p="http://schemas.openxmlformats.org/presentationml/2006/main">
+  <p:cSld>
+    <p:spTree>
+      <p:nvGrpSpPr>
+        <p:cNvPr id="1" name=""/>
+        <p:cNvGrpSpPr/>
+        <p:nvPr/>
+      </p:nvGrpSpPr>
+      <p:grpSpPr>
+        <a:xfrm>
+          <a:off x="0" y="0"/>
+          <a:ext cx="0" cy="0"/>
+          <a:chOff x="0" y="0"/>
+          <a:chExt cx="0" cy="0"/>
+        </a:xfrm>
+      </p:grpSpPr>
+      <p:sp>
+        <p:nvSpPr>
+          <p:cNvPr id="2" name="Título 1">
+            <a:extLst>
+              <a:ext uri="{FF2B5EF4-FFF2-40B4-BE49-F238E27FC236}">
+                <a16:creationId xmlns:a16="http://schemas.microsoft.com/office/drawing/2014/main" id="{32571665-D6B5-4CE0-B77E-9D50A17E435F}"/>
+              </a:ext>
+            </a:extLst>
+          </p:cNvPr>
+          <p:cNvSpPr>
+            <a:spLocks noGrp="1"/>
+          </p:cNvSpPr>
+          <p:nvPr>
+            <p:ph type="title"/>
+          </p:nvPr>
+        </p:nvSpPr>
+        <p:spPr/>
+        <p:txBody>
+          <a:bodyPr/>
+          <a:lstStyle/>
+          <a:p>
+            <a:r>
+              <a:rPr lang="es-MX" dirty="0"/>
+              <a:t>Posibles iones que aparecerán</a:t>
+            </a:r>
+          </a:p>
+        </p:txBody>
+      </p:sp>
+      <p:sp>
+        <p:nvSpPr>
+          <p:cNvPr id="4" name="Marcador de número de diapositiva 3">
+            <a:extLst>
+              <a:ext uri="{FF2B5EF4-FFF2-40B4-BE49-F238E27FC236}">
+                <a16:creationId xmlns:a16="http://schemas.microsoft.com/office/drawing/2014/main" id="{E7372300-3561-49EA-9458-9EC2B24CE37B}"/>
+              </a:ext>
+            </a:extLst>
+          </p:cNvPr>
+          <p:cNvSpPr>
+            <a:spLocks noGrp="1"/>
+          </p:cNvSpPr>
+          <p:nvPr>
+            <p:ph type="sldNum" sz="quarter" idx="12"/>
+          </p:nvPr>
+        </p:nvSpPr>
+        <p:spPr/>
+        <p:txBody>
+          <a:bodyPr/>
+          <a:lstStyle/>
+          <a:p>
+            <a:fld id="{D57F1E4F-1CFF-5643-939E-217C01CDF565}" type="slidenum">
+              <a:rPr lang="en-US" sz="2800" smtClean="0"/>
+              <a:pPr/>
+              <a:t>8</a:t>
+            </a:fld>
+            <a:endParaRPr lang="en-US" sz="2800" dirty="0"/>
+          </a:p>
+        </p:txBody>
+      </p:sp>
+      <p:pic>
+        <p:nvPicPr>
+          <p:cNvPr id="6" name="Marcador de contenido 5" descr="Imagen que contiene objeto&#10;&#10;Descripción generada con confianza alta">
+            <a:extLst>
+              <a:ext uri="{FF2B5EF4-FFF2-40B4-BE49-F238E27FC236}">
+                <a16:creationId xmlns:a16="http://schemas.microsoft.com/office/drawing/2014/main" id="{9444739C-F819-4E18-9C74-42526809AED7}"/>
+              </a:ext>
+            </a:extLst>
+          </p:cNvPr>
+          <p:cNvPicPr>
+            <a:picLocks noGrp="1" noChangeAspect="1"/>
+          </p:cNvPicPr>
+          <p:nvPr>
+            <p:ph idx="1"/>
+          </p:nvPr>
+        </p:nvPicPr>
+        <p:blipFill>
+          <a:blip r:embed="rId2"/>
+          <a:stretch>
+            <a:fillRect/>
+          </a:stretch>
+        </p:blipFill>
+        <p:spPr>
+          <a:xfrm>
+            <a:off x="685800" y="3001042"/>
+            <a:ext cx="10131425" cy="1930654"/>
+          </a:xfrm>
+          <a:prstGeom prst="rect">
+            <a:avLst/>
+          </a:prstGeom>
+        </p:spPr>
+      </p:pic>
+    </p:spTree>
+    <p:extLst>
+      <p:ext uri="{BB962C8B-B14F-4D97-AF65-F5344CB8AC3E}">
+        <p14:creationId xmlns:p14="http://schemas.microsoft.com/office/powerpoint/2010/main" val="2356528006"/>
+      </p:ext>
+    </p:extLst>
+  </p:cSld>
+  <p:clrMapOvr>
+    <a:masterClrMapping/>
+  </p:clrMapOvr>
+</p:sld>
+</file>
+
+<file path=ppt/slides/slide9.xml><?xml version="1.0" encoding="utf-8"?>
+<p:sld xmlns:a="http://schemas.openxmlformats.org/drawingml/2006/main" xmlns:r="http://schemas.openxmlformats.org/officeDocument/2006/relationships" xmlns:p="http://schemas.openxmlformats.org/presentationml/2006/main">
+  <p:cSld>
+    <p:spTree>
+      <p:nvGrpSpPr>
+        <p:cNvPr id="1" name=""/>
+        <p:cNvGrpSpPr/>
+        <p:nvPr/>
+      </p:nvGrpSpPr>
+      <p:grpSpPr>
+        <a:xfrm>
+          <a:off x="0" y="0"/>
+          <a:ext cx="0" cy="0"/>
+          <a:chOff x="0" y="0"/>
+          <a:chExt cx="0" cy="0"/>
+        </a:xfrm>
+      </p:grpSpPr>
+      <p:sp>
+        <p:nvSpPr>
+          <p:cNvPr id="2" name="Título 1">
+            <a:extLst>
+              <a:ext uri="{FF2B5EF4-FFF2-40B4-BE49-F238E27FC236}">
+                <a16:creationId xmlns:a16="http://schemas.microsoft.com/office/drawing/2014/main" id="{03F17B3B-7AE1-42E2-A296-AEAE1CFDF75B}"/>
+              </a:ext>
+            </a:extLst>
+          </p:cNvPr>
+          <p:cNvSpPr>
+            <a:spLocks noGrp="1"/>
+          </p:cNvSpPr>
+          <p:nvPr>
+            <p:ph type="title"/>
+          </p:nvPr>
+        </p:nvSpPr>
+        <p:spPr/>
+        <p:txBody>
+          <a:bodyPr/>
+          <a:lstStyle/>
+          <a:p>
+            <a:r>
+              <a:rPr lang="es-MX" dirty="0"/>
+              <a:t>Aceleración y enfoque: lentes de </a:t>
+            </a:r>
+            <a:r>
+              <a:rPr lang="es-MX" dirty="0" err="1"/>
+              <a:t>einzel</a:t>
+            </a:r>
+            <a:endParaRPr lang="es-MX" dirty="0"/>
+          </a:p>
+        </p:txBody>
+      </p:sp>
+      <p:pic>
+        <p:nvPicPr>
+          <p:cNvPr id="6" name="Marcador de contenido 5" descr="Imagen que contiene texto&#10;&#10;Descripción generada con confianza muy alta">
+            <a:extLst>
+              <a:ext uri="{FF2B5EF4-FFF2-40B4-BE49-F238E27FC236}">
+                <a16:creationId xmlns:a16="http://schemas.microsoft.com/office/drawing/2014/main" id="{6CD05A4F-2436-402D-A378-65C08989FD11}"/>
+              </a:ext>
+            </a:extLst>
+          </p:cNvPr>
+          <p:cNvPicPr>
+            <a:picLocks noGrp="1" noChangeAspect="1"/>
+          </p:cNvPicPr>
+          <p:nvPr>
+            <p:ph idx="1"/>
+          </p:nvPr>
+        </p:nvPicPr>
+        <p:blipFill>
+          <a:blip r:embed="rId2"/>
+          <a:stretch>
+            <a:fillRect/>
+          </a:stretch>
+        </p:blipFill>
+        <p:spPr>
+          <a:xfrm>
+            <a:off x="685800" y="2524691"/>
+            <a:ext cx="10131425" cy="2883356"/>
+          </a:xfrm>
+        </p:spPr>
+      </p:pic>
+      <p:sp>
+        <p:nvSpPr>
+          <p:cNvPr id="4" name="Marcador de número de diapositiva 3">
+            <a:extLst>
+              <a:ext uri="{FF2B5EF4-FFF2-40B4-BE49-F238E27FC236}">
+                <a16:creationId xmlns:a16="http://schemas.microsoft.com/office/drawing/2014/main" id="{41364D30-49D6-4DFB-8E29-188C4BDC185A}"/>
+              </a:ext>
+            </a:extLst>
+          </p:cNvPr>
+          <p:cNvSpPr>
+            <a:spLocks noGrp="1"/>
+          </p:cNvSpPr>
+          <p:nvPr>
+            <p:ph type="sldNum" sz="quarter" idx="12"/>
+          </p:nvPr>
+        </p:nvSpPr>
+        <p:spPr/>
+        <p:txBody>
+          <a:bodyPr/>
+          <a:lstStyle/>
+          <a:p>
+            <a:fld id="{D57F1E4F-1CFF-5643-939E-217C01CDF565}" type="slidenum">
+              <a:rPr lang="en-US" sz="2800" smtClean="0"/>
+              <a:pPr/>
+              <a:t>9</a:t>
+            </a:fld>
+            <a:endParaRPr lang="en-US" sz="2800" dirty="0"/>
+          </a:p>
+        </p:txBody>
+      </p:sp>
+    </p:spTree>
+    <p:extLst>
+      <p:ext uri="{BB962C8B-B14F-4D97-AF65-F5344CB8AC3E}">
+        <p14:creationId xmlns:p14="http://schemas.microsoft.com/office/powerpoint/2010/main" val="880579804"/>
       </p:ext>
     </p:extLst>
   </p:cSld>
@@ -6172,4 +12771,299 @@
     </a:ext>
   </a:extLst>
 </a:theme>
+</file>
+
+<file path=ppt/theme/theme2.xml><?xml version="1.0" encoding="utf-8"?>
+<a:theme xmlns:a="http://schemas.openxmlformats.org/drawingml/2006/main" name="Tema de Office">
+  <a:themeElements>
+    <a:clrScheme name="Office">
+      <a:dk1>
+        <a:sysClr val="windowText" lastClr="000000"/>
+      </a:dk1>
+      <a:lt1>
+        <a:sysClr val="window" lastClr="FFFFFF"/>
+      </a:lt1>
+      <a:dk2>
+        <a:srgbClr val="44546A"/>
+      </a:dk2>
+      <a:lt2>
+        <a:srgbClr val="E7E6E6"/>
+      </a:lt2>
+      <a:accent1>
+        <a:srgbClr val="4472C4"/>
+      </a:accent1>
+      <a:accent2>
+        <a:srgbClr val="ED7D31"/>
+      </a:accent2>
+      <a:accent3>
+        <a:srgbClr val="A5A5A5"/>
+      </a:accent3>
+      <a:accent4>
+        <a:srgbClr val="FFC000"/>
+      </a:accent4>
+      <a:accent5>
+        <a:srgbClr val="5B9BD5"/>
+      </a:accent5>
+      <a:accent6>
+        <a:srgbClr val="70AD47"/>
+      </a:accent6>
+      <a:hlink>
+        <a:srgbClr val="0563C1"/>
+      </a:hlink>
+      <a:folHlink>
+        <a:srgbClr val="954F72"/>
+      </a:folHlink>
+    </a:clrScheme>
+    <a:fontScheme name="Office">
+      <a:majorFont>
+        <a:latin typeface="Calibri Light" panose="020F0302020204030204"/>
+        <a:ea typeface=""/>
+        <a:cs typeface=""/>
+        <a:font script="Jpan" typeface="游ゴシック Light"/>
+        <a:font script="Hang" typeface="맑은 고딕"/>
+        <a:font script="Hans" typeface="等线 Light"/>
+        <a:font script="Hant" typeface="新細明體"/>
+        <a:font script="Arab" typeface="Times New Roman"/>
+        <a:font script="Hebr" typeface="Times New Roman"/>
+        <a:font script="Thai" typeface="Angsana New"/>
+        <a:font script="Ethi" typeface="Nyala"/>
+        <a:font script="Beng" typeface="Vrinda"/>
+        <a:font script="Gujr" typeface="Shruti"/>
+        <a:font script="Khmr" typeface="MoolBoran"/>
+        <a:font script="Knda" typeface="Tunga"/>
+        <a:font script="Guru" typeface="Raavi"/>
+        <a:font script="Cans" typeface="Euphemia"/>
+        <a:font script="Cher" typeface="Plantagenet Cherokee"/>
+        <a:font script="Yiii" typeface="Microsoft Yi Baiti"/>
+        <a:font script="Tibt" typeface="Microsoft Himalaya"/>
+        <a:font script="Thaa" typeface="MV Boli"/>
+        <a:font script="Deva" typeface="Mangal"/>
+        <a:font script="Telu" typeface="Gautami"/>
+        <a:font script="Taml" typeface="Latha"/>
+        <a:font script="Syrc" typeface="Estrangelo Edessa"/>
+        <a:font script="Orya" typeface="Kalinga"/>
+        <a:font script="Mlym" typeface="Kartika"/>
+        <a:font script="Laoo" typeface="DokChampa"/>
+        <a:font script="Sinh" typeface="Iskoola Pota"/>
+        <a:font script="Mong" typeface="Mongolian Baiti"/>
+        <a:font script="Viet" typeface="Times New Roman"/>
+        <a:font script="Uigh" typeface="Microsoft Uighur"/>
+        <a:font script="Geor" typeface="Sylfaen"/>
+        <a:font script="Armn" typeface="Arial"/>
+        <a:font script="Bugi" typeface="Leelawadee UI"/>
+        <a:font script="Bopo" typeface="Microsoft JhengHei"/>
+        <a:font script="Java" typeface="Javanese Text"/>
+        <a:font script="Lisu" typeface="Segoe UI"/>
+        <a:font script="Mymr" typeface="Myanmar Text"/>
+        <a:font script="Nkoo" typeface="Ebrima"/>
+        <a:font script="Olck" typeface="Nirmala UI"/>
+        <a:font script="Osma" typeface="Ebrima"/>
+        <a:font script="Phag" typeface="Phagspa"/>
+        <a:font script="Syrn" typeface="Estrangelo Edessa"/>
+        <a:font script="Syrj" typeface="Estrangelo Edessa"/>
+        <a:font script="Syre" typeface="Estrangelo Edessa"/>
+        <a:font script="Sora" typeface="Nirmala UI"/>
+        <a:font script="Tale" typeface="Microsoft Tai Le"/>
+        <a:font script="Talu" typeface="Microsoft New Tai Lue"/>
+        <a:font script="Tfng" typeface="Ebrima"/>
+      </a:majorFont>
+      <a:minorFont>
+        <a:latin typeface="Calibri" panose="020F0502020204030204"/>
+        <a:ea typeface=""/>
+        <a:cs typeface=""/>
+        <a:font script="Jpan" typeface="游ゴシック"/>
+        <a:font script="Hang" typeface="맑은 고딕"/>
+        <a:font script="Hans" typeface="等线"/>
+        <a:font script="Hant" typeface="新細明體"/>
+        <a:font script="Arab" typeface="Arial"/>
+        <a:font script="Hebr" typeface="Arial"/>
+        <a:font script="Thai" typeface="Cordia New"/>
+        <a:font script="Ethi" typeface="Nyala"/>
+        <a:font script="Beng" typeface="Vrinda"/>
+        <a:font script="Gujr" typeface="Shruti"/>
+        <a:font script="Khmr" typeface="DaunPenh"/>
+        <a:font script="Knda" typeface="Tunga"/>
+        <a:font script="Guru" typeface="Raavi"/>
+        <a:font script="Cans" typeface="Euphemia"/>
+        <a:font script="Cher" typeface="Plantagenet Cherokee"/>
+        <a:font script="Yiii" typeface="Microsoft Yi Baiti"/>
+        <a:font script="Tibt" typeface="Microsoft Himalaya"/>
+        <a:font script="Thaa" typeface="MV Boli"/>
+        <a:font script="Deva" typeface="Mangal"/>
+        <a:font script="Telu" typeface="Gautami"/>
+        <a:font script="Taml" typeface="Latha"/>
+        <a:font script="Syrc" typeface="Estrangelo Edessa"/>
+        <a:font script="Orya" typeface="Kalinga"/>
+        <a:font script="Mlym" typeface="Kartika"/>
+        <a:font script="Laoo" typeface="DokChampa"/>
+        <a:font script="Sinh" typeface="Iskoola Pota"/>
+        <a:font script="Mong" typeface="Mongolian Baiti"/>
+        <a:font script="Viet" typeface="Arial"/>
+        <a:font script="Uigh" typeface="Microsoft Uighur"/>
+        <a:font script="Geor" typeface="Sylfaen"/>
+        <a:font script="Armn" typeface="Arial"/>
+        <a:font script="Bugi" typeface="Leelawadee UI"/>
+        <a:font script="Bopo" typeface="Microsoft JhengHei"/>
+        <a:font script="Java" typeface="Javanese Text"/>
+        <a:font script="Lisu" typeface="Segoe UI"/>
+        <a:font script="Mymr" typeface="Myanmar Text"/>
+        <a:font script="Nkoo" typeface="Ebrima"/>
+        <a:font script="Olck" typeface="Nirmala UI"/>
+        <a:font script="Osma" typeface="Ebrima"/>
+        <a:font script="Phag" typeface="Phagspa"/>
+        <a:font script="Syrn" typeface="Estrangelo Edessa"/>
+        <a:font script="Syrj" typeface="Estrangelo Edessa"/>
+        <a:font script="Syre" typeface="Estrangelo Edessa"/>
+        <a:font script="Sora" typeface="Nirmala UI"/>
+        <a:font script="Tale" typeface="Microsoft Tai Le"/>
+        <a:font script="Talu" typeface="Microsoft New Tai Lue"/>
+        <a:font script="Tfng" typeface="Ebrima"/>
+      </a:minorFont>
+    </a:fontScheme>
+    <a:fmtScheme name="Office">
+      <a:fillStyleLst>
+        <a:solidFill>
+          <a:schemeClr val="phClr"/>
+        </a:solidFill>
+        <a:gradFill rotWithShape="1">
+          <a:gsLst>
+            <a:gs pos="0">
+              <a:schemeClr val="phClr">
+                <a:lumMod val="110000"/>
+                <a:satMod val="105000"/>
+                <a:tint val="67000"/>
+              </a:schemeClr>
+            </a:gs>
+            <a:gs pos="50000">
+              <a:schemeClr val="phClr">
+                <a:lumMod val="105000"/>
+                <a:satMod val="103000"/>
+                <a:tint val="73000"/>
+              </a:schemeClr>
+            </a:gs>
+            <a:gs pos="100000">
+              <a:schemeClr val="phClr">
+                <a:lumMod val="105000"/>
+                <a:satMod val="109000"/>
+                <a:tint val="81000"/>
+              </a:schemeClr>
+            </a:gs>
+          </a:gsLst>
+          <a:lin ang="5400000" scaled="0"/>
+        </a:gradFill>
+        <a:gradFill rotWithShape="1">
+          <a:gsLst>
+            <a:gs pos="0">
+              <a:schemeClr val="phClr">
+                <a:satMod val="103000"/>
+                <a:lumMod val="102000"/>
+                <a:tint val="94000"/>
+              </a:schemeClr>
+            </a:gs>
+            <a:gs pos="50000">
+              <a:schemeClr val="phClr">
+                <a:satMod val="110000"/>
+                <a:lumMod val="100000"/>
+                <a:shade val="100000"/>
+              </a:schemeClr>
+            </a:gs>
+            <a:gs pos="100000">
+              <a:schemeClr val="phClr">
+                <a:lumMod val="99000"/>
+                <a:satMod val="120000"/>
+                <a:shade val="78000"/>
+              </a:schemeClr>
+            </a:gs>
+          </a:gsLst>
+          <a:lin ang="5400000" scaled="0"/>
+        </a:gradFill>
+      </a:fillStyleLst>
+      <a:lnStyleLst>
+        <a:ln w="6350" cap="flat" cmpd="sng" algn="ctr">
+          <a:solidFill>
+            <a:schemeClr val="phClr"/>
+          </a:solidFill>
+          <a:prstDash val="solid"/>
+          <a:miter lim="800000"/>
+        </a:ln>
+        <a:ln w="12700" cap="flat" cmpd="sng" algn="ctr">
+          <a:solidFill>
+            <a:schemeClr val="phClr"/>
+          </a:solidFill>
+          <a:prstDash val="solid"/>
+          <a:miter lim="800000"/>
+        </a:ln>
+        <a:ln w="19050" cap="flat" cmpd="sng" algn="ctr">
+          <a:solidFill>
+            <a:schemeClr val="phClr"/>
+          </a:solidFill>
+          <a:prstDash val="solid"/>
+          <a:miter lim="800000"/>
+        </a:ln>
+      </a:lnStyleLst>
+      <a:effectStyleLst>
+        <a:effectStyle>
+          <a:effectLst/>
+        </a:effectStyle>
+        <a:effectStyle>
+          <a:effectLst/>
+        </a:effectStyle>
+        <a:effectStyle>
+          <a:effectLst>
+            <a:outerShdw blurRad="57150" dist="19050" dir="5400000" algn="ctr" rotWithShape="0">
+              <a:srgbClr val="000000">
+                <a:alpha val="63000"/>
+              </a:srgbClr>
+            </a:outerShdw>
+          </a:effectLst>
+        </a:effectStyle>
+      </a:effectStyleLst>
+      <a:bgFillStyleLst>
+        <a:solidFill>
+          <a:schemeClr val="phClr"/>
+        </a:solidFill>
+        <a:solidFill>
+          <a:schemeClr val="phClr">
+            <a:tint val="95000"/>
+            <a:satMod val="170000"/>
+          </a:schemeClr>
+        </a:solidFill>
+        <a:gradFill rotWithShape="1">
+          <a:gsLst>
+            <a:gs pos="0">
+              <a:schemeClr val="phClr">
+                <a:tint val="93000"/>
+                <a:satMod val="150000"/>
+                <a:shade val="98000"/>
+                <a:lumMod val="102000"/>
+              </a:schemeClr>
+            </a:gs>
+            <a:gs pos="50000">
+              <a:schemeClr val="phClr">
+                <a:tint val="98000"/>
+                <a:satMod val="130000"/>
+                <a:shade val="90000"/>
+                <a:lumMod val="103000"/>
+              </a:schemeClr>
+            </a:gs>
+            <a:gs pos="100000">
+              <a:schemeClr val="phClr">
+                <a:shade val="63000"/>
+                <a:satMod val="120000"/>
+              </a:schemeClr>
+            </a:gs>
+          </a:gsLst>
+          <a:lin ang="5400000" scaled="0"/>
+        </a:gradFill>
+      </a:bgFillStyleLst>
+    </a:fmtScheme>
+  </a:themeElements>
+  <a:objectDefaults/>
+  <a:extraClrSchemeLst/>
+  <a:extLst>
+    <a:ext uri="{05A4C25C-085E-4340-85A3-A5531E510DB2}">
+      <thm15:themeFamily xmlns:thm15="http://schemas.microsoft.com/office/thememl/2012/main" name="Office Theme" id="{62F939B6-93AF-4DB8-9C6B-D6C7DFDC589F}" vid="{4A3C46E8-61CC-4603-A589-7422A47A8E4A}"/>
+    </a:ext>
+  </a:extLst>
+</a:theme>
 </file>